--- a/GDI_IntroDBC3.pptx
+++ b/GDI_IntroDBC3.pptx
@@ -5,7 +5,7 @@
     <p:sldMasterId id="2147483708" r:id="rId1"/>
   </p:sldMasterIdLst>
   <p:notesMasterIdLst>
-    <p:notesMasterId r:id="rId38"/>
+    <p:notesMasterId r:id="rId37"/>
   </p:notesMasterIdLst>
   <p:sldIdLst>
     <p:sldId id="256" r:id="rId2"/>
@@ -30,20 +30,19 @@
     <p:sldId id="333" r:id="rId21"/>
     <p:sldId id="310" r:id="rId22"/>
     <p:sldId id="312" r:id="rId23"/>
-    <p:sldId id="311" r:id="rId24"/>
-    <p:sldId id="308" r:id="rId25"/>
-    <p:sldId id="306" r:id="rId26"/>
-    <p:sldId id="287" r:id="rId27"/>
-    <p:sldId id="286" r:id="rId28"/>
-    <p:sldId id="313" r:id="rId29"/>
-    <p:sldId id="276" r:id="rId30"/>
-    <p:sldId id="324" r:id="rId31"/>
-    <p:sldId id="325" r:id="rId32"/>
-    <p:sldId id="327" r:id="rId33"/>
-    <p:sldId id="326" r:id="rId34"/>
-    <p:sldId id="330" r:id="rId35"/>
-    <p:sldId id="328" r:id="rId36"/>
-    <p:sldId id="329" r:id="rId37"/>
+    <p:sldId id="308" r:id="rId24"/>
+    <p:sldId id="306" r:id="rId25"/>
+    <p:sldId id="287" r:id="rId26"/>
+    <p:sldId id="286" r:id="rId27"/>
+    <p:sldId id="313" r:id="rId28"/>
+    <p:sldId id="276" r:id="rId29"/>
+    <p:sldId id="324" r:id="rId30"/>
+    <p:sldId id="325" r:id="rId31"/>
+    <p:sldId id="327" r:id="rId32"/>
+    <p:sldId id="326" r:id="rId33"/>
+    <p:sldId id="330" r:id="rId34"/>
+    <p:sldId id="328" r:id="rId35"/>
+    <p:sldId id="329" r:id="rId36"/>
   </p:sldIdLst>
   <p:sldSz cx="12192000" cy="6858000"/>
   <p:notesSz cx="6858000" cy="9144000"/>
@@ -144,7 +143,7 @@
   </p:defaultTextStyle>
   <p:extLst>
     <p:ext uri="{EFAFB233-063F-42B5-8137-9DF3F51BA10A}">
-      <p15:sldGuideLst xmlns="" xmlns:p15="http://schemas.microsoft.com/office/powerpoint/2012/main"/>
+      <p15:sldGuideLst xmlns:p15="http://schemas.microsoft.com/office/powerpoint/2012/main" xmlns=""/>
     </p:ext>
   </p:extLst>
 </p:presentation>
@@ -232,7 +231,7 @@
           <a:p>
             <a:fld id="{3B878983-71F1-7542-B98D-F6B15D7E99DA}" type="datetimeFigureOut">
               <a:rPr lang="en-US" smtClean="0"/>
-              <a:t>10/21/18</a:t>
+              <a:t>10/23/18</a:t>
             </a:fld>
             <a:endParaRPr lang="en-US" dirty="0"/>
           </a:p>
@@ -628,57 +627,6 @@
           <a:bodyPr/>
           <a:lstStyle/>
           <a:p>
-            <a:pPr marL="0" marR="0" indent="0" algn="l" defTabSz="914400" rtl="0" eaLnBrk="1" fontAlgn="auto" latinLnBrk="0" hangingPunct="1">
-              <a:lnSpc>
-                <a:spcPct val="100000"/>
-              </a:lnSpc>
-              <a:spcBef>
-                <a:spcPts val="0"/>
-              </a:spcBef>
-              <a:spcAft>
-                <a:spcPts val="0"/>
-              </a:spcAft>
-              <a:buClrTx/>
-              <a:buSzTx/>
-              <a:buFontTx/>
-              <a:buNone/>
-              <a:tabLst/>
-              <a:defRPr/>
-            </a:pPr>
-            <a:r>
-              <a:rPr lang="en-US" dirty="0" smtClean="0"/>
-              <a:t>Useful</a:t>
-            </a:r>
-            <a:r>
-              <a:rPr lang="en-US" baseline="0" dirty="0" smtClean="0"/>
-              <a:t> when you have a relationship that is one to many where the many is optional, may have entries in Table B but may not, can use this to return those null values, for example, if looking whether there are customers who haven’t made any </a:t>
-            </a:r>
-            <a:r>
-              <a:rPr lang="en-US" baseline="0" dirty="0" smtClean="0"/>
-              <a:t>orders</a:t>
-            </a:r>
-          </a:p>
-          <a:p>
-            <a:pPr marL="0" marR="0" indent="0" algn="l" defTabSz="914400" rtl="0" eaLnBrk="1" fontAlgn="auto" latinLnBrk="0" hangingPunct="1">
-              <a:lnSpc>
-                <a:spcPct val="100000"/>
-              </a:lnSpc>
-              <a:spcBef>
-                <a:spcPts val="0"/>
-              </a:spcBef>
-              <a:spcAft>
-                <a:spcPts val="0"/>
-              </a:spcAft>
-              <a:buClrTx/>
-              <a:buSzTx/>
-              <a:buFontTx/>
-              <a:buNone/>
-              <a:tabLst/>
-              <a:defRPr/>
-            </a:pPr>
-            <a:endParaRPr lang="en-US" baseline="0" dirty="0" smtClean="0"/>
-          </a:p>
-          <a:p>
             <a:r>
               <a:rPr lang="en-US" sz="1200" kern="1200" dirty="0" smtClean="0">
                 <a:solidFill>
@@ -689,8 +637,108 @@
                 <a:ea typeface="+mn-ea"/>
                 <a:cs typeface="+mn-cs"/>
               </a:rPr>
-              <a:t>In a LEFT JOIN, the table in the FROM clause is the primary table; the result will contain every row selected from this table, while rows named in the LEFT JOIN table can be missing (these columns will be NULL in the result). </a:t>
-            </a:r>
+              <a:t>You can rename a table or a column temporarily by giving another name, which is known as </a:t>
+            </a:r>
+            <a:r>
+              <a:rPr lang="en-US" sz="1200" b="1" kern="1200" dirty="0" smtClean="0">
+                <a:solidFill>
+                  <a:schemeClr val="tx1"/>
+                </a:solidFill>
+                <a:effectLst/>
+                <a:latin typeface="+mn-lt"/>
+                <a:ea typeface="+mn-ea"/>
+                <a:cs typeface="+mn-cs"/>
+              </a:rPr>
+              <a:t>ALIAS</a:t>
+            </a:r>
+            <a:r>
+              <a:rPr lang="en-US" sz="1200" kern="1200" dirty="0" smtClean="0">
+                <a:solidFill>
+                  <a:schemeClr val="tx1"/>
+                </a:solidFill>
+                <a:effectLst/>
+                <a:latin typeface="+mn-lt"/>
+                <a:ea typeface="+mn-ea"/>
+                <a:cs typeface="+mn-cs"/>
+              </a:rPr>
+              <a:t>. The use of table aliases means to rename a table in a particular </a:t>
+            </a:r>
+            <a:r>
+              <a:rPr lang="en-US" sz="1200" kern="1200" dirty="0" err="1" smtClean="0">
+                <a:solidFill>
+                  <a:schemeClr val="tx1"/>
+                </a:solidFill>
+                <a:effectLst/>
+                <a:latin typeface="+mn-lt"/>
+                <a:ea typeface="+mn-ea"/>
+                <a:cs typeface="+mn-cs"/>
+              </a:rPr>
+              <a:t>PostgreSQL</a:t>
+            </a:r>
+            <a:r>
+              <a:rPr lang="en-US" sz="1200" kern="1200" dirty="0" smtClean="0">
+                <a:solidFill>
+                  <a:schemeClr val="tx1"/>
+                </a:solidFill>
+                <a:effectLst/>
+                <a:latin typeface="+mn-lt"/>
+                <a:ea typeface="+mn-ea"/>
+                <a:cs typeface="+mn-cs"/>
+              </a:rPr>
+              <a:t> statement. Renaming is a temporary change and the actual table name does not change in the database.</a:t>
+            </a:r>
+          </a:p>
+          <a:p>
+            <a:r>
+              <a:rPr lang="en-US" sz="1200" kern="1200" dirty="0" smtClean="0">
+                <a:solidFill>
+                  <a:schemeClr val="tx1"/>
+                </a:solidFill>
+                <a:effectLst/>
+                <a:latin typeface="+mn-lt"/>
+                <a:ea typeface="+mn-ea"/>
+                <a:cs typeface="+mn-cs"/>
+              </a:rPr>
+              <a:t>The column aliases are used to rename a table's columns for the purpose of a particular </a:t>
+            </a:r>
+            <a:r>
+              <a:rPr lang="en-US" sz="1200" kern="1200" dirty="0" err="1" smtClean="0">
+                <a:solidFill>
+                  <a:schemeClr val="tx1"/>
+                </a:solidFill>
+                <a:effectLst/>
+                <a:latin typeface="+mn-lt"/>
+                <a:ea typeface="+mn-ea"/>
+                <a:cs typeface="+mn-cs"/>
+              </a:rPr>
+              <a:t>PostgreSQL</a:t>
+            </a:r>
+            <a:r>
+              <a:rPr lang="en-US" sz="1200" kern="1200" dirty="0" smtClean="0">
+                <a:solidFill>
+                  <a:schemeClr val="tx1"/>
+                </a:solidFill>
+                <a:effectLst/>
+                <a:latin typeface="+mn-lt"/>
+                <a:ea typeface="+mn-ea"/>
+                <a:cs typeface="+mn-cs"/>
+              </a:rPr>
+              <a:t> query.</a:t>
+            </a:r>
+          </a:p>
+          <a:p>
+            <a:endParaRPr lang="en-US" sz="1200" kern="1200" dirty="0" smtClean="0">
+              <a:solidFill>
+                <a:schemeClr val="tx1"/>
+              </a:solidFill>
+              <a:effectLst/>
+              <a:latin typeface="+mn-lt"/>
+              <a:ea typeface="+mn-ea"/>
+              <a:cs typeface="+mn-cs"/>
+            </a:endParaRPr>
+          </a:p>
+          <a:p>
+            <a:endParaRPr lang="en-US" dirty="0"/>
           </a:p>
         </p:txBody>
       </p:sp>
@@ -711,7 +759,7 @@
           <a:p>
             <a:fld id="{396E52DB-5832-794A-9C5B-AA24226DC906}" type="slidenum">
               <a:rPr lang="en-US" smtClean="0"/>
-              <a:t>17</a:t>
+              <a:t>14</a:t>
             </a:fld>
             <a:endParaRPr lang="en-US" dirty="0"/>
           </a:p>
@@ -792,12 +840,47 @@
               <a:defRPr/>
             </a:pPr>
             <a:r>
+              <a:rPr lang="en-US" dirty="0" smtClean="0"/>
+              <a:t>Useful</a:t>
+            </a:r>
+            <a:r>
               <a:rPr lang="en-US" baseline="0" dirty="0" smtClean="0"/>
-              <a:t>Can use this to return those null values, for example, if looking whether there are users who haven’t made any orders</a:t>
-            </a:r>
-          </a:p>
-          <a:p>
-            <a:endParaRPr lang="en-US" dirty="0"/>
+              <a:t> when you have a relationship that is one to many where the many is optional, may have entries in Table B but may not, can use this to return those null values, for example, if looking whether there are customers who haven’t made any orders</a:t>
+            </a:r>
+          </a:p>
+          <a:p>
+            <a:pPr marL="0" marR="0" indent="0" algn="l" defTabSz="914400" rtl="0" eaLnBrk="1" fontAlgn="auto" latinLnBrk="0" hangingPunct="1">
+              <a:lnSpc>
+                <a:spcPct val="100000"/>
+              </a:lnSpc>
+              <a:spcBef>
+                <a:spcPts val="0"/>
+              </a:spcBef>
+              <a:spcAft>
+                <a:spcPts val="0"/>
+              </a:spcAft>
+              <a:buClrTx/>
+              <a:buSzTx/>
+              <a:buFontTx/>
+              <a:buNone/>
+              <a:tabLst/>
+              <a:defRPr/>
+            </a:pPr>
+            <a:endParaRPr lang="en-US" baseline="0" dirty="0" smtClean="0"/>
+          </a:p>
+          <a:p>
+            <a:r>
+              <a:rPr lang="en-US" sz="1200" kern="1200" dirty="0" smtClean="0">
+                <a:solidFill>
+                  <a:schemeClr val="tx1"/>
+                </a:solidFill>
+                <a:effectLst/>
+                <a:latin typeface="+mn-lt"/>
+                <a:ea typeface="+mn-ea"/>
+                <a:cs typeface="+mn-cs"/>
+              </a:rPr>
+              <a:t>In a LEFT JOIN, the table in the FROM clause is the primary table; the result will contain every row selected from this table, while rows named in the LEFT JOIN table can be missing (these columns will be NULL in the result). </a:t>
+            </a:r>
           </a:p>
         </p:txBody>
       </p:sp>
@@ -818,7 +901,7 @@
           <a:p>
             <a:fld id="{396E52DB-5832-794A-9C5B-AA24226DC906}" type="slidenum">
               <a:rPr lang="en-US" smtClean="0"/>
-              <a:t>18</a:t>
+              <a:t>17</a:t>
             </a:fld>
             <a:endParaRPr lang="en-US" dirty="0"/>
           </a:p>
@@ -899,16 +982,8 @@
               <a:defRPr/>
             </a:pPr>
             <a:r>
-              <a:rPr lang="en-US" sz="1200" kern="1200" dirty="0" smtClean="0">
-                <a:solidFill>
-                  <a:schemeClr val="tx1"/>
-                </a:solidFill>
-                <a:effectLst/>
-                <a:latin typeface="+mn-lt"/>
-                <a:ea typeface="+mn-ea"/>
-                <a:cs typeface="+mn-cs"/>
-              </a:rPr>
-              <a:t>RIGHT JOIN is similar but the reverse: rows can be missing in the table named in FROM.</a:t>
+              <a:rPr lang="en-US" baseline="0" dirty="0" smtClean="0"/>
+              <a:t>Can use this to return those null values, for example, if looking whether there are users who haven’t made any orders</a:t>
             </a:r>
           </a:p>
           <a:p>
@@ -933,7 +1008,7 @@
           <a:p>
             <a:fld id="{396E52DB-5832-794A-9C5B-AA24226DC906}" type="slidenum">
               <a:rPr lang="en-US" smtClean="0"/>
-              <a:t>19</a:t>
+              <a:t>18</a:t>
             </a:fld>
             <a:endParaRPr lang="en-US" dirty="0"/>
           </a:p>
@@ -996,10 +1071,37 @@
           <a:bodyPr/>
           <a:lstStyle/>
           <a:p>
-            <a:r>
-              <a:rPr lang="en-US" smtClean="0"/>
-              <a:t>No </a:t>
-            </a:r>
+            <a:pPr marL="0" marR="0" indent="0" algn="l" defTabSz="914400" rtl="0" eaLnBrk="1" fontAlgn="auto" latinLnBrk="0" hangingPunct="1">
+              <a:lnSpc>
+                <a:spcPct val="100000"/>
+              </a:lnSpc>
+              <a:spcBef>
+                <a:spcPts val="0"/>
+              </a:spcBef>
+              <a:spcAft>
+                <a:spcPts val="0"/>
+              </a:spcAft>
+              <a:buClrTx/>
+              <a:buSzTx/>
+              <a:buFontTx/>
+              <a:buNone/>
+              <a:tabLst/>
+              <a:defRPr/>
+            </a:pPr>
+            <a:r>
+              <a:rPr lang="en-US" sz="1200" kern="1200" dirty="0" smtClean="0">
+                <a:solidFill>
+                  <a:schemeClr val="tx1"/>
+                </a:solidFill>
+                <a:effectLst/>
+                <a:latin typeface="+mn-lt"/>
+                <a:ea typeface="+mn-ea"/>
+                <a:cs typeface="+mn-cs"/>
+              </a:rPr>
+              <a:t>RIGHT JOIN is similar but the reverse: rows can be missing in the table named in FROM.</a:t>
+            </a:r>
+          </a:p>
+          <a:p>
             <a:endParaRPr lang="en-US" dirty="0"/>
           </a:p>
         </p:txBody>
@@ -1021,7 +1123,7 @@
           <a:p>
             <a:fld id="{396E52DB-5832-794A-9C5B-AA24226DC906}" type="slidenum">
               <a:rPr lang="en-US" smtClean="0"/>
-              <a:t>20</a:t>
+              <a:t>19</a:t>
             </a:fld>
             <a:endParaRPr lang="en-US" dirty="0"/>
           </a:p>
@@ -1084,6 +1186,10 @@
           <a:bodyPr/>
           <a:lstStyle/>
           <a:p>
+            <a:r>
+              <a:rPr lang="en-US" smtClean="0"/>
+              <a:t>No </a:t>
+            </a:r>
             <a:endParaRPr lang="en-US" dirty="0"/>
           </a:p>
         </p:txBody>
@@ -1105,7 +1211,7 @@
           <a:p>
             <a:fld id="{396E52DB-5832-794A-9C5B-AA24226DC906}" type="slidenum">
               <a:rPr lang="en-US" smtClean="0"/>
-              <a:t>21</a:t>
+              <a:t>20</a:t>
             </a:fld>
             <a:endParaRPr lang="en-US" dirty="0"/>
           </a:p>
@@ -1189,7 +1295,7 @@
           <a:p>
             <a:fld id="{396E52DB-5832-794A-9C5B-AA24226DC906}" type="slidenum">
               <a:rPr lang="en-US" smtClean="0"/>
-              <a:t>22</a:t>
+              <a:t>21</a:t>
             </a:fld>
             <a:endParaRPr lang="en-US" dirty="0"/>
           </a:p>
@@ -1273,7 +1379,7 @@
           <a:p>
             <a:fld id="{396E52DB-5832-794A-9C5B-AA24226DC906}" type="slidenum">
               <a:rPr lang="en-US" smtClean="0"/>
-              <a:t>23</a:t>
+              <a:t>22</a:t>
             </a:fld>
             <a:endParaRPr lang="en-US" dirty="0"/>
           </a:p>
@@ -1336,130 +1442,6 @@
           <a:bodyPr/>
           <a:lstStyle/>
           <a:p>
-            <a:pPr marL="0" marR="0" indent="0" algn="l" defTabSz="914400" rtl="0" eaLnBrk="1" fontAlgn="auto" latinLnBrk="0" hangingPunct="1">
-              <a:lnSpc>
-                <a:spcPct val="100000"/>
-              </a:lnSpc>
-              <a:spcBef>
-                <a:spcPts val="0"/>
-              </a:spcBef>
-              <a:spcAft>
-                <a:spcPts val="0"/>
-              </a:spcAft>
-              <a:buClrTx/>
-              <a:buSzTx/>
-              <a:buFontTx/>
-              <a:buNone/>
-              <a:tabLst/>
-              <a:defRPr/>
-            </a:pPr>
-            <a:r>
-              <a:rPr lang="en-US" sz="1200" kern="1200" dirty="0" smtClean="0">
-                <a:solidFill>
-                  <a:schemeClr val="tx1"/>
-                </a:solidFill>
-                <a:effectLst/>
-                <a:latin typeface="+mn-lt"/>
-                <a:ea typeface="+mn-ea"/>
-                <a:cs typeface="+mn-cs"/>
-              </a:rPr>
-              <a:t> Each row in the </a:t>
-            </a:r>
-            <a:r>
-              <a:rPr lang="en-US" sz="1200" kern="1200" dirty="0" err="1" smtClean="0">
-                <a:solidFill>
-                  <a:schemeClr val="tx1"/>
-                </a:solidFill>
-                <a:effectLst/>
-                <a:latin typeface="+mn-lt"/>
-                <a:ea typeface="+mn-ea"/>
-                <a:cs typeface="+mn-cs"/>
-              </a:rPr>
-              <a:t>filmtable</a:t>
-            </a:r>
-            <a:r>
-              <a:rPr lang="en-US" sz="1200" kern="1200" dirty="0" smtClean="0">
-                <a:solidFill>
-                  <a:schemeClr val="tx1"/>
-                </a:solidFill>
-                <a:effectLst/>
-                <a:latin typeface="+mn-lt"/>
-                <a:ea typeface="+mn-ea"/>
-                <a:cs typeface="+mn-cs"/>
-              </a:rPr>
-              <a:t> may have zero or many rows in the </a:t>
-            </a:r>
-            <a:r>
-              <a:rPr lang="en-US" sz="1200" kern="1200" dirty="0" err="1" smtClean="0">
-                <a:solidFill>
-                  <a:schemeClr val="tx1"/>
-                </a:solidFill>
-                <a:effectLst/>
-                <a:latin typeface="+mn-lt"/>
-                <a:ea typeface="+mn-ea"/>
-                <a:cs typeface="+mn-cs"/>
-              </a:rPr>
-              <a:t>inventorytable</a:t>
-            </a:r>
-            <a:r>
-              <a:rPr lang="en-US" sz="1200" kern="1200" dirty="0" smtClean="0">
-                <a:solidFill>
-                  <a:schemeClr val="tx1"/>
-                </a:solidFill>
-                <a:effectLst/>
-                <a:latin typeface="+mn-lt"/>
-                <a:ea typeface="+mn-ea"/>
-                <a:cs typeface="+mn-cs"/>
-              </a:rPr>
-              <a:t>. Each row in the </a:t>
-            </a:r>
-            <a:r>
-              <a:rPr lang="en-US" sz="1200" kern="1200" dirty="0" err="1" smtClean="0">
-                <a:solidFill>
-                  <a:schemeClr val="tx1"/>
-                </a:solidFill>
-                <a:effectLst/>
-                <a:latin typeface="+mn-lt"/>
-                <a:ea typeface="+mn-ea"/>
-                <a:cs typeface="+mn-cs"/>
-              </a:rPr>
-              <a:t>inventorytable</a:t>
-            </a:r>
-            <a:r>
-              <a:rPr lang="en-US" sz="1200" kern="1200" dirty="0" smtClean="0">
-                <a:solidFill>
-                  <a:schemeClr val="tx1"/>
-                </a:solidFill>
-                <a:effectLst/>
-                <a:latin typeface="+mn-lt"/>
-                <a:ea typeface="+mn-ea"/>
-                <a:cs typeface="+mn-cs"/>
-              </a:rPr>
-              <a:t> has one and only one row in the </a:t>
-            </a:r>
-            <a:r>
-              <a:rPr lang="en-US" sz="1200" kern="1200" dirty="0" err="1" smtClean="0">
-                <a:solidFill>
-                  <a:schemeClr val="tx1"/>
-                </a:solidFill>
-                <a:effectLst/>
-                <a:latin typeface="+mn-lt"/>
-                <a:ea typeface="+mn-ea"/>
-                <a:cs typeface="+mn-cs"/>
-              </a:rPr>
-              <a:t>filmtable</a:t>
-            </a:r>
-            <a:endParaRPr lang="en-US" sz="1200" kern="1200" dirty="0" smtClean="0">
-              <a:solidFill>
-                <a:schemeClr val="tx1"/>
-              </a:solidFill>
-              <a:effectLst/>
-              <a:latin typeface="+mn-lt"/>
-              <a:ea typeface="+mn-ea"/>
-              <a:cs typeface="+mn-cs"/>
-            </a:endParaRPr>
-          </a:p>
-          <a:p>
             <a:endParaRPr lang="en-US" dirty="0"/>
           </a:p>
         </p:txBody>
@@ -1481,7 +1463,7 @@
           <a:p>
             <a:fld id="{396E52DB-5832-794A-9C5B-AA24226DC906}" type="slidenum">
               <a:rPr lang="en-US" smtClean="0"/>
-              <a:t>24</a:t>
+              <a:t>23</a:t>
             </a:fld>
             <a:endParaRPr lang="en-US" dirty="0"/>
           </a:p>
@@ -1544,6 +1526,22 @@
           <a:bodyPr/>
           <a:lstStyle/>
           <a:p>
+            <a:r>
+              <a:rPr lang="en-US" dirty="0" smtClean="0"/>
+              <a:t>Only really</a:t>
+            </a:r>
+            <a:r>
+              <a:rPr lang="en-US" baseline="0" dirty="0" smtClean="0"/>
+              <a:t> shows you something new if you use it </a:t>
+            </a:r>
+            <a:r>
+              <a:rPr lang="en-US" dirty="0" smtClean="0"/>
+              <a:t>to join tables that have many to many </a:t>
+            </a:r>
+            <a:r>
+              <a:rPr lang="en-US" baseline="0" dirty="0" smtClean="0"/>
+              <a:t>relationships, if you only have one to many, LEFT JOIN and RIGHT JOIN will get you the same as a FULL JOIN</a:t>
+            </a:r>
             <a:endParaRPr lang="en-US" dirty="0"/>
           </a:p>
         </p:txBody>
@@ -1565,7 +1563,7 @@
           <a:p>
             <a:fld id="{396E52DB-5832-794A-9C5B-AA24226DC906}" type="slidenum">
               <a:rPr lang="en-US" smtClean="0"/>
-              <a:t>25</a:t>
+              <a:t>24</a:t>
             </a:fld>
             <a:endParaRPr lang="en-US" dirty="0"/>
           </a:p>
@@ -1628,6 +1626,14 @@
           <a:bodyPr/>
           <a:lstStyle/>
           <a:p>
+            <a:r>
+              <a:rPr lang="en-US" dirty="0" smtClean="0"/>
+              <a:t>DO THIS</a:t>
+            </a:r>
+            <a:r>
+              <a:rPr lang="en-US" baseline="0" dirty="0" smtClean="0"/>
+              <a:t> FIRST!!</a:t>
+            </a:r>
             <a:endParaRPr lang="en-US" dirty="0"/>
           </a:p>
         </p:txBody>
@@ -1649,7 +1655,7 @@
           <a:p>
             <a:fld id="{396E52DB-5832-794A-9C5B-AA24226DC906}" type="slidenum">
               <a:rPr lang="en-US" smtClean="0"/>
-              <a:t>26</a:t>
+              <a:t>25</a:t>
             </a:fld>
             <a:endParaRPr lang="en-US" dirty="0"/>
           </a:p>
@@ -1712,157 +1718,22 @@
           <a:bodyPr/>
           <a:lstStyle/>
           <a:p>
-            <a:pPr marL="0" marR="0" indent="0" algn="l" defTabSz="914400" rtl="0" eaLnBrk="1" fontAlgn="auto" latinLnBrk="0" hangingPunct="1">
-              <a:lnSpc>
-                <a:spcPct val="100000"/>
-              </a:lnSpc>
-              <a:spcBef>
-                <a:spcPts val="0"/>
-              </a:spcBef>
-              <a:spcAft>
-                <a:spcPts val="0"/>
-              </a:spcAft>
-              <a:buClrTx/>
-              <a:buSzTx/>
-              <a:buFontTx/>
-              <a:buNone/>
-              <a:tabLst/>
-              <a:defRPr/>
-            </a:pPr>
-            <a:r>
-              <a:rPr lang="en-US" sz="1200" kern="1200" dirty="0" smtClean="0">
-                <a:solidFill>
-                  <a:schemeClr val="tx1"/>
-                </a:solidFill>
-                <a:effectLst/>
-                <a:latin typeface="+mn-lt"/>
-                <a:ea typeface="+mn-ea"/>
-                <a:cs typeface="+mn-cs"/>
-              </a:rPr>
-              <a:t>Remember:</a:t>
-            </a:r>
-            <a:r>
-              <a:rPr lang="en-US" sz="1200" kern="1200" baseline="0" dirty="0" smtClean="0">
-                <a:solidFill>
-                  <a:schemeClr val="tx1"/>
-                </a:solidFill>
-                <a:effectLst/>
-                <a:latin typeface="+mn-lt"/>
-                <a:ea typeface="+mn-ea"/>
-                <a:cs typeface="+mn-cs"/>
-              </a:rPr>
-              <a:t> </a:t>
-            </a:r>
-            <a:r>
-              <a:rPr lang="en-US" sz="1200" kern="1200" dirty="0" smtClean="0">
-                <a:solidFill>
-                  <a:schemeClr val="tx1"/>
-                </a:solidFill>
-                <a:effectLst/>
-                <a:latin typeface="+mn-lt"/>
-                <a:ea typeface="+mn-ea"/>
-                <a:cs typeface="+mn-cs"/>
-              </a:rPr>
-              <a:t>Each </a:t>
-            </a:r>
-            <a:r>
-              <a:rPr lang="en-US" sz="1200" kern="1200" dirty="0" smtClean="0">
-                <a:solidFill>
-                  <a:schemeClr val="tx1"/>
-                </a:solidFill>
-                <a:effectLst/>
-                <a:latin typeface="+mn-lt"/>
-                <a:ea typeface="+mn-ea"/>
-                <a:cs typeface="+mn-cs"/>
-              </a:rPr>
-              <a:t>user </a:t>
-            </a:r>
-            <a:r>
-              <a:rPr lang="en-US" sz="1200" kern="1200" dirty="0" smtClean="0">
-                <a:solidFill>
-                  <a:schemeClr val="tx1"/>
-                </a:solidFill>
-                <a:effectLst/>
-                <a:latin typeface="+mn-lt"/>
-                <a:ea typeface="+mn-ea"/>
-                <a:cs typeface="+mn-cs"/>
-              </a:rPr>
-              <a:t>may have zero or many </a:t>
-            </a:r>
-            <a:r>
-              <a:rPr lang="en-US" sz="1200" kern="1200" dirty="0" smtClean="0">
-                <a:solidFill>
-                  <a:schemeClr val="tx1"/>
-                </a:solidFill>
-                <a:effectLst/>
-                <a:latin typeface="+mn-lt"/>
-                <a:ea typeface="+mn-ea"/>
-                <a:cs typeface="+mn-cs"/>
-              </a:rPr>
-              <a:t>carts. </a:t>
-            </a:r>
-            <a:r>
-              <a:rPr lang="en-US" sz="1200" kern="1200" dirty="0" smtClean="0">
-                <a:solidFill>
-                  <a:schemeClr val="tx1"/>
-                </a:solidFill>
-                <a:effectLst/>
-                <a:latin typeface="+mn-lt"/>
-                <a:ea typeface="+mn-ea"/>
-                <a:cs typeface="+mn-cs"/>
-              </a:rPr>
-              <a:t>Each </a:t>
-            </a:r>
-            <a:r>
-              <a:rPr lang="en-US" sz="1200" kern="1200" dirty="0" smtClean="0">
-                <a:solidFill>
-                  <a:schemeClr val="tx1"/>
-                </a:solidFill>
-                <a:effectLst/>
-                <a:latin typeface="+mn-lt"/>
-                <a:ea typeface="+mn-ea"/>
-                <a:cs typeface="+mn-cs"/>
-              </a:rPr>
-              <a:t>cart </a:t>
-            </a:r>
-            <a:r>
-              <a:rPr lang="en-US" sz="1200" kern="1200" dirty="0" smtClean="0">
-                <a:solidFill>
-                  <a:schemeClr val="tx1"/>
-                </a:solidFill>
-                <a:effectLst/>
-                <a:latin typeface="+mn-lt"/>
-                <a:ea typeface="+mn-ea"/>
-                <a:cs typeface="+mn-cs"/>
-              </a:rPr>
-              <a:t>belongs to </a:t>
-            </a:r>
-            <a:r>
-              <a:rPr lang="en-US" sz="1200" kern="1200" dirty="0" smtClean="0">
-                <a:solidFill>
-                  <a:schemeClr val="tx1"/>
-                </a:solidFill>
-                <a:effectLst/>
-                <a:latin typeface="+mn-lt"/>
-                <a:ea typeface="+mn-ea"/>
-                <a:cs typeface="+mn-cs"/>
-              </a:rPr>
-              <a:t>one </a:t>
-            </a:r>
-            <a:r>
-              <a:rPr lang="en-US" sz="1200" kern="1200" dirty="0" smtClean="0">
-                <a:solidFill>
-                  <a:schemeClr val="tx1"/>
-                </a:solidFill>
-                <a:effectLst/>
-                <a:latin typeface="+mn-lt"/>
-                <a:ea typeface="+mn-ea"/>
-                <a:cs typeface="+mn-cs"/>
-              </a:rPr>
-              <a:t>customer. </a:t>
-            </a:r>
-          </a:p>
-          <a:p>
+            <a:r>
+              <a:rPr lang="en-US" dirty="0" smtClean="0"/>
+              <a:t>Add a slide </a:t>
+            </a:r>
+            <a:r>
+              <a:rPr lang="mr-IN" dirty="0" smtClean="0"/>
+              <a:t>–</a:t>
+            </a:r>
+            <a:r>
+              <a:rPr lang="en-US" dirty="0" smtClean="0"/>
+              <a:t> why</a:t>
+            </a:r>
+            <a:r>
+              <a:rPr lang="en-US" baseline="0" dirty="0" smtClean="0"/>
+              <a:t> do we query?  What do we want to know?  What tables do we need?</a:t>
+            </a:r>
             <a:endParaRPr lang="en-US" dirty="0"/>
           </a:p>
         </p:txBody>
@@ -1884,7 +1755,7 @@
           <a:p>
             <a:fld id="{396E52DB-5832-794A-9C5B-AA24226DC906}" type="slidenum">
               <a:rPr lang="en-US" smtClean="0"/>
-              <a:t>7</a:t>
+              <a:t>6</a:t>
             </a:fld>
             <a:endParaRPr lang="en-US" dirty="0"/>
           </a:p>
@@ -1893,7 +1764,7 @@
     </p:spTree>
     <p:extLst>
       <p:ext uri="{BB962C8B-B14F-4D97-AF65-F5344CB8AC3E}">
-        <p14:creationId xmlns:p14="http://schemas.microsoft.com/office/powerpoint/2010/main" val="183316201"/>
+        <p14:creationId xmlns:p14="http://schemas.microsoft.com/office/powerpoint/2010/main" val="1939918017"/>
       </p:ext>
     </p:extLst>
   </p:cSld>
@@ -1972,7 +1843,7 @@
           <a:p>
             <a:fld id="{396E52DB-5832-794A-9C5B-AA24226DC906}" type="slidenum">
               <a:rPr lang="en-US" smtClean="0"/>
-              <a:t>27</a:t>
+              <a:t>26</a:t>
             </a:fld>
             <a:endParaRPr lang="en-US" dirty="0"/>
           </a:p>
@@ -2056,7 +1927,7 @@
           <a:p>
             <a:fld id="{396E52DB-5832-794A-9C5B-AA24226DC906}" type="slidenum">
               <a:rPr lang="en-US" smtClean="0"/>
-              <a:t>28</a:t>
+              <a:t>27</a:t>
             </a:fld>
             <a:endParaRPr lang="en-US" dirty="0"/>
           </a:p>
@@ -2140,7 +2011,7 @@
           <a:p>
             <a:fld id="{396E52DB-5832-794A-9C5B-AA24226DC906}" type="slidenum">
               <a:rPr lang="en-US" smtClean="0"/>
-              <a:t>29</a:t>
+              <a:t>28</a:t>
             </a:fld>
             <a:endParaRPr lang="en-US" dirty="0"/>
           </a:p>
@@ -2253,7 +2124,7 @@
           <a:p>
             <a:fld id="{396E52DB-5832-794A-9C5B-AA24226DC906}" type="slidenum">
               <a:rPr lang="en-US" smtClean="0"/>
-              <a:t>30</a:t>
+              <a:t>29</a:t>
             </a:fld>
             <a:endParaRPr lang="en-US" dirty="0"/>
           </a:p>
@@ -2366,7 +2237,7 @@
           <a:p>
             <a:fld id="{396E52DB-5832-794A-9C5B-AA24226DC906}" type="slidenum">
               <a:rPr lang="en-US" smtClean="0"/>
-              <a:t>31</a:t>
+              <a:t>30</a:t>
             </a:fld>
             <a:endParaRPr lang="en-US" dirty="0"/>
           </a:p>
@@ -2450,7 +2321,7 @@
           <a:p>
             <a:fld id="{396E52DB-5832-794A-9C5B-AA24226DC906}" type="slidenum">
               <a:rPr lang="en-US" smtClean="0"/>
-              <a:t>32</a:t>
+              <a:t>31</a:t>
             </a:fld>
             <a:endParaRPr lang="en-US" dirty="0"/>
           </a:p>
@@ -2563,7 +2434,7 @@
           <a:p>
             <a:fld id="{396E52DB-5832-794A-9C5B-AA24226DC906}" type="slidenum">
               <a:rPr lang="en-US" smtClean="0"/>
-              <a:t>33</a:t>
+              <a:t>32</a:t>
             </a:fld>
             <a:endParaRPr lang="en-US" dirty="0"/>
           </a:p>
@@ -2647,7 +2518,7 @@
           <a:p>
             <a:fld id="{396E52DB-5832-794A-9C5B-AA24226DC906}" type="slidenum">
               <a:rPr lang="en-US" smtClean="0"/>
-              <a:t>34</a:t>
+              <a:t>33</a:t>
             </a:fld>
             <a:endParaRPr lang="en-US" dirty="0"/>
           </a:p>
@@ -2731,7 +2602,7 @@
           <a:p>
             <a:fld id="{396E52DB-5832-794A-9C5B-AA24226DC906}" type="slidenum">
               <a:rPr lang="en-US" smtClean="0"/>
-              <a:t>36</a:t>
+              <a:t>35</a:t>
             </a:fld>
             <a:endParaRPr lang="en-US" dirty="0"/>
           </a:p>
@@ -2794,6 +2665,61 @@
           <a:bodyPr/>
           <a:lstStyle/>
           <a:p>
+            <a:pPr marL="0" marR="0" indent="0" algn="l" defTabSz="914400" rtl="0" eaLnBrk="1" fontAlgn="auto" latinLnBrk="0" hangingPunct="1">
+              <a:lnSpc>
+                <a:spcPct val="100000"/>
+              </a:lnSpc>
+              <a:spcBef>
+                <a:spcPts val="0"/>
+              </a:spcBef>
+              <a:spcAft>
+                <a:spcPts val="0"/>
+              </a:spcAft>
+              <a:buClrTx/>
+              <a:buSzTx/>
+              <a:buFontTx/>
+              <a:buNone/>
+              <a:tabLst/>
+              <a:defRPr/>
+            </a:pPr>
+            <a:r>
+              <a:rPr lang="en-US" sz="1200" kern="1200" dirty="0" smtClean="0">
+                <a:solidFill>
+                  <a:schemeClr val="tx1"/>
+                </a:solidFill>
+                <a:effectLst/>
+                <a:latin typeface="+mn-lt"/>
+                <a:ea typeface="+mn-ea"/>
+                <a:cs typeface="+mn-cs"/>
+              </a:rPr>
+              <a:t>Remember:</a:t>
+            </a:r>
+            <a:r>
+              <a:rPr lang="en-US" sz="1200" kern="1200" baseline="0" dirty="0" smtClean="0">
+                <a:solidFill>
+                  <a:schemeClr val="tx1"/>
+                </a:solidFill>
+                <a:effectLst/>
+                <a:latin typeface="+mn-lt"/>
+                <a:ea typeface="+mn-ea"/>
+                <a:cs typeface="+mn-cs"/>
+              </a:rPr>
+              <a:t> </a:t>
+            </a:r>
+            <a:r>
+              <a:rPr lang="en-US" sz="1200" kern="1200" dirty="0" smtClean="0">
+                <a:solidFill>
+                  <a:schemeClr val="tx1"/>
+                </a:solidFill>
+                <a:effectLst/>
+                <a:latin typeface="+mn-lt"/>
+                <a:ea typeface="+mn-ea"/>
+                <a:cs typeface="+mn-cs"/>
+              </a:rPr>
+              <a:t>Each user may have zero or many carts. Each cart belongs to one customer. </a:t>
+            </a:r>
+          </a:p>
+          <a:p>
             <a:endParaRPr lang="en-US" dirty="0"/>
           </a:p>
         </p:txBody>
@@ -2815,7 +2741,7 @@
           <a:p>
             <a:fld id="{396E52DB-5832-794A-9C5B-AA24226DC906}" type="slidenum">
               <a:rPr lang="en-US" smtClean="0"/>
-              <a:t>8</a:t>
+              <a:t>7</a:t>
             </a:fld>
             <a:endParaRPr lang="en-US" dirty="0"/>
           </a:p>
@@ -2878,6 +2804,10 @@
           <a:bodyPr/>
           <a:lstStyle/>
           <a:p>
+            <a:r>
+              <a:rPr lang="en-US" dirty="0" smtClean="0"/>
+              <a:t>intersection</a:t>
+            </a:r>
             <a:endParaRPr lang="en-US" dirty="0"/>
           </a:p>
         </p:txBody>
@@ -2899,7 +2829,7 @@
           <a:p>
             <a:fld id="{396E52DB-5832-794A-9C5B-AA24226DC906}" type="slidenum">
               <a:rPr lang="en-US" smtClean="0"/>
-              <a:t>9</a:t>
+              <a:t>8</a:t>
             </a:fld>
             <a:endParaRPr lang="en-US" dirty="0"/>
           </a:p>
@@ -2908,7 +2838,7 @@
     </p:spTree>
     <p:extLst>
       <p:ext uri="{BB962C8B-B14F-4D97-AF65-F5344CB8AC3E}">
-        <p14:creationId xmlns:p14="http://schemas.microsoft.com/office/powerpoint/2010/main" val="884696622"/>
+        <p14:creationId xmlns:p14="http://schemas.microsoft.com/office/powerpoint/2010/main" val="183316201"/>
       </p:ext>
     </p:extLst>
   </p:cSld>
@@ -2983,7 +2913,7 @@
           <a:p>
             <a:fld id="{396E52DB-5832-794A-9C5B-AA24226DC906}" type="slidenum">
               <a:rPr lang="en-US" smtClean="0"/>
-              <a:t>10</a:t>
+              <a:t>9</a:t>
             </a:fld>
             <a:endParaRPr lang="en-US" dirty="0"/>
           </a:p>
@@ -2992,7 +2922,7 @@
     </p:spTree>
     <p:extLst>
       <p:ext uri="{BB962C8B-B14F-4D97-AF65-F5344CB8AC3E}">
-        <p14:creationId xmlns:p14="http://schemas.microsoft.com/office/powerpoint/2010/main" val="1878642178"/>
+        <p14:creationId xmlns:p14="http://schemas.microsoft.com/office/powerpoint/2010/main" val="884696622"/>
       </p:ext>
     </p:extLst>
   </p:cSld>
@@ -3046,6 +2976,14 @@
           <a:bodyPr/>
           <a:lstStyle/>
           <a:p>
+            <a:r>
+              <a:rPr lang="en-US" dirty="0" smtClean="0"/>
+              <a:t>First</a:t>
+            </a:r>
+            <a:r>
+              <a:rPr lang="en-US" baseline="0" dirty="0" smtClean="0"/>
+              <a:t> example, join tables and use * to bring back all the information in the tables to see what there is</a:t>
+            </a:r>
             <a:endParaRPr lang="en-US" dirty="0"/>
           </a:p>
         </p:txBody>
@@ -3067,7 +3005,7 @@
           <a:p>
             <a:fld id="{396E52DB-5832-794A-9C5B-AA24226DC906}" type="slidenum">
               <a:rPr lang="en-US" smtClean="0"/>
-              <a:t>11</a:t>
+              <a:t>10</a:t>
             </a:fld>
             <a:endParaRPr lang="en-US" dirty="0"/>
           </a:p>
@@ -3076,7 +3014,7 @@
     </p:spTree>
     <p:extLst>
       <p:ext uri="{BB962C8B-B14F-4D97-AF65-F5344CB8AC3E}">
-        <p14:creationId xmlns:p14="http://schemas.microsoft.com/office/powerpoint/2010/main" val="183316201"/>
+        <p14:creationId xmlns:p14="http://schemas.microsoft.com/office/powerpoint/2010/main" val="1878642178"/>
       </p:ext>
     </p:extLst>
   </p:cSld>
@@ -3130,165 +3068,6 @@
           <a:bodyPr/>
           <a:lstStyle/>
           <a:p>
-            <a:pPr lvl="0"/>
-            <a:r>
-              <a:rPr lang="en-US" sz="1200" kern="1200" dirty="0" smtClean="0">
-                <a:solidFill>
-                  <a:schemeClr val="tx1"/>
-                </a:solidFill>
-                <a:effectLst/>
-                <a:latin typeface="+mn-lt"/>
-                <a:ea typeface="+mn-ea"/>
-                <a:cs typeface="+mn-cs"/>
-              </a:rPr>
-              <a:t>Remember:</a:t>
-            </a:r>
-            <a:r>
-              <a:rPr lang="en-US" sz="1200" kern="1200" baseline="0" dirty="0" smtClean="0">
-                <a:solidFill>
-                  <a:schemeClr val="tx1"/>
-                </a:solidFill>
-                <a:effectLst/>
-                <a:latin typeface="+mn-lt"/>
-                <a:ea typeface="+mn-ea"/>
-                <a:cs typeface="+mn-cs"/>
-              </a:rPr>
-              <a:t> </a:t>
-            </a:r>
-            <a:r>
-              <a:rPr lang="en-US" sz="1200" kern="1200" dirty="0" smtClean="0">
-                <a:solidFill>
-                  <a:schemeClr val="tx1"/>
-                </a:solidFill>
-                <a:effectLst/>
-                <a:latin typeface="+mn-lt"/>
-                <a:ea typeface="+mn-ea"/>
-                <a:cs typeface="+mn-cs"/>
-              </a:rPr>
-              <a:t>Each </a:t>
-            </a:r>
-            <a:r>
-              <a:rPr lang="en-US" sz="1200" kern="1200" dirty="0" smtClean="0">
-                <a:solidFill>
-                  <a:schemeClr val="tx1"/>
-                </a:solidFill>
-                <a:effectLst/>
-                <a:latin typeface="+mn-lt"/>
-                <a:ea typeface="+mn-ea"/>
-                <a:cs typeface="+mn-cs"/>
-              </a:rPr>
-              <a:t>order relates to one </a:t>
-            </a:r>
-            <a:r>
-              <a:rPr lang="en-US" sz="1200" kern="1200" dirty="0" smtClean="0">
-                <a:solidFill>
-                  <a:schemeClr val="tx1"/>
-                </a:solidFill>
-                <a:effectLst/>
-                <a:latin typeface="+mn-lt"/>
-                <a:ea typeface="+mn-ea"/>
-                <a:cs typeface="+mn-cs"/>
-              </a:rPr>
-              <a:t>or many </a:t>
-            </a:r>
-            <a:r>
-              <a:rPr lang="en-US" sz="1200" kern="1200" dirty="0" smtClean="0">
-                <a:solidFill>
-                  <a:schemeClr val="tx1"/>
-                </a:solidFill>
-                <a:effectLst/>
-                <a:latin typeface="+mn-lt"/>
-                <a:ea typeface="+mn-ea"/>
-                <a:cs typeface="+mn-cs"/>
-              </a:rPr>
-              <a:t>products. Each product </a:t>
-            </a:r>
-            <a:r>
-              <a:rPr lang="en-US" sz="1200" kern="1200" dirty="0" smtClean="0">
-                <a:solidFill>
-                  <a:schemeClr val="tx1"/>
-                </a:solidFill>
-                <a:effectLst/>
-                <a:latin typeface="+mn-lt"/>
-                <a:ea typeface="+mn-ea"/>
-                <a:cs typeface="+mn-cs"/>
-              </a:rPr>
-              <a:t>has zero or </a:t>
-            </a:r>
-            <a:r>
-              <a:rPr lang="en-US" sz="1200" kern="1200" dirty="0" smtClean="0">
-                <a:solidFill>
-                  <a:schemeClr val="tx1"/>
-                </a:solidFill>
-                <a:effectLst/>
-                <a:latin typeface="+mn-lt"/>
-                <a:ea typeface="+mn-ea"/>
-                <a:cs typeface="+mn-cs"/>
-              </a:rPr>
-              <a:t>many orders. </a:t>
-            </a:r>
-            <a:r>
-              <a:rPr lang="en-US" sz="1200" kern="1200" dirty="0" smtClean="0">
-                <a:solidFill>
-                  <a:schemeClr val="tx1"/>
-                </a:solidFill>
-                <a:effectLst/>
-                <a:latin typeface="+mn-lt"/>
-                <a:ea typeface="+mn-ea"/>
-                <a:cs typeface="+mn-cs"/>
-              </a:rPr>
-              <a:t>Each </a:t>
-            </a:r>
-            <a:r>
-              <a:rPr lang="en-US" sz="1200" kern="1200" dirty="0" smtClean="0">
-                <a:solidFill>
-                  <a:schemeClr val="tx1"/>
-                </a:solidFill>
-                <a:effectLst/>
-                <a:latin typeface="+mn-lt"/>
-                <a:ea typeface="+mn-ea"/>
-                <a:cs typeface="+mn-cs"/>
-              </a:rPr>
-              <a:t>order</a:t>
-            </a:r>
-            <a:r>
-              <a:rPr lang="en-US" sz="1200" kern="1200" baseline="0" dirty="0" smtClean="0">
-                <a:solidFill>
-                  <a:schemeClr val="tx1"/>
-                </a:solidFill>
-                <a:effectLst/>
-                <a:latin typeface="+mn-lt"/>
-                <a:ea typeface="+mn-ea"/>
-                <a:cs typeface="+mn-cs"/>
-              </a:rPr>
-              <a:t> </a:t>
-            </a:r>
-            <a:r>
-              <a:rPr lang="en-US" sz="1200" kern="1200" dirty="0" smtClean="0">
-                <a:solidFill>
-                  <a:schemeClr val="tx1"/>
-                </a:solidFill>
-                <a:effectLst/>
-                <a:latin typeface="+mn-lt"/>
-                <a:ea typeface="+mn-ea"/>
-                <a:cs typeface="+mn-cs"/>
-              </a:rPr>
-              <a:t>product </a:t>
-            </a:r>
-            <a:r>
-              <a:rPr lang="en-US" sz="1200" kern="1200" dirty="0" smtClean="0">
-                <a:solidFill>
-                  <a:schemeClr val="tx1"/>
-                </a:solidFill>
-                <a:effectLst/>
-                <a:latin typeface="+mn-lt"/>
-                <a:ea typeface="+mn-ea"/>
-                <a:cs typeface="+mn-cs"/>
-              </a:rPr>
-              <a:t>belongs to one and only customer.</a:t>
-            </a:r>
-          </a:p>
-          <a:p>
             <a:endParaRPr lang="en-US" dirty="0"/>
           </a:p>
         </p:txBody>
@@ -3310,7 +3089,7 @@
           <a:p>
             <a:fld id="{396E52DB-5832-794A-9C5B-AA24226DC906}" type="slidenum">
               <a:rPr lang="en-US" smtClean="0"/>
-              <a:t>12</a:t>
+              <a:t>11</a:t>
             </a:fld>
             <a:endParaRPr lang="en-US" dirty="0"/>
           </a:p>
@@ -3373,6 +3152,69 @@
           <a:bodyPr/>
           <a:lstStyle/>
           <a:p>
+            <a:pPr lvl="0"/>
+            <a:r>
+              <a:rPr lang="en-US" sz="1200" kern="1200" dirty="0" smtClean="0">
+                <a:solidFill>
+                  <a:schemeClr val="tx1"/>
+                </a:solidFill>
+                <a:effectLst/>
+                <a:latin typeface="+mn-lt"/>
+                <a:ea typeface="+mn-ea"/>
+                <a:cs typeface="+mn-cs"/>
+              </a:rPr>
+              <a:t>Remember:</a:t>
+            </a:r>
+            <a:r>
+              <a:rPr lang="en-US" sz="1200" kern="1200" baseline="0" dirty="0" smtClean="0">
+                <a:solidFill>
+                  <a:schemeClr val="tx1"/>
+                </a:solidFill>
+                <a:effectLst/>
+                <a:latin typeface="+mn-lt"/>
+                <a:ea typeface="+mn-ea"/>
+                <a:cs typeface="+mn-cs"/>
+              </a:rPr>
+              <a:t> </a:t>
+            </a:r>
+            <a:r>
+              <a:rPr lang="en-US" sz="1200" kern="1200" dirty="0" smtClean="0">
+                <a:solidFill>
+                  <a:schemeClr val="tx1"/>
+                </a:solidFill>
+                <a:effectLst/>
+                <a:latin typeface="+mn-lt"/>
+                <a:ea typeface="+mn-ea"/>
+                <a:cs typeface="+mn-cs"/>
+              </a:rPr>
+              <a:t>Each order relates to one or many products. Each product has zero or many orders. Each order</a:t>
+            </a:r>
+            <a:r>
+              <a:rPr lang="en-US" sz="1200" kern="1200" baseline="0" dirty="0" smtClean="0">
+                <a:solidFill>
+                  <a:schemeClr val="tx1"/>
+                </a:solidFill>
+                <a:effectLst/>
+                <a:latin typeface="+mn-lt"/>
+                <a:ea typeface="+mn-ea"/>
+                <a:cs typeface="+mn-cs"/>
+              </a:rPr>
+              <a:t> </a:t>
+            </a:r>
+            <a:r>
+              <a:rPr lang="en-US" sz="1200" kern="1200" dirty="0" smtClean="0">
+                <a:solidFill>
+                  <a:schemeClr val="tx1"/>
+                </a:solidFill>
+                <a:effectLst/>
+                <a:latin typeface="+mn-lt"/>
+                <a:ea typeface="+mn-ea"/>
+                <a:cs typeface="+mn-cs"/>
+              </a:rPr>
+              <a:t>product belongs to one and only customer.</a:t>
+            </a:r>
+          </a:p>
+          <a:p>
             <a:endParaRPr lang="en-US" dirty="0"/>
           </a:p>
         </p:txBody>
@@ -3394,7 +3236,7 @@
           <a:p>
             <a:fld id="{396E52DB-5832-794A-9C5B-AA24226DC906}" type="slidenum">
               <a:rPr lang="en-US" smtClean="0"/>
-              <a:t>13</a:t>
+              <a:t>12</a:t>
             </a:fld>
             <a:endParaRPr lang="en-US" dirty="0"/>
           </a:p>
@@ -3403,7 +3245,7 @@
     </p:spTree>
     <p:extLst>
       <p:ext uri="{BB962C8B-B14F-4D97-AF65-F5344CB8AC3E}">
-        <p14:creationId xmlns:p14="http://schemas.microsoft.com/office/powerpoint/2010/main" val="941992810"/>
+        <p14:creationId xmlns:p14="http://schemas.microsoft.com/office/powerpoint/2010/main" val="183316201"/>
       </p:ext>
     </p:extLst>
   </p:cSld>
@@ -3457,117 +3299,6 @@
           <a:bodyPr/>
           <a:lstStyle/>
           <a:p>
-            <a:r>
-              <a:rPr lang="en-US" sz="1200" kern="1200" dirty="0" smtClean="0">
-                <a:solidFill>
-                  <a:schemeClr val="tx1"/>
-                </a:solidFill>
-                <a:effectLst/>
-                <a:latin typeface="+mn-lt"/>
-                <a:ea typeface="+mn-ea"/>
-                <a:cs typeface="+mn-cs"/>
-              </a:rPr>
-              <a:t>You can rename a table or a column temporarily by giving another name, which is known as </a:t>
-            </a:r>
-            <a:r>
-              <a:rPr lang="en-US" sz="1200" b="1" kern="1200" dirty="0" smtClean="0">
-                <a:solidFill>
-                  <a:schemeClr val="tx1"/>
-                </a:solidFill>
-                <a:effectLst/>
-                <a:latin typeface="+mn-lt"/>
-                <a:ea typeface="+mn-ea"/>
-                <a:cs typeface="+mn-cs"/>
-              </a:rPr>
-              <a:t>ALIAS</a:t>
-            </a:r>
-            <a:r>
-              <a:rPr lang="en-US" sz="1200" kern="1200" dirty="0" smtClean="0">
-                <a:solidFill>
-                  <a:schemeClr val="tx1"/>
-                </a:solidFill>
-                <a:effectLst/>
-                <a:latin typeface="+mn-lt"/>
-                <a:ea typeface="+mn-ea"/>
-                <a:cs typeface="+mn-cs"/>
-              </a:rPr>
-              <a:t>. The use of table aliases means to rename a table in a particular </a:t>
-            </a:r>
-            <a:r>
-              <a:rPr lang="en-US" sz="1200" kern="1200" dirty="0" err="1" smtClean="0">
-                <a:solidFill>
-                  <a:schemeClr val="tx1"/>
-                </a:solidFill>
-                <a:effectLst/>
-                <a:latin typeface="+mn-lt"/>
-                <a:ea typeface="+mn-ea"/>
-                <a:cs typeface="+mn-cs"/>
-              </a:rPr>
-              <a:t>PostgreSQL</a:t>
-            </a:r>
-            <a:r>
-              <a:rPr lang="en-US" sz="1200" kern="1200" dirty="0" smtClean="0">
-                <a:solidFill>
-                  <a:schemeClr val="tx1"/>
-                </a:solidFill>
-                <a:effectLst/>
-                <a:latin typeface="+mn-lt"/>
-                <a:ea typeface="+mn-ea"/>
-                <a:cs typeface="+mn-cs"/>
-              </a:rPr>
-              <a:t> statement. Renaming is a temporary change and the actual table name does not change in the database.</a:t>
-            </a:r>
-          </a:p>
-          <a:p>
-            <a:r>
-              <a:rPr lang="en-US" sz="1200" kern="1200" dirty="0" smtClean="0">
-                <a:solidFill>
-                  <a:schemeClr val="tx1"/>
-                </a:solidFill>
-                <a:effectLst/>
-                <a:latin typeface="+mn-lt"/>
-                <a:ea typeface="+mn-ea"/>
-                <a:cs typeface="+mn-cs"/>
-              </a:rPr>
-              <a:t>The column aliases are used to rename a table's columns for the purpose of a particular </a:t>
-            </a:r>
-            <a:r>
-              <a:rPr lang="en-US" sz="1200" kern="1200" dirty="0" err="1" smtClean="0">
-                <a:solidFill>
-                  <a:schemeClr val="tx1"/>
-                </a:solidFill>
-                <a:effectLst/>
-                <a:latin typeface="+mn-lt"/>
-                <a:ea typeface="+mn-ea"/>
-                <a:cs typeface="+mn-cs"/>
-              </a:rPr>
-              <a:t>PostgreSQL</a:t>
-            </a:r>
-            <a:r>
-              <a:rPr lang="en-US" sz="1200" kern="1200" dirty="0" smtClean="0">
-                <a:solidFill>
-                  <a:schemeClr val="tx1"/>
-                </a:solidFill>
-                <a:effectLst/>
-                <a:latin typeface="+mn-lt"/>
-                <a:ea typeface="+mn-ea"/>
-                <a:cs typeface="+mn-cs"/>
-              </a:rPr>
-              <a:t> query.</a:t>
-            </a:r>
-          </a:p>
-          <a:p>
-            <a:endParaRPr lang="en-US" sz="1200" kern="1200" dirty="0" smtClean="0">
-              <a:solidFill>
-                <a:schemeClr val="tx1"/>
-              </a:solidFill>
-              <a:effectLst/>
-              <a:latin typeface="+mn-lt"/>
-              <a:ea typeface="+mn-ea"/>
-              <a:cs typeface="+mn-cs"/>
-            </a:endParaRPr>
-          </a:p>
-          <a:p>
             <a:endParaRPr lang="en-US" dirty="0"/>
           </a:p>
         </p:txBody>
@@ -3589,7 +3320,7 @@
           <a:p>
             <a:fld id="{396E52DB-5832-794A-9C5B-AA24226DC906}" type="slidenum">
               <a:rPr lang="en-US" smtClean="0"/>
-              <a:t>14</a:t>
+              <a:t>13</a:t>
             </a:fld>
             <a:endParaRPr lang="en-US" dirty="0"/>
           </a:p>
@@ -3598,7 +3329,7 @@
     </p:spTree>
     <p:extLst>
       <p:ext uri="{BB962C8B-B14F-4D97-AF65-F5344CB8AC3E}">
-        <p14:creationId xmlns:p14="http://schemas.microsoft.com/office/powerpoint/2010/main" val="183316201"/>
+        <p14:creationId xmlns:p14="http://schemas.microsoft.com/office/powerpoint/2010/main" val="941992810"/>
       </p:ext>
     </p:extLst>
   </p:cSld>
@@ -3739,7 +3470,7 @@
           <a:p>
             <a:fld id="{A74B1F3F-AC43-084C-A8AD-F147FDB34025}" type="datetime1">
               <a:rPr lang="en-US" smtClean="0"/>
-              <a:t>10/21/18</a:t>
+              <a:t>10/23/18</a:t>
             </a:fld>
             <a:endParaRPr lang="en-US" dirty="0"/>
           </a:p>
@@ -3909,7 +3640,7 @@
           <a:p>
             <a:fld id="{98310067-C5C7-2244-BAEA-318DCA9BBCFA}" type="datetime1">
               <a:rPr lang="en-US" smtClean="0"/>
-              <a:t>10/21/18</a:t>
+              <a:t>10/23/18</a:t>
             </a:fld>
             <a:endParaRPr lang="en-US" dirty="0"/>
           </a:p>
@@ -4089,7 +3820,7 @@
           <a:p>
             <a:fld id="{493D9C3E-E96A-A042-949C-893E3738ADCD}" type="datetime1">
               <a:rPr lang="en-US" smtClean="0"/>
-              <a:t>10/21/18</a:t>
+              <a:t>10/23/18</a:t>
             </a:fld>
             <a:endParaRPr lang="en-US" dirty="0"/>
           </a:p>
@@ -4259,7 +3990,7 @@
           <a:p>
             <a:fld id="{6FFF4581-5C55-6C42-82ED-F84960E9B10B}" type="datetime1">
               <a:rPr lang="en-US" smtClean="0"/>
-              <a:t>10/21/18</a:t>
+              <a:t>10/23/18</a:t>
             </a:fld>
             <a:endParaRPr lang="en-US" dirty="0"/>
           </a:p>
@@ -4505,7 +4236,7 @@
           <a:p>
             <a:fld id="{ED61D91D-AD9D-B84C-9DF8-3688CAA86375}" type="datetime1">
               <a:rPr lang="en-US" smtClean="0"/>
-              <a:t>10/21/18</a:t>
+              <a:t>10/23/18</a:t>
             </a:fld>
             <a:endParaRPr lang="en-US" dirty="0"/>
           </a:p>
@@ -4737,7 +4468,7 @@
           <a:p>
             <a:fld id="{792E8908-B0F8-934D-ACD2-7CC60AE849F8}" type="datetime1">
               <a:rPr lang="en-US" smtClean="0"/>
-              <a:t>10/21/18</a:t>
+              <a:t>10/23/18</a:t>
             </a:fld>
             <a:endParaRPr lang="en-US" dirty="0"/>
           </a:p>
@@ -5104,7 +4835,7 @@
           <a:p>
             <a:fld id="{0AFA228E-17C2-C84A-98DE-4609005AF18B}" type="datetime1">
               <a:rPr lang="en-US" smtClean="0"/>
-              <a:t>10/21/18</a:t>
+              <a:t>10/23/18</a:t>
             </a:fld>
             <a:endParaRPr lang="en-US" dirty="0"/>
           </a:p>
@@ -5222,7 +4953,7 @@
           <a:p>
             <a:fld id="{CB70F507-793C-9746-8780-1C6204BD1C4F}" type="datetime1">
               <a:rPr lang="en-US" smtClean="0"/>
-              <a:t>10/21/18</a:t>
+              <a:t>10/23/18</a:t>
             </a:fld>
             <a:endParaRPr lang="en-US" dirty="0"/>
           </a:p>
@@ -5317,7 +5048,7 @@
           <a:p>
             <a:fld id="{A7FA8AFA-47B5-154E-B04C-01741A1498AF}" type="datetime1">
               <a:rPr lang="en-US" smtClean="0"/>
-              <a:t>10/21/18</a:t>
+              <a:t>10/23/18</a:t>
             </a:fld>
             <a:endParaRPr lang="en-US" dirty="0"/>
           </a:p>
@@ -5594,7 +5325,7 @@
           <a:p>
             <a:fld id="{7FF5DBCA-FE5E-1E49-BBBB-E8BA81D93148}" type="datetime1">
               <a:rPr lang="en-US" smtClean="0"/>
-              <a:t>10/21/18</a:t>
+              <a:t>10/23/18</a:t>
             </a:fld>
             <a:endParaRPr lang="en-US" dirty="0"/>
           </a:p>
@@ -5851,7 +5582,7 @@
           <a:p>
             <a:fld id="{428865C8-8B67-DE4B-BAD5-4351E1083EDC}" type="datetime1">
               <a:rPr lang="en-US" smtClean="0"/>
-              <a:t>10/21/18</a:t>
+              <a:t>10/23/18</a:t>
             </a:fld>
             <a:endParaRPr lang="en-US" dirty="0"/>
           </a:p>
@@ -6067,7 +5798,7 @@
           <a:p>
             <a:fld id="{A32DAF1A-F624-B245-97B7-FA412E03E3B8}" type="datetime1">
               <a:rPr lang="en-US" smtClean="0"/>
-              <a:t>10/21/18</a:t>
+              <a:t>10/23/18</a:t>
             </a:fld>
             <a:endParaRPr lang="en-US" dirty="0"/>
           </a:p>
@@ -6700,23 +6431,7 @@
                   <a:srgbClr val="9B3E1E"/>
                 </a:solidFill>
               </a:rPr>
-              <a:t>from the sample </a:t>
-            </a:r>
-            <a:r>
-              <a:rPr lang="en-US" sz="4400" dirty="0" smtClean="0">
-                <a:solidFill>
-                  <a:srgbClr val="9B3E1E"/>
-                </a:solidFill>
-              </a:rPr>
-              <a:t>d</a:t>
-            </a:r>
-            <a:r>
-              <a:rPr lang="en-US" sz="4400" dirty="0" smtClean="0">
-                <a:solidFill>
-                  <a:srgbClr val="9B3E1E"/>
-                </a:solidFill>
-              </a:rPr>
-              <a:t>atabase:</a:t>
+              <a:t>from the sample database:</a:t>
             </a:r>
           </a:p>
           <a:p>
@@ -6772,15 +6487,7 @@
                   <a:srgbClr val="9B3E1E"/>
                 </a:solidFill>
               </a:rPr>
-              <a:t> user’s </a:t>
-            </a:r>
-            <a:r>
-              <a:rPr lang="en-US" sz="3200" dirty="0" smtClean="0">
-                <a:solidFill>
-                  <a:srgbClr val="9B3E1E"/>
-                </a:solidFill>
-              </a:rPr>
-              <a:t>first and last name</a:t>
+              <a:t> user’s first and last name</a:t>
             </a:r>
           </a:p>
           <a:p>
@@ -7424,25 +7131,7 @@
                 </a:solidFill>
                 <a:latin typeface="+mn-lt"/>
               </a:rPr>
-              <a:t>Joining </a:t>
-            </a:r>
-            <a:r>
-              <a:rPr lang="en-US" sz="6600" b="1" dirty="0" smtClean="0">
-                <a:solidFill>
-                  <a:srgbClr val="9B3E1E"/>
-                </a:solidFill>
-                <a:latin typeface="+mn-lt"/>
-              </a:rPr>
-              <a:t>many </a:t>
-            </a:r>
-            <a:r>
-              <a:rPr lang="en-US" sz="6600" b="1" dirty="0" smtClean="0">
-                <a:solidFill>
-                  <a:srgbClr val="9B3E1E"/>
-                </a:solidFill>
-                <a:latin typeface="+mn-lt"/>
-              </a:rPr>
-              <a:t>tables</a:t>
+              <a:t>Joining many tables</a:t>
             </a:r>
             <a:endParaRPr lang="en-US" sz="6600" b="1" dirty="0">
               <a:solidFill>
@@ -7596,15 +7285,7 @@
                   <a:srgbClr val="9B3E1E"/>
                 </a:solidFill>
               </a:rPr>
-              <a:t>sample </a:t>
-            </a:r>
-            <a:r>
-              <a:rPr lang="en-US" sz="4200" b="1" dirty="0" smtClean="0">
-                <a:solidFill>
-                  <a:srgbClr val="9B3E1E"/>
-                </a:solidFill>
-              </a:rPr>
-              <a:t>database:</a:t>
+              <a:t>sample database:</a:t>
             </a:r>
             <a:endParaRPr lang="en-US" sz="4200" b="1" dirty="0">
               <a:solidFill>
@@ -7652,7 +7333,17 @@
                   <a:srgbClr val="9B3E1E"/>
                 </a:solidFill>
               </a:rPr>
-              <a:t>user </a:t>
+              <a:t>user first name</a:t>
+            </a:r>
+          </a:p>
+          <a:p>
+            <a:r>
+              <a:rPr lang="en-US" sz="4200" dirty="0">
+                <a:solidFill>
+                  <a:srgbClr val="9B3E1E"/>
+                </a:solidFill>
+              </a:rPr>
+              <a:t>u</a:t>
             </a:r>
             <a:r>
               <a:rPr lang="en-US" sz="4200" dirty="0" smtClean="0">
@@ -7660,49 +7351,7 @@
                   <a:srgbClr val="9B3E1E"/>
                 </a:solidFill>
               </a:rPr>
-              <a:t>first </a:t>
-            </a:r>
-            <a:r>
-              <a:rPr lang="en-US" sz="4200" dirty="0" smtClean="0">
-                <a:solidFill>
-                  <a:srgbClr val="9B3E1E"/>
-                </a:solidFill>
-              </a:rPr>
-              <a:t>name</a:t>
-            </a:r>
-          </a:p>
-          <a:p>
-            <a:r>
-              <a:rPr lang="en-US" sz="4200" dirty="0">
-                <a:solidFill>
-                  <a:srgbClr val="9B3E1E"/>
-                </a:solidFill>
-              </a:rPr>
-              <a:t>u</a:t>
-            </a:r>
-            <a:r>
-              <a:rPr lang="en-US" sz="4200" dirty="0" smtClean="0">
-                <a:solidFill>
-                  <a:srgbClr val="9B3E1E"/>
-                </a:solidFill>
-              </a:rPr>
-              <a:t>ser </a:t>
-            </a:r>
-            <a:r>
-              <a:rPr lang="en-US" sz="4200" dirty="0" smtClean="0">
-                <a:solidFill>
-                  <a:srgbClr val="9B3E1E"/>
-                </a:solidFill>
-              </a:rPr>
-              <a:t>last </a:t>
-            </a:r>
-            <a:r>
-              <a:rPr lang="en-US" sz="4200" dirty="0" smtClean="0">
-                <a:solidFill>
-                  <a:srgbClr val="9B3E1E"/>
-                </a:solidFill>
-              </a:rPr>
-              <a:t>name</a:t>
+              <a:t>ser last name</a:t>
             </a:r>
             <a:endParaRPr lang="en-US" sz="4200" dirty="0">
               <a:solidFill>
@@ -7793,11 +7442,6 @@
               </a:rPr>
               <a:t>roducts price</a:t>
             </a:r>
-            <a:endParaRPr lang="en-US" sz="4200" dirty="0" smtClean="0">
-              <a:solidFill>
-                <a:srgbClr val="9B3E1E"/>
-              </a:solidFill>
-            </a:endParaRPr>
           </a:p>
           <a:p>
             <a:endParaRPr lang="en-US" sz="3600" dirty="0" smtClean="0">
@@ -9976,15 +9620,7 @@
                   <a:srgbClr val="9B3E1E"/>
                 </a:solidFill>
               </a:rPr>
-              <a:t>left </a:t>
-            </a:r>
-            <a:r>
-              <a:rPr lang="en-US" sz="4000" dirty="0" smtClean="0">
-                <a:solidFill>
-                  <a:srgbClr val="9B3E1E"/>
-                </a:solidFill>
-              </a:rPr>
-              <a:t>side, (the table named in the FROM clause) </a:t>
+              <a:t>left side, (the table named in the FROM clause) </a:t>
             </a:r>
             <a:r>
               <a:rPr lang="en-US" sz="4000" dirty="0">
@@ -11301,6 +10937,44 @@
           <a:chExt cx="0" cy="0"/>
         </a:xfrm>
       </p:grpSpPr>
+      <p:sp>
+        <p:nvSpPr>
+          <p:cNvPr id="4" name="Rectangle 3"/>
+          <p:cNvSpPr/>
+          <p:nvPr/>
+        </p:nvSpPr>
+        <p:spPr>
+          <a:xfrm>
+            <a:off x="838200" y="1825625"/>
+            <a:ext cx="10515600" cy="3982508"/>
+          </a:xfrm>
+          <a:prstGeom prst="rect">
+            <a:avLst/>
+          </a:prstGeom>
+        </p:spPr>
+        <p:style>
+          <a:lnRef idx="1">
+            <a:schemeClr val="accent1"/>
+          </a:lnRef>
+          <a:fillRef idx="3">
+            <a:schemeClr val="accent1"/>
+          </a:fillRef>
+          <a:effectRef idx="2">
+            <a:schemeClr val="accent1"/>
+          </a:effectRef>
+          <a:fontRef idx="minor">
+            <a:schemeClr val="lt1"/>
+          </a:fontRef>
+        </p:style>
+        <p:txBody>
+          <a:bodyPr rtlCol="0" anchor="ctr"/>
+          <a:lstStyle/>
+          <a:p>
+            <a:pPr algn="ctr"/>
+            <a:endParaRPr lang="en-US"/>
+          </a:p>
+        </p:txBody>
+      </p:sp>
       <p:pic>
         <p:nvPicPr>
           <p:cNvPr id="5" name="Picture 4"/>
@@ -11341,264 +11015,6 @@
             <p:ph type="title"/>
           </p:nvPr>
         </p:nvSpPr>
-        <p:spPr>
-          <a:xfrm>
-            <a:off x="838200" y="0"/>
-            <a:ext cx="10515600" cy="1325563"/>
-          </a:xfrm>
-        </p:spPr>
-        <p:txBody>
-          <a:bodyPr>
-            <a:normAutofit/>
-          </a:bodyPr>
-          <a:lstStyle/>
-          <a:p>
-            <a:pPr fontAlgn="base"/>
-            <a:r>
-              <a:rPr lang="en-US" sz="6600" b="1" cap="all" dirty="0">
-                <a:solidFill>
-                  <a:srgbClr val="9B3E1E"/>
-                </a:solidFill>
-                <a:latin typeface="+mn-lt"/>
-              </a:rPr>
-              <a:t>LET'S DEVELOP IT!</a:t>
-            </a:r>
-            <a:endParaRPr lang="en-US" sz="6600" b="1" dirty="0">
-              <a:solidFill>
-                <a:srgbClr val="9B3E1E"/>
-              </a:solidFill>
-              <a:latin typeface="+mn-lt"/>
-            </a:endParaRPr>
-          </a:p>
-        </p:txBody>
-      </p:sp>
-      <p:sp>
-        <p:nvSpPr>
-          <p:cNvPr id="3" name="Vertical Text Placeholder 2"/>
-          <p:cNvSpPr>
-            <a:spLocks noGrp="1"/>
-          </p:cNvSpPr>
-          <p:nvPr>
-            <p:ph idx="1"/>
-          </p:nvPr>
-        </p:nvSpPr>
-        <p:spPr>
-          <a:xfrm>
-            <a:off x="838200" y="1319213"/>
-            <a:ext cx="10515600" cy="2814108"/>
-          </a:xfrm>
-        </p:spPr>
-        <p:txBody>
-          <a:bodyPr vert="horz">
-            <a:normAutofit/>
-          </a:bodyPr>
-          <a:lstStyle/>
-          <a:p>
-            <a:pPr marL="0" indent="0" fontAlgn="base">
-              <a:buNone/>
-            </a:pPr>
-            <a:r>
-              <a:rPr lang="en-US" sz="4400" dirty="0" smtClean="0">
-                <a:solidFill>
-                  <a:srgbClr val="9B3E1E"/>
-                </a:solidFill>
-              </a:rPr>
-              <a:t>Write </a:t>
-            </a:r>
-            <a:r>
-              <a:rPr lang="en-US" sz="4400" dirty="0">
-                <a:solidFill>
-                  <a:srgbClr val="9B3E1E"/>
-                </a:solidFill>
-              </a:rPr>
-              <a:t>a SQL </a:t>
-            </a:r>
-            <a:r>
-              <a:rPr lang="en-US" sz="4400" dirty="0" smtClean="0">
-                <a:solidFill>
-                  <a:srgbClr val="9B3E1E"/>
-                </a:solidFill>
-              </a:rPr>
-              <a:t>LEFT JOIN query </a:t>
-            </a:r>
-            <a:r>
-              <a:rPr lang="en-US" sz="4400" dirty="0">
-                <a:solidFill>
-                  <a:srgbClr val="9B3E1E"/>
-                </a:solidFill>
-              </a:rPr>
-              <a:t>that returns </a:t>
-            </a:r>
-            <a:r>
-              <a:rPr lang="en-US" sz="4400" dirty="0" smtClean="0">
-                <a:solidFill>
-                  <a:srgbClr val="9B3E1E"/>
-                </a:solidFill>
-              </a:rPr>
-              <a:t>film and inventory information </a:t>
-            </a:r>
-            <a:r>
-              <a:rPr lang="en-US" sz="4400" dirty="0" smtClean="0">
-                <a:solidFill>
-                  <a:srgbClr val="9B3E1E"/>
-                </a:solidFill>
-              </a:rPr>
-              <a:t>only </a:t>
-            </a:r>
-            <a:r>
-              <a:rPr lang="en-US" sz="4400" dirty="0">
-                <a:solidFill>
-                  <a:srgbClr val="9B3E1E"/>
-                </a:solidFill>
-              </a:rPr>
-              <a:t>for </a:t>
-            </a:r>
-            <a:r>
-              <a:rPr lang="en-US" sz="4400" dirty="0" smtClean="0">
-                <a:solidFill>
-                  <a:srgbClr val="9B3E1E"/>
-                </a:solidFill>
-              </a:rPr>
-              <a:t>films that </a:t>
-            </a:r>
-            <a:r>
-              <a:rPr lang="en-US" sz="4400" dirty="0" smtClean="0">
-                <a:solidFill>
-                  <a:srgbClr val="9B3E1E"/>
-                </a:solidFill>
-              </a:rPr>
-              <a:t>haven’t received an inventory id yet</a:t>
-            </a:r>
-            <a:endParaRPr lang="en-US" sz="4400" dirty="0">
-              <a:solidFill>
-                <a:srgbClr val="9B3E1E"/>
-              </a:solidFill>
-            </a:endParaRPr>
-          </a:p>
-          <a:p>
-            <a:endParaRPr lang="en-US" sz="4400" dirty="0">
-              <a:solidFill>
-                <a:srgbClr val="9B3E1E"/>
-              </a:solidFill>
-            </a:endParaRPr>
-          </a:p>
-        </p:txBody>
-      </p:sp>
-    </p:spTree>
-    <p:extLst>
-      <p:ext uri="{BB962C8B-B14F-4D97-AF65-F5344CB8AC3E}">
-        <p14:creationId xmlns:p14="http://schemas.microsoft.com/office/powerpoint/2010/main" val="875217153"/>
-      </p:ext>
-    </p:extLst>
-  </p:cSld>
-  <p:clrMapOvr>
-    <a:masterClrMapping/>
-  </p:clrMapOvr>
-  <p:timing>
-    <p:tnLst>
-      <p:par>
-        <p:cTn xmlns:p14="http://schemas.microsoft.com/office/powerpoint/2010/main" id="1" dur="indefinite" restart="never" nodeType="tmRoot"/>
-      </p:par>
-    </p:tnLst>
-  </p:timing>
-</p:sld>
-</file>
-
-<file path=ppt/slides/slide24.xml><?xml version="1.0" encoding="utf-8"?>
-<p:sld xmlns:a="http://schemas.openxmlformats.org/drawingml/2006/main" xmlns:r="http://schemas.openxmlformats.org/officeDocument/2006/relationships" xmlns:p="http://schemas.openxmlformats.org/presentationml/2006/main">
-  <p:cSld>
-    <p:spTree>
-      <p:nvGrpSpPr>
-        <p:cNvPr id="1" name=""/>
-        <p:cNvGrpSpPr/>
-        <p:nvPr/>
-      </p:nvGrpSpPr>
-      <p:grpSpPr>
-        <a:xfrm>
-          <a:off x="0" y="0"/>
-          <a:ext cx="0" cy="0"/>
-          <a:chOff x="0" y="0"/>
-          <a:chExt cx="0" cy="0"/>
-        </a:xfrm>
-      </p:grpSpPr>
-      <p:sp>
-        <p:nvSpPr>
-          <p:cNvPr id="4" name="Rectangle 3"/>
-          <p:cNvSpPr/>
-          <p:nvPr/>
-        </p:nvSpPr>
-        <p:spPr>
-          <a:xfrm>
-            <a:off x="838200" y="1825625"/>
-            <a:ext cx="10515600" cy="3982508"/>
-          </a:xfrm>
-          <a:prstGeom prst="rect">
-            <a:avLst/>
-          </a:prstGeom>
-        </p:spPr>
-        <p:style>
-          <a:lnRef idx="1">
-            <a:schemeClr val="accent1"/>
-          </a:lnRef>
-          <a:fillRef idx="3">
-            <a:schemeClr val="accent1"/>
-          </a:fillRef>
-          <a:effectRef idx="2">
-            <a:schemeClr val="accent1"/>
-          </a:effectRef>
-          <a:fontRef idx="minor">
-            <a:schemeClr val="lt1"/>
-          </a:fontRef>
-        </p:style>
-        <p:txBody>
-          <a:bodyPr rtlCol="0" anchor="ctr"/>
-          <a:lstStyle/>
-          <a:p>
-            <a:pPr algn="ctr"/>
-            <a:endParaRPr lang="en-US"/>
-          </a:p>
-        </p:txBody>
-      </p:sp>
-      <p:pic>
-        <p:nvPicPr>
-          <p:cNvPr id="5" name="Picture 4"/>
-          <p:cNvPicPr>
-            <a:picLocks noChangeAspect="1"/>
-          </p:cNvPicPr>
-          <p:nvPr/>
-        </p:nvPicPr>
-        <p:blipFill>
-          <a:blip r:embed="rId3">
-            <a:extLst>
-              <a:ext uri="{28A0092B-C50C-407E-A947-70E740481C1C}">
-                <a14:useLocalDpi xmlns:a14="http://schemas.microsoft.com/office/drawing/2010/main" val="0"/>
-              </a:ext>
-            </a:extLst>
-          </a:blip>
-          <a:stretch>
-            <a:fillRect/>
-          </a:stretch>
-        </p:blipFill>
-        <p:spPr>
-          <a:xfrm>
-            <a:off x="76201" y="6083300"/>
-            <a:ext cx="3527964" cy="731520"/>
-          </a:xfrm>
-          <a:prstGeom prst="rect">
-            <a:avLst/>
-          </a:prstGeom>
-        </p:spPr>
-      </p:pic>
-      <p:sp>
-        <p:nvSpPr>
-          <p:cNvPr id="2" name="Title 1"/>
-          <p:cNvSpPr>
-            <a:spLocks noGrp="1"/>
-          </p:cNvSpPr>
-          <p:nvPr>
-            <p:ph type="title"/>
-          </p:nvPr>
-        </p:nvSpPr>
         <p:spPr/>
         <p:txBody>
           <a:bodyPr>
@@ -11650,7 +11066,7 @@
         </p:spPr>
         <p:txBody>
           <a:bodyPr vert="horz">
-            <a:normAutofit fontScale="85000" lnSpcReduction="20000"/>
+            <a:normAutofit/>
           </a:bodyPr>
           <a:lstStyle/>
           <a:p>
@@ -11670,12 +11086,38 @@
               <a:t>﻿﻿﻿</a:t>
             </a:r>
             <a:r>
+              <a:rPr lang="en-US" sz="4400" dirty="0">
+                <a:solidFill>
+                  <a:srgbClr val="0000FF"/>
+                </a:solidFill>
+              </a:rPr>
+              <a:t>SELECT * </a:t>
+            </a:r>
+            <a:endParaRPr lang="en-US" sz="4400" dirty="0" smtClean="0">
+              <a:solidFill>
+                <a:srgbClr val="0000FF"/>
+              </a:solidFill>
+            </a:endParaRPr>
+          </a:p>
+          <a:p>
+            <a:pPr marL="0" indent="0">
+              <a:buNone/>
+            </a:pPr>
+            <a:r>
               <a:rPr lang="en-US" sz="4400" dirty="0" smtClean="0">
                 <a:solidFill>
                   <a:srgbClr val="0000FF"/>
                 </a:solidFill>
               </a:rPr>
-              <a:t>SELECT </a:t>
+              <a:t>FROM </a:t>
+            </a:r>
+            <a:r>
+              <a:rPr lang="en-US" sz="4400" dirty="0">
+                <a:solidFill>
+                  <a:srgbClr val="9B3E1E"/>
+                </a:solidFill>
+              </a:rPr>
+              <a:t>users</a:t>
             </a:r>
           </a:p>
           <a:p>
@@ -11683,12 +11125,20 @@
               <a:buNone/>
             </a:pPr>
             <a:r>
-              <a:rPr lang="en-US" sz="4400" dirty="0" err="1" smtClean="0"/>
-              <a:t>film.film_id</a:t>
-            </a:r>
-            <a:r>
-              <a:rPr lang="en-US" sz="4400" dirty="0"/>
-              <a:t>,</a:t>
+              <a:rPr lang="en-US" sz="4400" dirty="0">
+                <a:solidFill>
+                  <a:srgbClr val="0000FF"/>
+                </a:solidFill>
+              </a:rPr>
+              <a:t>LEFT OUTER JOIN </a:t>
+            </a:r>
+            <a:r>
+              <a:rPr lang="en-US" sz="4400" dirty="0">
+                <a:solidFill>
+                  <a:srgbClr val="9B3E1E"/>
+                </a:solidFill>
+              </a:rPr>
+              <a:t>orders</a:t>
             </a:r>
           </a:p>
           <a:p>
@@ -11696,126 +11146,71 @@
               <a:buNone/>
             </a:pPr>
             <a:r>
-              <a:rPr lang="en-US" sz="4400" dirty="0" smtClean="0"/>
-              <a:t>title</a:t>
-            </a:r>
-            <a:r>
-              <a:rPr lang="en-US" sz="4400" dirty="0"/>
-              <a:t>,</a:t>
-            </a:r>
+              <a:rPr lang="en-US" sz="4400" dirty="0">
+                <a:solidFill>
+                  <a:srgbClr val="0000FF"/>
+                </a:solidFill>
+              </a:rPr>
+              <a:t>ON </a:t>
+            </a:r>
+            <a:r>
+              <a:rPr lang="en-US" sz="4400" dirty="0" err="1">
+                <a:solidFill>
+                  <a:srgbClr val="9B3E1E"/>
+                </a:solidFill>
+              </a:rPr>
+              <a:t>orders.user_id</a:t>
+            </a:r>
+            <a:r>
+              <a:rPr lang="en-US" sz="4400" dirty="0">
+                <a:solidFill>
+                  <a:srgbClr val="9B3E1E"/>
+                </a:solidFill>
+              </a:rPr>
+              <a:t> = </a:t>
+            </a:r>
+            <a:r>
+              <a:rPr lang="en-US" sz="4400" dirty="0" err="1">
+                <a:solidFill>
+                  <a:srgbClr val="9B3E1E"/>
+                </a:solidFill>
+              </a:rPr>
+              <a:t>users.id</a:t>
+            </a:r>
+            <a:endParaRPr lang="en-US" sz="4400" dirty="0">
+              <a:solidFill>
+                <a:srgbClr val="9B3E1E"/>
+              </a:solidFill>
+            </a:endParaRPr>
           </a:p>
           <a:p>
             <a:pPr marL="0" indent="0">
               <a:buNone/>
             </a:pPr>
             <a:r>
-              <a:rPr lang="en-US" sz="4400" dirty="0" err="1" smtClean="0"/>
-              <a:t>inventory_id</a:t>
-            </a:r>
-            <a:endParaRPr lang="en-US" sz="4400" dirty="0"/>
-          </a:p>
-          <a:p>
-            <a:pPr marL="0" indent="0">
-              <a:buNone/>
-            </a:pPr>
-            <a:r>
-              <a:rPr lang="en-US" sz="4400" dirty="0" smtClean="0">
+              <a:rPr lang="en-US" sz="4400" dirty="0">
                 <a:solidFill>
                   <a:srgbClr val="0000FF"/>
                 </a:solidFill>
               </a:rPr>
-              <a:t>FROM </a:t>
-            </a:r>
-            <a:r>
-              <a:rPr lang="en-US" sz="4400" dirty="0" smtClean="0"/>
-              <a:t>film</a:t>
-            </a:r>
-            <a:endParaRPr lang="en-US" sz="4400" dirty="0"/>
-          </a:p>
-          <a:p>
-            <a:pPr marL="0" indent="0">
-              <a:buNone/>
-            </a:pPr>
+              <a:t>WHERE </a:t>
+            </a:r>
+            <a:r>
+              <a:rPr lang="en-US" sz="4400" dirty="0" err="1">
+                <a:solidFill>
+                  <a:srgbClr val="9B3E1E"/>
+                </a:solidFill>
+              </a:rPr>
+              <a:t>orders.id</a:t>
+            </a:r>
             <a:r>
               <a:rPr lang="en-US" sz="4400" dirty="0">
                 <a:solidFill>
                   <a:srgbClr val="0000FF"/>
                 </a:solidFill>
               </a:rPr>
-              <a:t>LEFT JOIN </a:t>
-            </a:r>
-            <a:r>
-              <a:rPr lang="en-US" sz="4400" dirty="0"/>
-              <a:t>inventory </a:t>
-            </a:r>
-            <a:r>
-              <a:rPr lang="en-US" sz="4400" dirty="0">
-                <a:solidFill>
-                  <a:srgbClr val="0000FF"/>
-                </a:solidFill>
-              </a:rPr>
-              <a:t>ON</a:t>
-            </a:r>
-            <a:r>
-              <a:rPr lang="en-US" sz="4400" dirty="0"/>
-              <a:t> </a:t>
-            </a:r>
-            <a:r>
-              <a:rPr lang="en-US" sz="4400" dirty="0" err="1"/>
-              <a:t>inventory.film_id</a:t>
-            </a:r>
-            <a:r>
-              <a:rPr lang="en-US" sz="4400" dirty="0"/>
-              <a:t> = </a:t>
-            </a:r>
-            <a:r>
-              <a:rPr lang="en-US" sz="4400" dirty="0" err="1"/>
-              <a:t>film.film_id</a:t>
-            </a:r>
-            <a:r>
-              <a:rPr lang="en-US" sz="4400" dirty="0" smtClean="0"/>
-              <a:t>;</a:t>
-            </a:r>
-          </a:p>
-          <a:p>
-            <a:pPr marL="0" indent="0">
-              <a:buNone/>
-            </a:pPr>
-            <a:r>
-              <a:rPr lang="en-US" sz="4400" dirty="0"/>
-              <a:t>﻿</a:t>
-            </a:r>
-            <a:r>
-              <a:rPr lang="en-US" sz="4400" dirty="0">
-                <a:solidFill>
-                  <a:srgbClr val="0000FF"/>
-                </a:solidFill>
-              </a:rPr>
-              <a:t>WHERE</a:t>
-            </a:r>
-            <a:r>
-              <a:rPr lang="en-US" sz="4400" dirty="0"/>
-              <a:t> </a:t>
-            </a:r>
-            <a:r>
-              <a:rPr lang="en-US" sz="4400" dirty="0" err="1"/>
-              <a:t>inventory.film_id</a:t>
-            </a:r>
-            <a:r>
-              <a:rPr lang="en-US" sz="4400" dirty="0"/>
-              <a:t> </a:t>
-            </a:r>
-            <a:r>
-              <a:rPr lang="en-US" sz="4400" dirty="0">
-                <a:solidFill>
-                  <a:srgbClr val="0000FF"/>
-                </a:solidFill>
-              </a:rPr>
-              <a:t>IS NULL</a:t>
-            </a:r>
-          </a:p>
-          <a:p>
-            <a:pPr fontAlgn="base"/>
+              <a:t> IS NULL;</a:t>
+            </a:r>
             <a:endParaRPr lang="en-US" sz="4400" b="1" dirty="0"/>
           </a:p>
         </p:txBody>
@@ -11840,7 +11235,7 @@
 </p:sld>
 </file>
 
-<file path=ppt/slides/slide25.xml><?xml version="1.0" encoding="utf-8"?>
+<file path=ppt/slides/slide24.xml><?xml version="1.0" encoding="utf-8"?>
 <p:sld xmlns:a="http://schemas.openxmlformats.org/drawingml/2006/main" xmlns:r="http://schemas.openxmlformats.org/officeDocument/2006/relationships" xmlns:p="http://schemas.openxmlformats.org/presentationml/2006/main">
   <p:cSld>
     <p:spTree>
@@ -12067,7 +11462,7 @@
 </p:sld>
 </file>
 
-<file path=ppt/slides/slide26.xml><?xml version="1.0" encoding="utf-8"?>
+<file path=ppt/slides/slide25.xml><?xml version="1.0" encoding="utf-8"?>
 <p:sld xmlns:a="http://schemas.openxmlformats.org/drawingml/2006/main" xmlns:r="http://schemas.openxmlformats.org/officeDocument/2006/relationships" xmlns:p="http://schemas.openxmlformats.org/presentationml/2006/main">
   <p:cSld>
     <p:spTree>
@@ -12281,11 +11676,7 @@
             </a:r>
             <a:r>
               <a:rPr lang="en-US" sz="3200" dirty="0" smtClean="0"/>
-              <a:t> </a:t>
-            </a:r>
-            <a:r>
-              <a:rPr lang="en-US" sz="3200" dirty="0" smtClean="0"/>
-              <a:t>order</a:t>
+              <a:t> order</a:t>
             </a:r>
             <a:endParaRPr lang="en-US" sz="3200" dirty="0"/>
           </a:p>
@@ -12308,11 +11699,7 @@
             </a:pPr>
             <a:r>
               <a:rPr lang="en-US" sz="3200" dirty="0" err="1" smtClean="0"/>
-              <a:t>use</a:t>
-            </a:r>
-            <a:r>
-              <a:rPr lang="en-US" sz="3200" dirty="0" err="1" smtClean="0"/>
-              <a:t>r_id</a:t>
+              <a:t>user_id</a:t>
             </a:r>
             <a:r>
               <a:rPr lang="en-US" sz="3200" dirty="0" smtClean="0"/>
@@ -12366,11 +11753,6 @@
               </a:rPr>
               <a:t>user. </a:t>
             </a:r>
-            <a:endParaRPr lang="en-US" sz="3200" dirty="0" smtClean="0">
-              <a:solidFill>
-                <a:srgbClr val="9B3E1E"/>
-              </a:solidFill>
-            </a:endParaRPr>
           </a:p>
           <a:p>
             <a:pPr fontAlgn="base"/>
@@ -12431,7 +11813,7 @@
 </p:sld>
 </file>
 
-<file path=ppt/slides/slide27.xml><?xml version="1.0" encoding="utf-8"?>
+<file path=ppt/slides/slide26.xml><?xml version="1.0" encoding="utf-8"?>
 <p:sld xmlns:a="http://schemas.openxmlformats.org/drawingml/2006/main" xmlns:r="http://schemas.openxmlformats.org/officeDocument/2006/relationships" xmlns:p="http://schemas.openxmlformats.org/presentationml/2006/main">
   <p:cSld>
     <p:spTree>
@@ -12749,7 +12131,7 @@
 </p:sld>
 </file>
 
-<file path=ppt/slides/slide28.xml><?xml version="1.0" encoding="utf-8"?>
+<file path=ppt/slides/slide27.xml><?xml version="1.0" encoding="utf-8"?>
 <p:sld xmlns:a="http://schemas.openxmlformats.org/drawingml/2006/main" xmlns:r="http://schemas.openxmlformats.org/officeDocument/2006/relationships" xmlns:p="http://schemas.openxmlformats.org/presentationml/2006/main">
   <p:cSld>
     <p:spTree>
@@ -13214,7 +12596,7 @@
 </p:sld>
 </file>
 
-<file path=ppt/slides/slide29.xml><?xml version="1.0" encoding="utf-8"?>
+<file path=ppt/slides/slide28.xml><?xml version="1.0" encoding="utf-8"?>
 <p:sld xmlns:a="http://schemas.openxmlformats.org/drawingml/2006/main" xmlns:r="http://schemas.openxmlformats.org/officeDocument/2006/relationships" xmlns:p="http://schemas.openxmlformats.org/presentationml/2006/main">
   <p:cSld>
     <p:spTree>
@@ -13469,23 +12851,7 @@
                   <a:srgbClr val="9B3E1E"/>
                 </a:solidFill>
               </a:rPr>
-              <a:t>order </a:t>
-            </a:r>
-            <a:r>
-              <a:rPr lang="en-US" dirty="0" smtClean="0">
-                <a:solidFill>
-                  <a:srgbClr val="9B3E1E"/>
-                </a:solidFill>
-              </a:rPr>
-              <a:t>price per </a:t>
-            </a:r>
-            <a:r>
-              <a:rPr lang="en-US" dirty="0" smtClean="0">
-                <a:solidFill>
-                  <a:srgbClr val="9B3E1E"/>
-                </a:solidFill>
-              </a:rPr>
-              <a:t>user?</a:t>
+              <a:t>order price per user?</a:t>
             </a:r>
             <a:endParaRPr lang="en-US" dirty="0">
               <a:solidFill>
@@ -13504,15 +12870,7 @@
                   <a:srgbClr val="9B3E1E"/>
                 </a:solidFill>
               </a:rPr>
-              <a:t>What is the number of products per order</a:t>
-            </a:r>
-            <a:r>
-              <a:rPr lang="en-US" dirty="0" smtClean="0">
-                <a:solidFill>
-                  <a:srgbClr val="9B3E1E"/>
-                </a:solidFill>
-              </a:rPr>
-              <a:t>?</a:t>
+              <a:t>What is the number of products per order?</a:t>
             </a:r>
             <a:endParaRPr lang="en-US" dirty="0">
               <a:solidFill>
@@ -13533,11 +12891,6 @@
               </a:rPr>
               <a:t>User id, first and last name and order id for all orders of motherboards or monitors</a:t>
             </a:r>
-            <a:endParaRPr lang="en-US" dirty="0" smtClean="0">
-              <a:solidFill>
-                <a:srgbClr val="9B3E1E"/>
-              </a:solidFill>
-            </a:endParaRPr>
           </a:p>
           <a:p>
             <a:pPr marL="514350" lvl="0" indent="-514350" fontAlgn="base">
@@ -13598,7 +12951,15 @@
                   <a:srgbClr val="9B3E1E"/>
                 </a:solidFill>
               </a:rPr>
-              <a:t> for </a:t>
+              <a:t> for which the </a:t>
+            </a:r>
+            <a:r>
+              <a:rPr lang="en-US" dirty="0" err="1" smtClean="0">
+                <a:solidFill>
+                  <a:srgbClr val="9B3E1E"/>
+                </a:solidFill>
+              </a:rPr>
+              <a:t>shipping_total</a:t>
             </a:r>
             <a:r>
               <a:rPr lang="en-US" dirty="0" smtClean="0">
@@ -13606,31 +12967,7 @@
                   <a:srgbClr val="9B3E1E"/>
                 </a:solidFill>
               </a:rPr>
-              <a:t>which the </a:t>
-            </a:r>
-            <a:r>
-              <a:rPr lang="en-US" dirty="0" err="1" smtClean="0">
-                <a:solidFill>
-                  <a:srgbClr val="9B3E1E"/>
-                </a:solidFill>
-              </a:rPr>
-              <a:t>shipping_total</a:t>
-            </a:r>
-            <a:r>
-              <a:rPr lang="en-US" dirty="0" smtClean="0">
-                <a:solidFill>
-                  <a:srgbClr val="9B3E1E"/>
-                </a:solidFill>
-              </a:rPr>
-              <a:t> is </a:t>
-            </a:r>
-            <a:r>
-              <a:rPr lang="en-US" dirty="0" smtClean="0">
-                <a:solidFill>
-                  <a:srgbClr val="9B3E1E"/>
-                </a:solidFill>
-              </a:rPr>
-              <a:t>null.</a:t>
+              <a:t> is null.</a:t>
             </a:r>
             <a:endParaRPr lang="en-US" dirty="0">
               <a:solidFill>
@@ -13651,6 +12988,710 @@
     <p:extLst>
       <p:ext uri="{BB962C8B-B14F-4D97-AF65-F5344CB8AC3E}">
         <p14:creationId xmlns:p14="http://schemas.microsoft.com/office/powerpoint/2010/main" val="2210176037"/>
+      </p:ext>
+    </p:extLst>
+  </p:cSld>
+  <p:clrMapOvr>
+    <a:masterClrMapping/>
+  </p:clrMapOvr>
+  <p:timing>
+    <p:tnLst>
+      <p:par>
+        <p:cTn xmlns:p14="http://schemas.microsoft.com/office/powerpoint/2010/main" id="1" dur="indefinite" restart="never" nodeType="tmRoot"/>
+      </p:par>
+    </p:tnLst>
+  </p:timing>
+</p:sld>
+</file>
+
+<file path=ppt/slides/slide29.xml><?xml version="1.0" encoding="utf-8"?>
+<p:sld xmlns:a="http://schemas.openxmlformats.org/drawingml/2006/main" xmlns:r="http://schemas.openxmlformats.org/officeDocument/2006/relationships" xmlns:p="http://schemas.openxmlformats.org/presentationml/2006/main">
+  <p:cSld>
+    <p:spTree>
+      <p:nvGrpSpPr>
+        <p:cNvPr id="1" name=""/>
+        <p:cNvGrpSpPr/>
+        <p:nvPr/>
+      </p:nvGrpSpPr>
+      <p:grpSpPr>
+        <a:xfrm>
+          <a:off x="0" y="0"/>
+          <a:ext cx="0" cy="0"/>
+          <a:chOff x="0" y="0"/>
+          <a:chExt cx="0" cy="0"/>
+        </a:xfrm>
+      </p:grpSpPr>
+      <p:sp>
+        <p:nvSpPr>
+          <p:cNvPr id="4" name="Rectangle 3"/>
+          <p:cNvSpPr/>
+          <p:nvPr/>
+        </p:nvSpPr>
+        <p:spPr>
+          <a:xfrm>
+            <a:off x="838200" y="1825625"/>
+            <a:ext cx="10515600" cy="3982508"/>
+          </a:xfrm>
+          <a:prstGeom prst="rect">
+            <a:avLst/>
+          </a:prstGeom>
+        </p:spPr>
+        <p:style>
+          <a:lnRef idx="1">
+            <a:schemeClr val="accent1"/>
+          </a:lnRef>
+          <a:fillRef idx="3">
+            <a:schemeClr val="accent1"/>
+          </a:fillRef>
+          <a:effectRef idx="2">
+            <a:schemeClr val="accent1"/>
+          </a:effectRef>
+          <a:fontRef idx="minor">
+            <a:schemeClr val="lt1"/>
+          </a:fontRef>
+        </p:style>
+        <p:txBody>
+          <a:bodyPr rtlCol="0" anchor="ctr"/>
+          <a:lstStyle/>
+          <a:p>
+            <a:pPr algn="ctr"/>
+            <a:endParaRPr lang="en-US"/>
+          </a:p>
+        </p:txBody>
+      </p:sp>
+      <p:pic>
+        <p:nvPicPr>
+          <p:cNvPr id="5" name="Picture 4"/>
+          <p:cNvPicPr>
+            <a:picLocks noChangeAspect="1"/>
+          </p:cNvPicPr>
+          <p:nvPr/>
+        </p:nvPicPr>
+        <p:blipFill>
+          <a:blip r:embed="rId3">
+            <a:extLst>
+              <a:ext uri="{28A0092B-C50C-407E-A947-70E740481C1C}">
+                <a14:useLocalDpi xmlns:a14="http://schemas.microsoft.com/office/drawing/2010/main" val="0"/>
+              </a:ext>
+            </a:extLst>
+          </a:blip>
+          <a:stretch>
+            <a:fillRect/>
+          </a:stretch>
+        </p:blipFill>
+        <p:spPr>
+          <a:xfrm>
+            <a:off x="76201" y="6083300"/>
+            <a:ext cx="3527964" cy="731520"/>
+          </a:xfrm>
+          <a:prstGeom prst="rect">
+            <a:avLst/>
+          </a:prstGeom>
+        </p:spPr>
+      </p:pic>
+      <p:sp>
+        <p:nvSpPr>
+          <p:cNvPr id="2" name="Title 1"/>
+          <p:cNvSpPr>
+            <a:spLocks noGrp="1"/>
+          </p:cNvSpPr>
+          <p:nvPr>
+            <p:ph type="title"/>
+          </p:nvPr>
+        </p:nvSpPr>
+        <p:spPr>
+          <a:xfrm>
+            <a:off x="838200" y="43398"/>
+            <a:ext cx="10515600" cy="1325563"/>
+          </a:xfrm>
+        </p:spPr>
+        <p:txBody>
+          <a:bodyPr>
+            <a:normAutofit/>
+          </a:bodyPr>
+          <a:lstStyle/>
+          <a:p>
+            <a:r>
+              <a:rPr lang="en-US" sz="6600" b="1" dirty="0" smtClean="0">
+                <a:solidFill>
+                  <a:srgbClr val="9B3E1E"/>
+                </a:solidFill>
+                <a:latin typeface="+mn-lt"/>
+              </a:rPr>
+              <a:t>Solution – #1</a:t>
+            </a:r>
+            <a:endParaRPr lang="en-US" sz="6600" b="1" dirty="0">
+              <a:solidFill>
+                <a:srgbClr val="9B3E1E"/>
+              </a:solidFill>
+              <a:latin typeface="+mn-lt"/>
+            </a:endParaRPr>
+          </a:p>
+        </p:txBody>
+      </p:sp>
+      <p:sp>
+        <p:nvSpPr>
+          <p:cNvPr id="3" name="Vertical Text Placeholder 2"/>
+          <p:cNvSpPr>
+            <a:spLocks noGrp="1"/>
+          </p:cNvSpPr>
+          <p:nvPr>
+            <p:ph type="body" orient="vert" idx="1"/>
+          </p:nvPr>
+        </p:nvSpPr>
+        <p:spPr>
+          <a:xfrm>
+            <a:off x="838200" y="1236139"/>
+            <a:ext cx="10515600" cy="4690528"/>
+          </a:xfrm>
+          <a:solidFill>
+            <a:schemeClr val="bg1"/>
+          </a:solidFill>
+          <a:ln>
+            <a:solidFill>
+              <a:srgbClr val="9B3E1E"/>
+            </a:solidFill>
+          </a:ln>
+        </p:spPr>
+        <p:txBody>
+          <a:bodyPr vert="horz">
+            <a:normAutofit fontScale="25000" lnSpcReduction="20000"/>
+          </a:bodyPr>
+          <a:lstStyle/>
+          <a:p>
+            <a:pPr marL="0" indent="0">
+              <a:buNone/>
+            </a:pPr>
+            <a:r>
+              <a:rPr lang="en-US" sz="4400" dirty="0"/>
+              <a:t>﻿</a:t>
+            </a:r>
+            <a:r>
+              <a:rPr lang="en-US" sz="4400" dirty="0">
+                <a:solidFill>
+                  <a:srgbClr val="0000FF"/>
+                </a:solidFill>
+              </a:rPr>
+              <a:t>﻿﻿﻿﻿</a:t>
+            </a:r>
+            <a:r>
+              <a:rPr lang="en-US" sz="7200" dirty="0">
+                <a:solidFill>
+                  <a:srgbClr val="0000FF"/>
+                </a:solidFill>
+              </a:rPr>
+              <a:t>SELECT</a:t>
+            </a:r>
+          </a:p>
+          <a:p>
+            <a:pPr marL="0" indent="0">
+              <a:buNone/>
+            </a:pPr>
+            <a:r>
+              <a:rPr lang="en-US" sz="7200" dirty="0" err="1">
+                <a:solidFill>
+                  <a:srgbClr val="9B3E1E"/>
+                </a:solidFill>
+              </a:rPr>
+              <a:t>users.id</a:t>
+            </a:r>
+            <a:r>
+              <a:rPr lang="en-US" sz="7200" dirty="0">
+                <a:solidFill>
+                  <a:srgbClr val="9B3E1E"/>
+                </a:solidFill>
+              </a:rPr>
+              <a:t> as users,</a:t>
+            </a:r>
+          </a:p>
+          <a:p>
+            <a:pPr marL="0" indent="0">
+              <a:buNone/>
+            </a:pPr>
+            <a:r>
+              <a:rPr lang="en-US" sz="7200" dirty="0" err="1">
+                <a:solidFill>
+                  <a:srgbClr val="9B3E1E"/>
+                </a:solidFill>
+              </a:rPr>
+              <a:t>orders.id</a:t>
+            </a:r>
+            <a:r>
+              <a:rPr lang="en-US" sz="7200" dirty="0">
+                <a:solidFill>
+                  <a:srgbClr val="9B3E1E"/>
+                </a:solidFill>
+              </a:rPr>
+              <a:t> as orders,</a:t>
+            </a:r>
+          </a:p>
+          <a:p>
+            <a:pPr marL="0" indent="0">
+              <a:buNone/>
+            </a:pPr>
+            <a:r>
+              <a:rPr lang="en-US" sz="7200" dirty="0" err="1">
+                <a:solidFill>
+                  <a:srgbClr val="9B3E1E"/>
+                </a:solidFill>
+              </a:rPr>
+              <a:t>firstname</a:t>
+            </a:r>
+            <a:r>
+              <a:rPr lang="en-US" sz="7200" dirty="0">
+                <a:solidFill>
+                  <a:srgbClr val="9B3E1E"/>
+                </a:solidFill>
+              </a:rPr>
+              <a:t>,</a:t>
+            </a:r>
+          </a:p>
+          <a:p>
+            <a:pPr marL="0" indent="0">
+              <a:buNone/>
+            </a:pPr>
+            <a:r>
+              <a:rPr lang="en-US" sz="7200" dirty="0" err="1">
+                <a:solidFill>
+                  <a:srgbClr val="9B3E1E"/>
+                </a:solidFill>
+              </a:rPr>
+              <a:t>lastname</a:t>
+            </a:r>
+            <a:r>
+              <a:rPr lang="en-US" sz="7200" dirty="0">
+                <a:solidFill>
+                  <a:srgbClr val="9B3E1E"/>
+                </a:solidFill>
+              </a:rPr>
+              <a:t>,</a:t>
+            </a:r>
+          </a:p>
+          <a:p>
+            <a:pPr marL="0" indent="0">
+              <a:buNone/>
+            </a:pPr>
+            <a:r>
+              <a:rPr lang="en-US" sz="7200" dirty="0">
+                <a:solidFill>
+                  <a:srgbClr val="9B3E1E"/>
+                </a:solidFill>
+              </a:rPr>
+              <a:t>email,</a:t>
+            </a:r>
+          </a:p>
+          <a:p>
+            <a:pPr marL="0" indent="0">
+              <a:buNone/>
+            </a:pPr>
+            <a:r>
+              <a:rPr lang="en-US" sz="7200" dirty="0" err="1">
+                <a:solidFill>
+                  <a:srgbClr val="9B3E1E"/>
+                </a:solidFill>
+              </a:rPr>
+              <a:t>shipping_total</a:t>
+            </a:r>
+            <a:r>
+              <a:rPr lang="en-US" sz="7200" dirty="0">
+                <a:solidFill>
+                  <a:srgbClr val="9B3E1E"/>
+                </a:solidFill>
+              </a:rPr>
+              <a:t>,</a:t>
+            </a:r>
+          </a:p>
+          <a:p>
+            <a:pPr marL="0" indent="0">
+              <a:buNone/>
+            </a:pPr>
+            <a:r>
+              <a:rPr lang="en-US" sz="7200" dirty="0" err="1">
+                <a:solidFill>
+                  <a:srgbClr val="9B3E1E"/>
+                </a:solidFill>
+              </a:rPr>
+              <a:t>orders.address</a:t>
+            </a:r>
+            <a:r>
+              <a:rPr lang="en-US" sz="7200" dirty="0">
+                <a:solidFill>
+                  <a:srgbClr val="9B3E1E"/>
+                </a:solidFill>
+              </a:rPr>
+              <a:t>,</a:t>
+            </a:r>
+          </a:p>
+          <a:p>
+            <a:pPr marL="0" indent="0">
+              <a:buNone/>
+            </a:pPr>
+            <a:r>
+              <a:rPr lang="en-US" sz="7200" dirty="0">
+                <a:solidFill>
+                  <a:srgbClr val="0000FF"/>
+                </a:solidFill>
+              </a:rPr>
+              <a:t>sum(</a:t>
+            </a:r>
+            <a:r>
+              <a:rPr lang="en-US" sz="7200" dirty="0" err="1">
+                <a:solidFill>
+                  <a:srgbClr val="9B3E1E"/>
+                </a:solidFill>
+              </a:rPr>
+              <a:t>products.price</a:t>
+            </a:r>
+            <a:r>
+              <a:rPr lang="en-US" sz="7200" dirty="0">
+                <a:solidFill>
+                  <a:srgbClr val="0000FF"/>
+                </a:solidFill>
+              </a:rPr>
+              <a:t>)</a:t>
+            </a:r>
+          </a:p>
+          <a:p>
+            <a:pPr marL="0" indent="0">
+              <a:buNone/>
+            </a:pPr>
+            <a:r>
+              <a:rPr lang="en-US" sz="7200" dirty="0">
+                <a:solidFill>
+                  <a:srgbClr val="0000FF"/>
+                </a:solidFill>
+              </a:rPr>
+              <a:t>FROM </a:t>
+            </a:r>
+            <a:r>
+              <a:rPr lang="en-US" sz="7200" dirty="0">
+                <a:solidFill>
+                  <a:srgbClr val="9B3E1E"/>
+                </a:solidFill>
+              </a:rPr>
+              <a:t>users</a:t>
+            </a:r>
+          </a:p>
+          <a:p>
+            <a:pPr marL="0" indent="0">
+              <a:buNone/>
+            </a:pPr>
+            <a:r>
+              <a:rPr lang="en-US" sz="7200" dirty="0">
+                <a:solidFill>
+                  <a:srgbClr val="0000FF"/>
+                </a:solidFill>
+              </a:rPr>
+              <a:t>INNER JOIN </a:t>
+            </a:r>
+            <a:r>
+              <a:rPr lang="en-US" sz="7200" dirty="0">
+                <a:solidFill>
+                  <a:srgbClr val="9B3E1E"/>
+                </a:solidFill>
+              </a:rPr>
+              <a:t>orders</a:t>
+            </a:r>
+            <a:r>
+              <a:rPr lang="en-US" sz="7200" dirty="0">
+                <a:solidFill>
+                  <a:srgbClr val="0000FF"/>
+                </a:solidFill>
+              </a:rPr>
+              <a:t> ON </a:t>
+            </a:r>
+            <a:r>
+              <a:rPr lang="en-US" sz="7200" dirty="0" err="1">
+                <a:solidFill>
+                  <a:srgbClr val="9B3E1E"/>
+                </a:solidFill>
+              </a:rPr>
+              <a:t>users.id</a:t>
+            </a:r>
+            <a:r>
+              <a:rPr lang="en-US" sz="7200" dirty="0">
+                <a:solidFill>
+                  <a:srgbClr val="9B3E1E"/>
+                </a:solidFill>
+              </a:rPr>
+              <a:t> = </a:t>
+            </a:r>
+            <a:r>
+              <a:rPr lang="en-US" sz="7200" dirty="0" err="1">
+                <a:solidFill>
+                  <a:srgbClr val="9B3E1E"/>
+                </a:solidFill>
+              </a:rPr>
+              <a:t>orders.user_id</a:t>
+            </a:r>
+            <a:endParaRPr lang="en-US" sz="7200" dirty="0">
+              <a:solidFill>
+                <a:srgbClr val="9B3E1E"/>
+              </a:solidFill>
+            </a:endParaRPr>
+          </a:p>
+          <a:p>
+            <a:pPr marL="0" indent="0">
+              <a:buNone/>
+            </a:pPr>
+            <a:r>
+              <a:rPr lang="en-US" sz="7200" dirty="0">
+                <a:solidFill>
+                  <a:srgbClr val="0000FF"/>
+                </a:solidFill>
+              </a:rPr>
+              <a:t>LEFT JOIN </a:t>
+            </a:r>
+            <a:r>
+              <a:rPr lang="en-US" sz="7200" dirty="0" err="1">
+                <a:solidFill>
+                  <a:srgbClr val="9B3E1E"/>
+                </a:solidFill>
+              </a:rPr>
+              <a:t>order_products</a:t>
+            </a:r>
+            <a:r>
+              <a:rPr lang="en-US" sz="7200" dirty="0">
+                <a:solidFill>
+                  <a:srgbClr val="0000FF"/>
+                </a:solidFill>
+              </a:rPr>
+              <a:t> ON </a:t>
+            </a:r>
+            <a:r>
+              <a:rPr lang="en-US" sz="7200" dirty="0" err="1">
+                <a:solidFill>
+                  <a:srgbClr val="9B3E1E"/>
+                </a:solidFill>
+              </a:rPr>
+              <a:t>orders.id</a:t>
+            </a:r>
+            <a:r>
+              <a:rPr lang="en-US" sz="7200" dirty="0">
+                <a:solidFill>
+                  <a:srgbClr val="9B3E1E"/>
+                </a:solidFill>
+              </a:rPr>
+              <a:t> = </a:t>
+            </a:r>
+            <a:r>
+              <a:rPr lang="en-US" sz="7200" dirty="0" err="1">
+                <a:solidFill>
+                  <a:srgbClr val="9B3E1E"/>
+                </a:solidFill>
+              </a:rPr>
+              <a:t>order_products.order_id</a:t>
+            </a:r>
+            <a:endParaRPr lang="en-US" sz="7200" dirty="0">
+              <a:solidFill>
+                <a:srgbClr val="9B3E1E"/>
+              </a:solidFill>
+            </a:endParaRPr>
+          </a:p>
+          <a:p>
+            <a:pPr marL="0" indent="0">
+              <a:buNone/>
+            </a:pPr>
+            <a:r>
+              <a:rPr lang="en-US" sz="7200" dirty="0">
+                <a:solidFill>
+                  <a:srgbClr val="0000FF"/>
+                </a:solidFill>
+              </a:rPr>
+              <a:t>LEFT JOIN </a:t>
+            </a:r>
+            <a:r>
+              <a:rPr lang="en-US" sz="7200" dirty="0">
+                <a:solidFill>
+                  <a:srgbClr val="9B3E1E"/>
+                </a:solidFill>
+              </a:rPr>
+              <a:t>products</a:t>
+            </a:r>
+            <a:r>
+              <a:rPr lang="en-US" sz="7200" dirty="0">
+                <a:solidFill>
+                  <a:srgbClr val="0000FF"/>
+                </a:solidFill>
+              </a:rPr>
+              <a:t> ON </a:t>
+            </a:r>
+            <a:r>
+              <a:rPr lang="en-US" sz="7200" dirty="0" err="1">
+                <a:solidFill>
+                  <a:srgbClr val="9B3E1E"/>
+                </a:solidFill>
+              </a:rPr>
+              <a:t>order_products.product_id</a:t>
+            </a:r>
+            <a:r>
+              <a:rPr lang="en-US" sz="7200" dirty="0">
+                <a:solidFill>
+                  <a:srgbClr val="9B3E1E"/>
+                </a:solidFill>
+              </a:rPr>
+              <a:t> = </a:t>
+            </a:r>
+            <a:r>
+              <a:rPr lang="en-US" sz="7200" dirty="0" err="1">
+                <a:solidFill>
+                  <a:srgbClr val="9B3E1E"/>
+                </a:solidFill>
+              </a:rPr>
+              <a:t>products.id</a:t>
+            </a:r>
+            <a:endParaRPr lang="en-US" sz="7200" dirty="0">
+              <a:solidFill>
+                <a:srgbClr val="9B3E1E"/>
+              </a:solidFill>
+            </a:endParaRPr>
+          </a:p>
+          <a:p>
+            <a:pPr marL="0" indent="0">
+              <a:buNone/>
+            </a:pPr>
+            <a:r>
+              <a:rPr lang="en-US" sz="7200" dirty="0">
+                <a:solidFill>
+                  <a:srgbClr val="0000FF"/>
+                </a:solidFill>
+              </a:rPr>
+              <a:t>GROUP </a:t>
+            </a:r>
+            <a:r>
+              <a:rPr lang="en-US" sz="7200" dirty="0" smtClean="0">
+                <a:solidFill>
+                  <a:srgbClr val="0000FF"/>
+                </a:solidFill>
+              </a:rPr>
+              <a:t>BY </a:t>
+            </a:r>
+            <a:r>
+              <a:rPr lang="en-US" sz="7200" dirty="0" err="1" smtClean="0">
+                <a:solidFill>
+                  <a:srgbClr val="9B3E1E"/>
+                </a:solidFill>
+              </a:rPr>
+              <a:t>users.id</a:t>
+            </a:r>
+            <a:r>
+              <a:rPr lang="en-US" sz="7200" dirty="0" smtClean="0">
+                <a:solidFill>
+                  <a:srgbClr val="9B3E1E"/>
+                </a:solidFill>
+              </a:rPr>
+              <a:t>, </a:t>
+            </a:r>
+            <a:r>
+              <a:rPr lang="en-US" sz="7200" dirty="0" err="1" smtClean="0">
+                <a:solidFill>
+                  <a:srgbClr val="9B3E1E"/>
+                </a:solidFill>
+              </a:rPr>
+              <a:t>orders.id</a:t>
+            </a:r>
+            <a:r>
+              <a:rPr lang="en-US" sz="7200" dirty="0" smtClean="0">
+                <a:solidFill>
+                  <a:srgbClr val="9B3E1E"/>
+                </a:solidFill>
+              </a:rPr>
+              <a:t>, </a:t>
+            </a:r>
+            <a:r>
+              <a:rPr lang="en-US" sz="7200" dirty="0" err="1" smtClean="0">
+                <a:solidFill>
+                  <a:srgbClr val="9B3E1E"/>
+                </a:solidFill>
+              </a:rPr>
+              <a:t>firstname</a:t>
+            </a:r>
+            <a:r>
+              <a:rPr lang="en-US" sz="7200" dirty="0" smtClean="0">
+                <a:solidFill>
+                  <a:srgbClr val="9B3E1E"/>
+                </a:solidFill>
+              </a:rPr>
+              <a:t>, </a:t>
+            </a:r>
+            <a:r>
+              <a:rPr lang="en-US" sz="7200" dirty="0" err="1" smtClean="0">
+                <a:solidFill>
+                  <a:srgbClr val="9B3E1E"/>
+                </a:solidFill>
+              </a:rPr>
+              <a:t>lastname</a:t>
+            </a:r>
+            <a:r>
+              <a:rPr lang="en-US" sz="7200" dirty="0" smtClean="0">
+                <a:solidFill>
+                  <a:srgbClr val="9B3E1E"/>
+                </a:solidFill>
+              </a:rPr>
+              <a:t>, email, </a:t>
+            </a:r>
+            <a:r>
+              <a:rPr lang="en-US" sz="7200" dirty="0" err="1" smtClean="0">
+                <a:solidFill>
+                  <a:srgbClr val="9B3E1E"/>
+                </a:solidFill>
+              </a:rPr>
+              <a:t>shipping_total</a:t>
+            </a:r>
+            <a:r>
+              <a:rPr lang="en-US" sz="7200" dirty="0" smtClean="0">
+                <a:solidFill>
+                  <a:srgbClr val="9B3E1E"/>
+                </a:solidFill>
+              </a:rPr>
+              <a:t>, </a:t>
+            </a:r>
+            <a:r>
+              <a:rPr lang="en-US" sz="7200" dirty="0" err="1" smtClean="0">
+                <a:solidFill>
+                  <a:srgbClr val="9B3E1E"/>
+                </a:solidFill>
+              </a:rPr>
+              <a:t>orders.address</a:t>
+            </a:r>
+            <a:endParaRPr lang="en-US" sz="7200" dirty="0">
+              <a:solidFill>
+                <a:srgbClr val="9B3E1E"/>
+              </a:solidFill>
+            </a:endParaRPr>
+          </a:p>
+          <a:p>
+            <a:pPr marL="0" indent="0">
+              <a:buNone/>
+            </a:pPr>
+            <a:r>
+              <a:rPr lang="en-US" sz="7200" dirty="0">
+                <a:solidFill>
+                  <a:srgbClr val="0000FF"/>
+                </a:solidFill>
+              </a:rPr>
+              <a:t>ORDER BY </a:t>
+            </a:r>
+            <a:r>
+              <a:rPr lang="en-US" sz="7200" dirty="0" err="1">
+                <a:solidFill>
+                  <a:srgbClr val="9B3E1E"/>
+                </a:solidFill>
+              </a:rPr>
+              <a:t>users.id</a:t>
+            </a:r>
+            <a:endParaRPr lang="en-US" sz="7200" b="1" dirty="0">
+              <a:solidFill>
+                <a:srgbClr val="9B3E1E"/>
+              </a:solidFill>
+            </a:endParaRPr>
+          </a:p>
+        </p:txBody>
+      </p:sp>
+    </p:spTree>
+    <p:extLst>
+      <p:ext uri="{BB962C8B-B14F-4D97-AF65-F5344CB8AC3E}">
+        <p14:creationId xmlns:p14="http://schemas.microsoft.com/office/powerpoint/2010/main" val="3767898560"/>
       </p:ext>
     </p:extLst>
   </p:cSld>
@@ -13958,7 +13999,7 @@
                 </a:solidFill>
                 <a:latin typeface="+mn-lt"/>
               </a:rPr>
-              <a:t>Solution – #1</a:t>
+              <a:t>Solution – #2</a:t>
             </a:r>
             <a:endParaRPr lang="en-US" sz="6600" b="1" dirty="0">
               <a:solidFill>
@@ -14015,11 +14056,19 @@
               <a:t>﻿﻿﻿﻿</a:t>
             </a:r>
             <a:r>
-              <a:rPr lang="en-US" sz="7200" dirty="0">
+              <a:rPr lang="en-US" sz="12000" dirty="0">
                 <a:solidFill>
                   <a:srgbClr val="0000FF"/>
                 </a:solidFill>
               </a:rPr>
+              <a:t>﻿</a:t>
+            </a:r>
+            <a:r>
+              <a:rPr lang="en-US" sz="8000" dirty="0">
+                <a:solidFill>
+                  <a:srgbClr val="0000FF"/>
+                </a:solidFill>
+              </a:rPr>
               <a:t>SELECT</a:t>
             </a:r>
           </a:p>
@@ -14028,7 +14077,7 @@
               <a:buNone/>
             </a:pPr>
             <a:r>
-              <a:rPr lang="en-US" sz="7200" dirty="0" err="1">
+              <a:rPr lang="en-US" sz="8000" dirty="0" err="1">
                 <a:solidFill>
                   <a:srgbClr val="9B3E1E"/>
                 </a:solidFill>
@@ -14036,7 +14085,7 @@
               <a:t>users.id</a:t>
             </a:r>
             <a:r>
-              <a:rPr lang="en-US" sz="7200" dirty="0">
+              <a:rPr lang="en-US" sz="8000" dirty="0">
                 <a:solidFill>
                   <a:srgbClr val="9B3E1E"/>
                 </a:solidFill>
@@ -14049,20 +14098,20 @@
               <a:buNone/>
             </a:pPr>
             <a:r>
-              <a:rPr lang="en-US" sz="7200" dirty="0" err="1">
-                <a:solidFill>
-                  <a:srgbClr val="9B3E1E"/>
-                </a:solidFill>
-              </a:rPr>
-              <a:t>orders.id</a:t>
-            </a:r>
-            <a:r>
-              <a:rPr lang="en-US" sz="7200" dirty="0">
-                <a:solidFill>
-                  <a:srgbClr val="9B3E1E"/>
-                </a:solidFill>
-              </a:rPr>
-              <a:t> as orders,</a:t>
+              <a:rPr lang="en-US" sz="8000" dirty="0" err="1">
+                <a:solidFill>
+                  <a:srgbClr val="9B3E1E"/>
+                </a:solidFill>
+              </a:rPr>
+              <a:t>firstname</a:t>
+            </a:r>
+            <a:r>
+              <a:rPr lang="en-US" sz="8000" dirty="0">
+                <a:solidFill>
+                  <a:srgbClr val="9B3E1E"/>
+                </a:solidFill>
+              </a:rPr>
+              <a:t>,</a:t>
             </a:r>
           </a:p>
           <a:p>
@@ -14070,15 +14119,15 @@
               <a:buNone/>
             </a:pPr>
             <a:r>
-              <a:rPr lang="en-US" sz="7200" dirty="0" err="1">
-                <a:solidFill>
-                  <a:srgbClr val="9B3E1E"/>
-                </a:solidFill>
-              </a:rPr>
-              <a:t>firstname</a:t>
-            </a:r>
-            <a:r>
-              <a:rPr lang="en-US" sz="7200" dirty="0">
+              <a:rPr lang="en-US" sz="8000" dirty="0" err="1">
+                <a:solidFill>
+                  <a:srgbClr val="9B3E1E"/>
+                </a:solidFill>
+              </a:rPr>
+              <a:t>lastname</a:t>
+            </a:r>
+            <a:r>
+              <a:rPr lang="en-US" sz="8000" dirty="0">
                 <a:solidFill>
                   <a:srgbClr val="9B3E1E"/>
                 </a:solidFill>
@@ -14091,20 +14140,12 @@
               <a:buNone/>
             </a:pPr>
             <a:r>
-              <a:rPr lang="en-US" sz="7200" dirty="0" err="1">
-                <a:solidFill>
-                  <a:srgbClr val="9B3E1E"/>
-                </a:solidFill>
-              </a:rPr>
-              <a:t>lastname</a:t>
-            </a:r>
-            <a:r>
-              <a:rPr lang="en-US" sz="7200" dirty="0">
-                <a:solidFill>
-                  <a:srgbClr val="9B3E1E"/>
-                </a:solidFill>
-              </a:rPr>
-              <a:t>,</a:t>
+              <a:rPr lang="en-US" sz="8000" dirty="0">
+                <a:solidFill>
+                  <a:srgbClr val="9B3E1E"/>
+                </a:solidFill>
+              </a:rPr>
+              <a:t>email,</a:t>
             </a:r>
           </a:p>
           <a:p>
@@ -14112,12 +14153,36 @@
               <a:buNone/>
             </a:pPr>
             <a:r>
-              <a:rPr lang="en-US" sz="7200" dirty="0">
-                <a:solidFill>
-                  <a:srgbClr val="9B3E1E"/>
-                </a:solidFill>
-              </a:rPr>
-              <a:t>email,</a:t>
+              <a:rPr lang="en-US" sz="8000" dirty="0" err="1">
+                <a:solidFill>
+                  <a:srgbClr val="0000FF"/>
+                </a:solidFill>
+              </a:rPr>
+              <a:t>avg</a:t>
+            </a:r>
+            <a:r>
+              <a:rPr lang="en-US" sz="8000" dirty="0">
+                <a:solidFill>
+                  <a:srgbClr val="0000FF"/>
+                </a:solidFill>
+              </a:rPr>
+              <a:t>(</a:t>
+            </a:r>
+            <a:r>
+              <a:rPr lang="en-US" sz="8000" dirty="0" err="1">
+                <a:solidFill>
+                  <a:srgbClr val="9B3E1E"/>
+                </a:solidFill>
+              </a:rPr>
+              <a:t>orders.order_total</a:t>
+            </a:r>
+            <a:r>
+              <a:rPr lang="en-US" sz="8000" dirty="0">
+                <a:solidFill>
+                  <a:srgbClr val="0000FF"/>
+                </a:solidFill>
+              </a:rPr>
+              <a:t>)</a:t>
             </a:r>
           </a:p>
           <a:p>
@@ -14125,20 +14190,20 @@
               <a:buNone/>
             </a:pPr>
             <a:r>
-              <a:rPr lang="en-US" sz="7200" dirty="0" err="1">
-                <a:solidFill>
-                  <a:srgbClr val="9B3E1E"/>
-                </a:solidFill>
-              </a:rPr>
-              <a:t>shipping_total</a:t>
-            </a:r>
-            <a:r>
-              <a:rPr lang="en-US" sz="7200" dirty="0">
-                <a:solidFill>
-                  <a:srgbClr val="9B3E1E"/>
-                </a:solidFill>
-              </a:rPr>
-              <a:t>,</a:t>
+              <a:rPr lang="en-US" sz="8000" dirty="0">
+                <a:solidFill>
+                  <a:srgbClr val="0000FF"/>
+                </a:solidFill>
+              </a:rPr>
+              <a:t>FROM </a:t>
+            </a:r>
+            <a:r>
+              <a:rPr lang="en-US" sz="8000" dirty="0">
+                <a:solidFill>
+                  <a:srgbClr val="9B3E1E"/>
+                </a:solidFill>
+              </a:rPr>
+              <a:t>users</a:t>
             </a:r>
           </a:p>
           <a:p>
@@ -14146,102 +14211,31 @@
               <a:buNone/>
             </a:pPr>
             <a:r>
-              <a:rPr lang="en-US" sz="7200" dirty="0" err="1">
-                <a:solidFill>
-                  <a:srgbClr val="9B3E1E"/>
-                </a:solidFill>
-              </a:rPr>
-              <a:t>orders.address</a:t>
-            </a:r>
-            <a:r>
-              <a:rPr lang="en-US" sz="7200" dirty="0">
-                <a:solidFill>
-                  <a:srgbClr val="9B3E1E"/>
-                </a:solidFill>
-              </a:rPr>
-              <a:t>,</a:t>
-            </a:r>
-          </a:p>
-          <a:p>
-            <a:pPr marL="0" indent="0">
-              <a:buNone/>
-            </a:pPr>
-            <a:r>
-              <a:rPr lang="en-US" sz="7200" dirty="0">
+              <a:rPr lang="en-US" sz="8000" dirty="0">
                 <a:solidFill>
                   <a:srgbClr val="0000FF"/>
                 </a:solidFill>
               </a:rPr>
-              <a:t>sum(</a:t>
-            </a:r>
-            <a:r>
-              <a:rPr lang="en-US" sz="7200" dirty="0" err="1">
-                <a:solidFill>
-                  <a:srgbClr val="9B3E1E"/>
-                </a:solidFill>
-              </a:rPr>
-              <a:t>products.price</a:t>
-            </a:r>
-            <a:r>
-              <a:rPr lang="en-US" sz="7200" dirty="0">
+              <a:t>INNER JOIN </a:t>
+            </a:r>
+            <a:r>
+              <a:rPr lang="en-US" sz="8000" dirty="0">
+                <a:solidFill>
+                  <a:srgbClr val="9B3E1E"/>
+                </a:solidFill>
+              </a:rPr>
+              <a:t>orders</a:t>
+            </a:r>
+            <a:r>
+              <a:rPr lang="en-US" sz="8000" dirty="0">
                 <a:solidFill>
                   <a:srgbClr val="0000FF"/>
                 </a:solidFill>
               </a:rPr>
-              <a:t>)</a:t>
-            </a:r>
-          </a:p>
-          <a:p>
-            <a:pPr marL="0" indent="0">
-              <a:buNone/>
-            </a:pPr>
-            <a:r>
-              <a:rPr lang="en-US" sz="7200" dirty="0">
-                <a:solidFill>
-                  <a:srgbClr val="0000FF"/>
-                </a:solidFill>
-              </a:rPr>
-              <a:t>FROM </a:t>
-            </a:r>
-            <a:r>
-              <a:rPr lang="en-US" sz="7200" dirty="0">
-                <a:solidFill>
-                  <a:srgbClr val="9B3E1E"/>
-                </a:solidFill>
-              </a:rPr>
-              <a:t>users</a:t>
-            </a:r>
-          </a:p>
-          <a:p>
-            <a:pPr marL="0" indent="0">
-              <a:buNone/>
-            </a:pPr>
-            <a:r>
-              <a:rPr lang="en-US" sz="7200" dirty="0">
-                <a:solidFill>
-                  <a:srgbClr val="0000FF"/>
-                </a:solidFill>
-              </a:rPr>
-              <a:t>INNER JOIN </a:t>
-            </a:r>
-            <a:r>
-              <a:rPr lang="en-US" sz="7200" dirty="0">
-                <a:solidFill>
-                  <a:srgbClr val="9B3E1E"/>
-                </a:solidFill>
-              </a:rPr>
-              <a:t>orders</a:t>
-            </a:r>
-            <a:r>
-              <a:rPr lang="en-US" sz="7200" dirty="0">
-                <a:solidFill>
-                  <a:srgbClr val="0000FF"/>
-                </a:solidFill>
-              </a:rPr>
               <a:t> ON </a:t>
             </a:r>
             <a:r>
-              <a:rPr lang="en-US" sz="7200" dirty="0" err="1">
+              <a:rPr lang="en-US" sz="8000" dirty="0" err="1">
                 <a:solidFill>
                   <a:srgbClr val="9B3E1E"/>
                 </a:solidFill>
@@ -14249,7 +14243,7 @@
               <a:t>users.id</a:t>
             </a:r>
             <a:r>
-              <a:rPr lang="en-US" sz="7200" dirty="0">
+              <a:rPr lang="en-US" sz="8000" dirty="0">
                 <a:solidFill>
                   <a:srgbClr val="9B3E1E"/>
                 </a:solidFill>
@@ -14257,14 +14251,14 @@
               <a:t> = </a:t>
             </a:r>
             <a:r>
-              <a:rPr lang="en-US" sz="7200" dirty="0" err="1">
+              <a:rPr lang="en-US" sz="8000" dirty="0" err="1">
                 <a:solidFill>
                   <a:srgbClr val="9B3E1E"/>
                 </a:solidFill>
               </a:rPr>
               <a:t>orders.user_id</a:t>
             </a:r>
-            <a:endParaRPr lang="en-US" sz="7200" dirty="0">
+            <a:endParaRPr lang="en-US" sz="8000" dirty="0">
               <a:solidFill>
                 <a:srgbClr val="9B3E1E"/>
               </a:solidFill>
@@ -14275,7 +14269,7 @@
               <a:buNone/>
             </a:pPr>
             <a:r>
-              <a:rPr lang="en-US" sz="7200" dirty="0">
+              <a:rPr lang="en-US" sz="8000" dirty="0">
                 <a:solidFill>
                   <a:srgbClr val="0000FF"/>
                 </a:solidFill>
@@ -14283,7 +14277,7 @@
               <a:t>LEFT JOIN </a:t>
             </a:r>
             <a:r>
-              <a:rPr lang="en-US" sz="7200" dirty="0" err="1">
+              <a:rPr lang="en-US" sz="8000" dirty="0" err="1">
                 <a:solidFill>
                   <a:srgbClr val="9B3E1E"/>
                 </a:solidFill>
@@ -14291,7 +14285,7 @@
               <a:t>order_products</a:t>
             </a:r>
             <a:r>
-              <a:rPr lang="en-US" sz="7200" dirty="0">
+              <a:rPr lang="en-US" sz="8000" dirty="0">
                 <a:solidFill>
                   <a:srgbClr val="0000FF"/>
                 </a:solidFill>
@@ -14299,7 +14293,7 @@
               <a:t> ON </a:t>
             </a:r>
             <a:r>
-              <a:rPr lang="en-US" sz="7200" dirty="0" err="1">
+              <a:rPr lang="en-US" sz="8000" dirty="0" err="1">
                 <a:solidFill>
                   <a:srgbClr val="9B3E1E"/>
                 </a:solidFill>
@@ -14307,7 +14301,7 @@
               <a:t>orders.id</a:t>
             </a:r>
             <a:r>
-              <a:rPr lang="en-US" sz="7200" dirty="0">
+              <a:rPr lang="en-US" sz="8000" dirty="0">
                 <a:solidFill>
                   <a:srgbClr val="9B3E1E"/>
                 </a:solidFill>
@@ -14315,14 +14309,14 @@
               <a:t> = </a:t>
             </a:r>
             <a:r>
-              <a:rPr lang="en-US" sz="7200" dirty="0" err="1">
+              <a:rPr lang="en-US" sz="8000" dirty="0" err="1">
                 <a:solidFill>
                   <a:srgbClr val="9B3E1E"/>
                 </a:solidFill>
               </a:rPr>
               <a:t>order_products.order_id</a:t>
             </a:r>
-            <a:endParaRPr lang="en-US" sz="7200" dirty="0">
+            <a:endParaRPr lang="en-US" sz="8000" dirty="0">
               <a:solidFill>
                 <a:srgbClr val="9B3E1E"/>
               </a:solidFill>
@@ -14333,31 +14327,31 @@
               <a:buNone/>
             </a:pPr>
             <a:r>
-              <a:rPr lang="en-US" sz="7200" dirty="0">
+              <a:rPr lang="en-US" sz="8000" dirty="0">
                 <a:solidFill>
                   <a:srgbClr val="0000FF"/>
                 </a:solidFill>
               </a:rPr>
-              <a:t>LEFT JOIN </a:t>
-            </a:r>
-            <a:r>
-              <a:rPr lang="en-US" sz="7200" dirty="0">
-                <a:solidFill>
-                  <a:srgbClr val="9B3E1E"/>
-                </a:solidFill>
-              </a:rPr>
-              <a:t>products</a:t>
-            </a:r>
-            <a:r>
-              <a:rPr lang="en-US" sz="7200" dirty="0">
+              <a:t>LEFT JOIN</a:t>
+            </a:r>
+            <a:r>
+              <a:rPr lang="en-US" sz="8000" dirty="0">
+                <a:solidFill>
+                  <a:srgbClr val="9B3E1E"/>
+                </a:solidFill>
+              </a:rPr>
+              <a:t> products </a:t>
+            </a:r>
+            <a:r>
+              <a:rPr lang="en-US" sz="8000" dirty="0">
                 <a:solidFill>
                   <a:srgbClr val="0000FF"/>
                 </a:solidFill>
               </a:rPr>
-              <a:t> ON </a:t>
-            </a:r>
-            <a:r>
-              <a:rPr lang="en-US" sz="7200" dirty="0" err="1">
+              <a:t>ON </a:t>
+            </a:r>
+            <a:r>
+              <a:rPr lang="en-US" sz="8000" dirty="0" err="1">
                 <a:solidFill>
                   <a:srgbClr val="9B3E1E"/>
                 </a:solidFill>
@@ -14365,7 +14359,7 @@
               <a:t>order_products.product_id</a:t>
             </a:r>
             <a:r>
-              <a:rPr lang="en-US" sz="7200" dirty="0">
+              <a:rPr lang="en-US" sz="8000" dirty="0">
                 <a:solidFill>
                   <a:srgbClr val="9B3E1E"/>
                 </a:solidFill>
@@ -14373,14 +14367,14 @@
               <a:t> = </a:t>
             </a:r>
             <a:r>
-              <a:rPr lang="en-US" sz="7200" dirty="0" err="1">
+              <a:rPr lang="en-US" sz="8000" dirty="0" err="1">
                 <a:solidFill>
                   <a:srgbClr val="9B3E1E"/>
                 </a:solidFill>
               </a:rPr>
               <a:t>products.id</a:t>
             </a:r>
-            <a:endParaRPr lang="en-US" sz="7200" dirty="0">
+            <a:endParaRPr lang="en-US" sz="8000" dirty="0">
               <a:solidFill>
                 <a:srgbClr val="9B3E1E"/>
               </a:solidFill>
@@ -14391,23 +14385,20 @@
               <a:buNone/>
             </a:pPr>
             <a:r>
-              <a:rPr lang="en-US" sz="7200" dirty="0">
+              <a:rPr lang="en-US" sz="8000" dirty="0">
                 <a:solidFill>
                   <a:srgbClr val="0000FF"/>
                 </a:solidFill>
               </a:rPr>
-              <a:t>GROUP </a:t>
-            </a:r>
-            <a:r>
-              <a:rPr lang="en-US" sz="7200" dirty="0" smtClean="0">
-                <a:solidFill>
-                  <a:srgbClr val="0000FF"/>
-                </a:solidFill>
-              </a:rPr>
-              <a:t>BY </a:t>
-            </a:r>
-            <a:r>
-              <a:rPr lang="en-US" sz="7200" dirty="0" err="1" smtClean="0">
+              <a:t>GROUP BY</a:t>
+            </a:r>
+          </a:p>
+          <a:p>
+            <a:pPr marL="0" indent="0">
+              <a:buNone/>
+            </a:pPr>
+            <a:r>
+              <a:rPr lang="en-US" sz="8000" dirty="0" err="1">
                 <a:solidFill>
                   <a:srgbClr val="9B3E1E"/>
                 </a:solidFill>
@@ -14415,7 +14406,7 @@
               <a:t>users.id</a:t>
             </a:r>
             <a:r>
-              <a:rPr lang="en-US" sz="7200" dirty="0" smtClean="0">
+              <a:rPr lang="en-US" sz="8000" dirty="0" smtClean="0">
                 <a:solidFill>
                   <a:srgbClr val="9B3E1E"/>
                 </a:solidFill>
@@ -14423,15 +14414,15 @@
               <a:t>, </a:t>
             </a:r>
             <a:r>
-              <a:rPr lang="en-US" sz="7200" dirty="0" err="1" smtClean="0">
-                <a:solidFill>
-                  <a:srgbClr val="9B3E1E"/>
-                </a:solidFill>
-              </a:rPr>
-              <a:t>orders.id</a:t>
-            </a:r>
-            <a:r>
-              <a:rPr lang="en-US" sz="7200" dirty="0" smtClean="0">
+              <a:rPr lang="en-US" sz="8000" dirty="0" err="1" smtClean="0">
+                <a:solidFill>
+                  <a:srgbClr val="9B3E1E"/>
+                </a:solidFill>
+              </a:rPr>
+              <a:t>firstname</a:t>
+            </a:r>
+            <a:r>
+              <a:rPr lang="en-US" sz="8000" dirty="0" smtClean="0">
                 <a:solidFill>
                   <a:srgbClr val="9B3E1E"/>
                 </a:solidFill>
@@ -14439,23 +14430,7 @@
               <a:t>, </a:t>
             </a:r>
             <a:r>
-              <a:rPr lang="en-US" sz="7200" dirty="0" err="1" smtClean="0">
-                <a:solidFill>
-                  <a:srgbClr val="9B3E1E"/>
-                </a:solidFill>
-              </a:rPr>
-              <a:t>firstname</a:t>
-            </a:r>
-            <a:r>
-              <a:rPr lang="en-US" sz="7200" dirty="0" smtClean="0">
-                <a:solidFill>
-                  <a:srgbClr val="9B3E1E"/>
-                </a:solidFill>
-              </a:rPr>
-              <a:t>, </a:t>
-            </a:r>
-            <a:r>
-              <a:rPr lang="en-US" sz="7200" dirty="0" err="1" smtClean="0">
+              <a:rPr lang="en-US" sz="8000" dirty="0" err="1" smtClean="0">
                 <a:solidFill>
                   <a:srgbClr val="9B3E1E"/>
                 </a:solidFill>
@@ -14463,38 +14438,14 @@
               <a:t>lastname</a:t>
             </a:r>
             <a:r>
-              <a:rPr lang="en-US" sz="7200" dirty="0" smtClean="0">
-                <a:solidFill>
-                  <a:srgbClr val="9B3E1E"/>
-                </a:solidFill>
-              </a:rPr>
-              <a:t>, email, </a:t>
-            </a:r>
-            <a:r>
-              <a:rPr lang="en-US" sz="7200" dirty="0" err="1" smtClean="0">
-                <a:solidFill>
-                  <a:srgbClr val="9B3E1E"/>
-                </a:solidFill>
-              </a:rPr>
-              <a:t>shipping_total</a:t>
-            </a:r>
-            <a:r>
-              <a:rPr lang="en-US" sz="7200" dirty="0" smtClean="0">
-                <a:solidFill>
-                  <a:srgbClr val="9B3E1E"/>
-                </a:solidFill>
-              </a:rPr>
-              <a:t>, </a:t>
-            </a:r>
-            <a:r>
-              <a:rPr lang="en-US" sz="7200" dirty="0" err="1" smtClean="0">
-                <a:solidFill>
-                  <a:srgbClr val="9B3E1E"/>
-                </a:solidFill>
-              </a:rPr>
-              <a:t>orders.address</a:t>
-            </a:r>
-            <a:endParaRPr lang="en-US" sz="7200" dirty="0">
+              <a:rPr lang="en-US" sz="8000" dirty="0" smtClean="0">
+                <a:solidFill>
+                  <a:srgbClr val="9B3E1E"/>
+                </a:solidFill>
+              </a:rPr>
+              <a:t>, email</a:t>
+            </a:r>
+            <a:endParaRPr lang="en-US" sz="8000" dirty="0">
               <a:solidFill>
                 <a:srgbClr val="9B3E1E"/>
               </a:solidFill>
@@ -14505,7 +14456,7 @@
               <a:buNone/>
             </a:pPr>
             <a:r>
-              <a:rPr lang="en-US" sz="7200" dirty="0">
+              <a:rPr lang="en-US" sz="8000" dirty="0">
                 <a:solidFill>
                   <a:srgbClr val="0000FF"/>
                 </a:solidFill>
@@ -14513,14 +14464,14 @@
               <a:t>ORDER BY </a:t>
             </a:r>
             <a:r>
-              <a:rPr lang="en-US" sz="7200" dirty="0" err="1">
+              <a:rPr lang="en-US" sz="8000" dirty="0" err="1">
                 <a:solidFill>
                   <a:srgbClr val="9B3E1E"/>
                 </a:solidFill>
               </a:rPr>
               <a:t>users.id</a:t>
             </a:r>
-            <a:endParaRPr lang="en-US" sz="7200" b="1" dirty="0">
+            <a:endParaRPr lang="en-US" sz="8000" b="1" dirty="0">
               <a:solidFill>
                 <a:srgbClr val="9B3E1E"/>
               </a:solidFill>
@@ -14531,7 +14482,7 @@
     </p:spTree>
     <p:extLst>
       <p:ext uri="{BB962C8B-B14F-4D97-AF65-F5344CB8AC3E}">
-        <p14:creationId xmlns:p14="http://schemas.microsoft.com/office/powerpoint/2010/main" val="3767898560"/>
+        <p14:creationId xmlns:p14="http://schemas.microsoft.com/office/powerpoint/2010/main" val="2812610173"/>
       </p:ext>
     </p:extLst>
   </p:cSld>
@@ -14565,44 +14516,6 @@
           <a:chExt cx="0" cy="0"/>
         </a:xfrm>
       </p:grpSpPr>
-      <p:sp>
-        <p:nvSpPr>
-          <p:cNvPr id="4" name="Rectangle 3"/>
-          <p:cNvSpPr/>
-          <p:nvPr/>
-        </p:nvSpPr>
-        <p:spPr>
-          <a:xfrm>
-            <a:off x="838200" y="1825625"/>
-            <a:ext cx="10515600" cy="3982508"/>
-          </a:xfrm>
-          <a:prstGeom prst="rect">
-            <a:avLst/>
-          </a:prstGeom>
-        </p:spPr>
-        <p:style>
-          <a:lnRef idx="1">
-            <a:schemeClr val="accent1"/>
-          </a:lnRef>
-          <a:fillRef idx="3">
-            <a:schemeClr val="accent1"/>
-          </a:fillRef>
-          <a:effectRef idx="2">
-            <a:schemeClr val="accent1"/>
-          </a:effectRef>
-          <a:fontRef idx="minor">
-            <a:schemeClr val="lt1"/>
-          </a:fontRef>
-        </p:style>
-        <p:txBody>
-          <a:bodyPr rtlCol="0" anchor="ctr"/>
-          <a:lstStyle/>
-          <a:p>
-            <a:pPr algn="ctr"/>
-            <a:endParaRPr lang="en-US"/>
-          </a:p>
-        </p:txBody>
-      </p:sp>
       <p:pic>
         <p:nvPicPr>
           <p:cNvPr id="5" name="Picture 4"/>
@@ -14662,7 +14575,7 @@
                 </a:solidFill>
                 <a:latin typeface="+mn-lt"/>
               </a:rPr>
-              <a:t>Solution – #2</a:t>
+              <a:t>Solution – #3</a:t>
             </a:r>
             <a:endParaRPr lang="en-US" sz="6600" b="1" dirty="0">
               <a:solidFill>
@@ -14686,7 +14599,7 @@
         <p:spPr>
           <a:xfrm>
             <a:off x="838200" y="1236139"/>
-            <a:ext cx="10515600" cy="4690528"/>
+            <a:ext cx="10515600" cy="3894661"/>
           </a:xfrm>
           <a:solidFill>
             <a:schemeClr val="bg1"/>
@@ -14727,12 +14640,12 @@
               <a:t>﻿</a:t>
             </a:r>
             <a:r>
-              <a:rPr lang="en-US" sz="8000" dirty="0">
+              <a:rPr lang="en-US" sz="11200" dirty="0">
                 <a:solidFill>
                   <a:srgbClr val="0000FF"/>
                 </a:solidFill>
               </a:rPr>
-              <a:t>SELECT</a:t>
+              <a:t>﻿SELECT</a:t>
             </a:r>
           </a:p>
           <a:p>
@@ -14740,20 +14653,20 @@
               <a:buNone/>
             </a:pPr>
             <a:r>
-              <a:rPr lang="en-US" sz="8000" dirty="0" err="1">
-                <a:solidFill>
-                  <a:srgbClr val="9B3E1E"/>
-                </a:solidFill>
-              </a:rPr>
-              <a:t>users.id</a:t>
-            </a:r>
-            <a:r>
-              <a:rPr lang="en-US" sz="8000" dirty="0">
-                <a:solidFill>
-                  <a:srgbClr val="9B3E1E"/>
-                </a:solidFill>
-              </a:rPr>
-              <a:t> as users,</a:t>
+              <a:rPr lang="en-US" sz="11200" dirty="0" err="1">
+                <a:solidFill>
+                  <a:srgbClr val="9B3E1E"/>
+                </a:solidFill>
+              </a:rPr>
+              <a:t>orders.id</a:t>
+            </a:r>
+            <a:r>
+              <a:rPr lang="en-US" sz="11200" dirty="0">
+                <a:solidFill>
+                  <a:srgbClr val="9B3E1E"/>
+                </a:solidFill>
+              </a:rPr>
+              <a:t>,</a:t>
             </a:r>
           </a:p>
           <a:p>
@@ -14761,20 +14674,28 @@
               <a:buNone/>
             </a:pPr>
             <a:r>
-              <a:rPr lang="en-US" sz="8000" dirty="0" err="1">
-                <a:solidFill>
-                  <a:srgbClr val="9B3E1E"/>
-                </a:solidFill>
-              </a:rPr>
-              <a:t>firstname</a:t>
-            </a:r>
-            <a:r>
-              <a:rPr lang="en-US" sz="8000" dirty="0">
-                <a:solidFill>
-                  <a:srgbClr val="9B3E1E"/>
-                </a:solidFill>
-              </a:rPr>
-              <a:t>,</a:t>
+              <a:rPr lang="en-US" sz="11200" dirty="0">
+                <a:solidFill>
+                  <a:srgbClr val="0000FF"/>
+                </a:solidFill>
+              </a:rPr>
+              <a:t>count(</a:t>
+            </a:r>
+            <a:r>
+              <a:rPr lang="en-US" sz="11200" dirty="0" err="1">
+                <a:solidFill>
+                  <a:srgbClr val="9B3E1E"/>
+                </a:solidFill>
+              </a:rPr>
+              <a:t>order_products.product_id</a:t>
+            </a:r>
+            <a:r>
+              <a:rPr lang="en-US" sz="11200" dirty="0">
+                <a:solidFill>
+                  <a:srgbClr val="0000FF"/>
+                </a:solidFill>
+              </a:rPr>
+              <a:t>)</a:t>
             </a:r>
           </a:p>
           <a:p>
@@ -14782,20 +14703,20 @@
               <a:buNone/>
             </a:pPr>
             <a:r>
-              <a:rPr lang="en-US" sz="8000" dirty="0" err="1">
-                <a:solidFill>
-                  <a:srgbClr val="9B3E1E"/>
-                </a:solidFill>
-              </a:rPr>
-              <a:t>lastname</a:t>
-            </a:r>
-            <a:r>
-              <a:rPr lang="en-US" sz="8000" dirty="0">
-                <a:solidFill>
-                  <a:srgbClr val="9B3E1E"/>
-                </a:solidFill>
-              </a:rPr>
-              <a:t>,</a:t>
+              <a:rPr lang="en-US" sz="11200" dirty="0">
+                <a:solidFill>
+                  <a:srgbClr val="0000FF"/>
+                </a:solidFill>
+              </a:rPr>
+              <a:t>FROM </a:t>
+            </a:r>
+            <a:r>
+              <a:rPr lang="en-US" sz="11200" dirty="0" smtClean="0">
+                <a:solidFill>
+                  <a:srgbClr val="9B3E1E"/>
+                </a:solidFill>
+              </a:rPr>
+              <a:t>orders</a:t>
             </a:r>
           </a:p>
           <a:p>
@@ -14803,110 +14724,55 @@
               <a:buNone/>
             </a:pPr>
             <a:r>
-              <a:rPr lang="en-US" sz="8000" dirty="0">
-                <a:solidFill>
-                  <a:srgbClr val="9B3E1E"/>
-                </a:solidFill>
-              </a:rPr>
-              <a:t>email,</a:t>
-            </a:r>
-          </a:p>
-          <a:p>
-            <a:pPr marL="0" indent="0">
-              <a:buNone/>
-            </a:pPr>
-            <a:r>
-              <a:rPr lang="en-US" sz="8000" dirty="0" err="1">
+              <a:rPr lang="en-US" sz="11200" dirty="0" smtClean="0">
                 <a:solidFill>
                   <a:srgbClr val="0000FF"/>
                 </a:solidFill>
               </a:rPr>
-              <a:t>avg</a:t>
-            </a:r>
-            <a:r>
-              <a:rPr lang="en-US" sz="8000" dirty="0">
+              <a:t>INNER </a:t>
+            </a:r>
+            <a:r>
+              <a:rPr lang="en-US" sz="11200" dirty="0">
                 <a:solidFill>
                   <a:srgbClr val="0000FF"/>
                 </a:solidFill>
               </a:rPr>
-              <a:t>(</a:t>
-            </a:r>
-            <a:r>
-              <a:rPr lang="en-US" sz="8000" dirty="0" err="1">
-                <a:solidFill>
-                  <a:srgbClr val="9B3E1E"/>
-                </a:solidFill>
-              </a:rPr>
-              <a:t>orders.order_total</a:t>
-            </a:r>
-            <a:r>
-              <a:rPr lang="en-US" sz="8000" dirty="0">
+              <a:t>JOIN </a:t>
+            </a:r>
+            <a:r>
+              <a:rPr lang="en-US" sz="11200" dirty="0" err="1">
+                <a:solidFill>
+                  <a:srgbClr val="9B3E1E"/>
+                </a:solidFill>
+              </a:rPr>
+              <a:t>order_products</a:t>
+            </a:r>
+            <a:r>
+              <a:rPr lang="en-US" sz="11200" dirty="0">
+                <a:solidFill>
+                  <a:srgbClr val="9B3E1E"/>
+                </a:solidFill>
+              </a:rPr>
+              <a:t> </a:t>
+            </a:r>
+            <a:r>
+              <a:rPr lang="en-US" sz="11200" dirty="0" smtClean="0">
                 <a:solidFill>
                   <a:srgbClr val="0000FF"/>
                 </a:solidFill>
               </a:rPr>
-              <a:t>)</a:t>
-            </a:r>
-          </a:p>
-          <a:p>
-            <a:pPr marL="0" indent="0">
-              <a:buNone/>
-            </a:pPr>
-            <a:r>
-              <a:rPr lang="en-US" sz="8000" dirty="0">
-                <a:solidFill>
-                  <a:srgbClr val="0000FF"/>
-                </a:solidFill>
-              </a:rPr>
-              <a:t>FROM </a:t>
-            </a:r>
-            <a:r>
-              <a:rPr lang="en-US" sz="8000" dirty="0">
-                <a:solidFill>
-                  <a:srgbClr val="9B3E1E"/>
-                </a:solidFill>
-              </a:rPr>
-              <a:t>users</a:t>
-            </a:r>
-          </a:p>
-          <a:p>
-            <a:pPr marL="0" indent="0">
-              <a:buNone/>
-            </a:pPr>
-            <a:r>
-              <a:rPr lang="en-US" sz="8000" dirty="0">
-                <a:solidFill>
-                  <a:srgbClr val="0000FF"/>
-                </a:solidFill>
-              </a:rPr>
-              <a:t>INNER JOIN </a:t>
-            </a:r>
-            <a:r>
-              <a:rPr lang="en-US" sz="8000" dirty="0">
-                <a:solidFill>
-                  <a:srgbClr val="9B3E1E"/>
-                </a:solidFill>
-              </a:rPr>
-              <a:t>orders</a:t>
-            </a:r>
-            <a:r>
-              <a:rPr lang="en-US" sz="8000" dirty="0">
-                <a:solidFill>
-                  <a:srgbClr val="0000FF"/>
-                </a:solidFill>
-              </a:rPr>
-              <a:t> ON </a:t>
-            </a:r>
-            <a:r>
-              <a:rPr lang="en-US" sz="8000" dirty="0" err="1">
-                <a:solidFill>
-                  <a:srgbClr val="9B3E1E"/>
-                </a:solidFill>
-              </a:rPr>
-              <a:t>users.id</a:t>
-            </a:r>
-            <a:r>
-              <a:rPr lang="en-US" sz="8000" dirty="0">
+              <a:t>ON </a:t>
+            </a:r>
+            <a:r>
+              <a:rPr lang="en-US" sz="11200" dirty="0" err="1" smtClean="0">
+                <a:solidFill>
+                  <a:srgbClr val="9B3E1E"/>
+                </a:solidFill>
+              </a:rPr>
+              <a:t>orders.id</a:t>
+            </a:r>
+            <a:r>
+              <a:rPr lang="en-US" sz="11200" dirty="0" smtClean="0">
                 <a:solidFill>
                   <a:srgbClr val="9B3E1E"/>
                 </a:solidFill>
@@ -14914,14 +14780,14 @@
               <a:t> = </a:t>
             </a:r>
             <a:r>
-              <a:rPr lang="en-US" sz="8000" dirty="0" err="1">
-                <a:solidFill>
-                  <a:srgbClr val="9B3E1E"/>
-                </a:solidFill>
-              </a:rPr>
-              <a:t>orders.user_id</a:t>
-            </a:r>
-            <a:endParaRPr lang="en-US" sz="8000" dirty="0">
+              <a:rPr lang="en-US" sz="11200" dirty="0" err="1" smtClean="0">
+                <a:solidFill>
+                  <a:srgbClr val="9B3E1E"/>
+                </a:solidFill>
+              </a:rPr>
+              <a:t>order_products.order_id</a:t>
+            </a:r>
+            <a:endParaRPr lang="en-US" sz="11200" dirty="0" smtClean="0">
               <a:solidFill>
                 <a:srgbClr val="9B3E1E"/>
               </a:solidFill>
@@ -14932,23 +14798,23 @@
               <a:buNone/>
             </a:pPr>
             <a:r>
-              <a:rPr lang="en-US" sz="8000" dirty="0">
+              <a:rPr lang="en-US" sz="11200" dirty="0" smtClean="0">
                 <a:solidFill>
                   <a:srgbClr val="0000FF"/>
                 </a:solidFill>
               </a:rPr>
-              <a:t>LEFT JOIN </a:t>
-            </a:r>
-            <a:r>
-              <a:rPr lang="en-US" sz="8000" dirty="0" err="1">
-                <a:solidFill>
-                  <a:srgbClr val="9B3E1E"/>
-                </a:solidFill>
-              </a:rPr>
-              <a:t>order_products</a:t>
-            </a:r>
-            <a:r>
-              <a:rPr lang="en-US" sz="8000" dirty="0">
+              <a:t>INNER JOIN </a:t>
+            </a:r>
+            <a:r>
+              <a:rPr lang="en-US" sz="11200" dirty="0" smtClean="0">
+                <a:solidFill>
+                  <a:srgbClr val="9B3E1E"/>
+                </a:solidFill>
+              </a:rPr>
+              <a:t>products</a:t>
+            </a:r>
+            <a:r>
+              <a:rPr lang="en-US" sz="11200" dirty="0" smtClean="0">
                 <a:solidFill>
                   <a:srgbClr val="0000FF"/>
                 </a:solidFill>
@@ -14956,15 +14822,15 @@
               <a:t> ON </a:t>
             </a:r>
             <a:r>
-              <a:rPr lang="en-US" sz="8000" dirty="0" err="1">
-                <a:solidFill>
-                  <a:srgbClr val="9B3E1E"/>
-                </a:solidFill>
-              </a:rPr>
-              <a:t>orders.id</a:t>
-            </a:r>
-            <a:r>
-              <a:rPr lang="en-US" sz="8000" dirty="0">
+              <a:rPr lang="en-US" sz="11200" dirty="0" err="1" smtClean="0">
+                <a:solidFill>
+                  <a:srgbClr val="9B3E1E"/>
+                </a:solidFill>
+              </a:rPr>
+              <a:t>order_products.product_id</a:t>
+            </a:r>
+            <a:r>
+              <a:rPr lang="en-US" sz="11200" dirty="0" smtClean="0">
                 <a:solidFill>
                   <a:srgbClr val="9B3E1E"/>
                 </a:solidFill>
@@ -14972,14 +14838,14 @@
               <a:t> = </a:t>
             </a:r>
             <a:r>
-              <a:rPr lang="en-US" sz="8000" dirty="0" err="1">
-                <a:solidFill>
-                  <a:srgbClr val="9B3E1E"/>
-                </a:solidFill>
-              </a:rPr>
-              <a:t>order_products.order_id</a:t>
-            </a:r>
-            <a:endParaRPr lang="en-US" sz="8000" dirty="0">
+              <a:rPr lang="en-US" sz="11200" dirty="0" err="1" smtClean="0">
+                <a:solidFill>
+                  <a:srgbClr val="9B3E1E"/>
+                </a:solidFill>
+              </a:rPr>
+              <a:t>products.id</a:t>
+            </a:r>
+            <a:endParaRPr lang="en-US" sz="11200" dirty="0" smtClean="0">
               <a:solidFill>
                 <a:srgbClr val="9B3E1E"/>
               </a:solidFill>
@@ -14990,54 +14856,30 @@
               <a:buNone/>
             </a:pPr>
             <a:r>
-              <a:rPr lang="en-US" sz="8000" dirty="0">
+              <a:rPr lang="en-US" sz="11200" dirty="0" smtClean="0">
                 <a:solidFill>
                   <a:srgbClr val="0000FF"/>
                 </a:solidFill>
               </a:rPr>
-              <a:t>LEFT JOIN</a:t>
-            </a:r>
-            <a:r>
-              <a:rPr lang="en-US" sz="8000" dirty="0">
-                <a:solidFill>
-                  <a:srgbClr val="9B3E1E"/>
-                </a:solidFill>
-              </a:rPr>
-              <a:t> products </a:t>
-            </a:r>
-            <a:r>
-              <a:rPr lang="en-US" sz="8000" dirty="0">
+              <a:t>GROUP </a:t>
+            </a:r>
+            <a:r>
+              <a:rPr lang="en-US" sz="11200" dirty="0">
                 <a:solidFill>
                   <a:srgbClr val="0000FF"/>
                 </a:solidFill>
               </a:rPr>
-              <a:t>ON </a:t>
-            </a:r>
-            <a:r>
-              <a:rPr lang="en-US" sz="8000" dirty="0" err="1">
-                <a:solidFill>
-                  <a:srgbClr val="9B3E1E"/>
-                </a:solidFill>
-              </a:rPr>
-              <a:t>order_products.product_id</a:t>
-            </a:r>
-            <a:r>
-              <a:rPr lang="en-US" sz="8000" dirty="0">
-                <a:solidFill>
-                  <a:srgbClr val="9B3E1E"/>
-                </a:solidFill>
-              </a:rPr>
-              <a:t> = </a:t>
-            </a:r>
-            <a:r>
-              <a:rPr lang="en-US" sz="8000" dirty="0" err="1">
-                <a:solidFill>
-                  <a:srgbClr val="9B3E1E"/>
-                </a:solidFill>
-              </a:rPr>
-              <a:t>products.id</a:t>
-            </a:r>
-            <a:endParaRPr lang="en-US" sz="8000" dirty="0">
+              <a:t>BY </a:t>
+            </a:r>
+            <a:r>
+              <a:rPr lang="en-US" sz="11200" dirty="0" err="1">
+                <a:solidFill>
+                  <a:srgbClr val="9B3E1E"/>
+                </a:solidFill>
+              </a:rPr>
+              <a:t>orders.id</a:t>
+            </a:r>
+            <a:endParaRPr lang="en-US" sz="11200" dirty="0">
               <a:solidFill>
                 <a:srgbClr val="9B3E1E"/>
               </a:solidFill>
@@ -15048,104 +14890,33 @@
               <a:buNone/>
             </a:pPr>
             <a:r>
-              <a:rPr lang="en-US" sz="8000" dirty="0">
+              <a:rPr lang="en-US" sz="11200" dirty="0">
                 <a:solidFill>
                   <a:srgbClr val="0000FF"/>
                 </a:solidFill>
               </a:rPr>
-              <a:t>GROUP BY</a:t>
-            </a:r>
-          </a:p>
-          <a:p>
-            <a:pPr marL="0" indent="0">
-              <a:buNone/>
-            </a:pPr>
-            <a:r>
-              <a:rPr lang="en-US" sz="8000" dirty="0" err="1">
-                <a:solidFill>
-                  <a:srgbClr val="9B3E1E"/>
-                </a:solidFill>
-              </a:rPr>
-              <a:t>users.id</a:t>
-            </a:r>
-            <a:r>
-              <a:rPr lang="en-US" sz="8000" dirty="0" smtClean="0">
-                <a:solidFill>
-                  <a:srgbClr val="9B3E1E"/>
-                </a:solidFill>
-              </a:rPr>
-              <a:t>, </a:t>
-            </a:r>
-            <a:r>
-              <a:rPr lang="en-US" sz="8000" dirty="0" err="1" smtClean="0">
-                <a:solidFill>
-                  <a:srgbClr val="9B3E1E"/>
-                </a:solidFill>
-              </a:rPr>
-              <a:t>firstname</a:t>
-            </a:r>
-            <a:r>
-              <a:rPr lang="en-US" sz="8000" dirty="0" smtClean="0">
-                <a:solidFill>
-                  <a:srgbClr val="9B3E1E"/>
-                </a:solidFill>
-              </a:rPr>
-              <a:t>, </a:t>
-            </a:r>
-            <a:r>
-              <a:rPr lang="en-US" sz="8000" dirty="0" err="1" smtClean="0">
-                <a:solidFill>
-                  <a:srgbClr val="9B3E1E"/>
-                </a:solidFill>
-              </a:rPr>
-              <a:t>lastname</a:t>
-            </a:r>
-            <a:r>
-              <a:rPr lang="en-US" sz="8000" dirty="0" smtClean="0">
-                <a:solidFill>
-                  <a:srgbClr val="9B3E1E"/>
-                </a:solidFill>
-              </a:rPr>
-              <a:t>, email</a:t>
-            </a:r>
-            <a:endParaRPr lang="en-US" sz="8000" dirty="0">
+              <a:t>ORDER BY </a:t>
+            </a:r>
+            <a:r>
+              <a:rPr lang="en-US" sz="11200" dirty="0" err="1">
+                <a:solidFill>
+                  <a:srgbClr val="9B3E1E"/>
+                </a:solidFill>
+              </a:rPr>
+              <a:t>orders.id</a:t>
+            </a:r>
+            <a:endParaRPr lang="en-US" sz="11200" b="1" dirty="0">
               <a:solidFill>
                 <a:srgbClr val="9B3E1E"/>
               </a:solidFill>
             </a:endParaRPr>
           </a:p>
-          <a:p>
-            <a:pPr marL="0" indent="0">
-              <a:buNone/>
-            </a:pPr>
-            <a:r>
-              <a:rPr lang="en-US" sz="8000" dirty="0">
-                <a:solidFill>
-                  <a:srgbClr val="0000FF"/>
-                </a:solidFill>
-              </a:rPr>
-              <a:t>ORDER BY </a:t>
-            </a:r>
-            <a:r>
-              <a:rPr lang="en-US" sz="8000" dirty="0" err="1">
-                <a:solidFill>
-                  <a:srgbClr val="9B3E1E"/>
-                </a:solidFill>
-              </a:rPr>
-              <a:t>users.id</a:t>
-            </a:r>
-            <a:endParaRPr lang="en-US" sz="8000" b="1" dirty="0">
-              <a:solidFill>
-                <a:srgbClr val="9B3E1E"/>
-              </a:solidFill>
-            </a:endParaRPr>
-          </a:p>
         </p:txBody>
       </p:sp>
     </p:spTree>
     <p:extLst>
       <p:ext uri="{BB962C8B-B14F-4D97-AF65-F5344CB8AC3E}">
-        <p14:creationId xmlns:p14="http://schemas.microsoft.com/office/powerpoint/2010/main" val="2812610173"/>
+        <p14:creationId xmlns:p14="http://schemas.microsoft.com/office/powerpoint/2010/main" val="2672217751"/>
       </p:ext>
     </p:extLst>
   </p:cSld>
@@ -15238,7 +15009,7 @@
                 </a:solidFill>
                 <a:latin typeface="+mn-lt"/>
               </a:rPr>
-              <a:t>Solution – #3</a:t>
+              <a:t>Solution – #4</a:t>
             </a:r>
             <a:endParaRPr lang="en-US" sz="6600" b="1" dirty="0">
               <a:solidFill>
@@ -15251,19 +15022,18 @@
       </p:sp>
       <p:sp>
         <p:nvSpPr>
-          <p:cNvPr id="3" name="Vertical Text Placeholder 2"/>
-          <p:cNvSpPr>
-            <a:spLocks noGrp="1"/>
-          </p:cNvSpPr>
-          <p:nvPr>
-            <p:ph type="body" orient="vert" idx="1"/>
-          </p:nvPr>
+          <p:cNvPr id="7" name="Rectangle 6"/>
+          <p:cNvSpPr/>
+          <p:nvPr/>
         </p:nvSpPr>
         <p:spPr>
           <a:xfrm>
-            <a:off x="838200" y="1236139"/>
-            <a:ext cx="10515600" cy="3894661"/>
+            <a:off x="1049867" y="1368961"/>
+            <a:ext cx="9550400" cy="4235972"/>
           </a:xfrm>
+          <a:prstGeom prst="rect">
+            <a:avLst/>
+          </a:prstGeom>
           <a:solidFill>
             <a:schemeClr val="bg1"/>
           </a:solidFill>
@@ -15273,177 +15043,174 @@
             </a:solidFill>
           </a:ln>
         </p:spPr>
-        <p:txBody>
-          <a:bodyPr vert="horz">
-            <a:normAutofit fontScale="25000" lnSpcReduction="20000"/>
-          </a:bodyPr>
-          <a:lstStyle/>
-          <a:p>
-            <a:pPr marL="0" indent="0">
-              <a:buNone/>
-            </a:pPr>
-            <a:r>
-              <a:rPr lang="en-US" sz="4400" dirty="0"/>
+        <p:style>
+          <a:lnRef idx="1">
+            <a:schemeClr val="accent1"/>
+          </a:lnRef>
+          <a:fillRef idx="3">
+            <a:schemeClr val="accent1"/>
+          </a:fillRef>
+          <a:effectRef idx="2">
+            <a:schemeClr val="accent1"/>
+          </a:effectRef>
+          <a:fontRef idx="minor">
+            <a:schemeClr val="lt1"/>
+          </a:fontRef>
+        </p:style>
+        <p:txBody>
+          <a:bodyPr rtlCol="0" anchor="ctr"/>
+          <a:lstStyle/>
+          <a:p>
+            <a:r>
+              <a:rPr lang="en-US" dirty="0">
+                <a:solidFill>
+                  <a:srgbClr val="000000"/>
+                </a:solidFill>
+              </a:rPr>
               <a:t>﻿</a:t>
             </a:r>
             <a:r>
-              <a:rPr lang="en-US" sz="4400" dirty="0">
+              <a:rPr lang="en-US" sz="3600" dirty="0">
                 <a:solidFill>
                   <a:srgbClr val="0000FF"/>
                 </a:solidFill>
               </a:rPr>
-              <a:t>﻿﻿﻿﻿</a:t>
-            </a:r>
-            <a:r>
-              <a:rPr lang="en-US" sz="12000" dirty="0">
+              <a:t>﻿</a:t>
+            </a:r>
+            <a:r>
+              <a:rPr lang="en-US" sz="2400" dirty="0">
                 <a:solidFill>
                   <a:srgbClr val="0000FF"/>
                 </a:solidFill>
               </a:rPr>
-              <a:t>﻿</a:t>
-            </a:r>
-            <a:r>
-              <a:rPr lang="en-US" sz="11200" dirty="0">
+              <a:t>SELECT</a:t>
+            </a:r>
+          </a:p>
+          <a:p>
+            <a:r>
+              <a:rPr lang="en-US" sz="2400" dirty="0" err="1">
+                <a:solidFill>
+                  <a:srgbClr val="9B3E1E"/>
+                </a:solidFill>
+              </a:rPr>
+              <a:t>users.id</a:t>
+            </a:r>
+            <a:r>
+              <a:rPr lang="en-US" sz="2400" dirty="0">
+                <a:solidFill>
+                  <a:srgbClr val="9B3E1E"/>
+                </a:solidFill>
+              </a:rPr>
+              <a:t> as users,</a:t>
+            </a:r>
+          </a:p>
+          <a:p>
+            <a:r>
+              <a:rPr lang="en-US" sz="2400" dirty="0" err="1">
+                <a:solidFill>
+                  <a:srgbClr val="9B3E1E"/>
+                </a:solidFill>
+              </a:rPr>
+              <a:t>firstname</a:t>
+            </a:r>
+            <a:r>
+              <a:rPr lang="en-US" sz="2400" dirty="0">
+                <a:solidFill>
+                  <a:srgbClr val="9B3E1E"/>
+                </a:solidFill>
+              </a:rPr>
+              <a:t>,</a:t>
+            </a:r>
+          </a:p>
+          <a:p>
+            <a:r>
+              <a:rPr lang="en-US" sz="2400" dirty="0" err="1">
+                <a:solidFill>
+                  <a:srgbClr val="9B3E1E"/>
+                </a:solidFill>
+              </a:rPr>
+              <a:t>lastname</a:t>
+            </a:r>
+            <a:r>
+              <a:rPr lang="en-US" sz="2400" dirty="0">
+                <a:solidFill>
+                  <a:srgbClr val="9B3E1E"/>
+                </a:solidFill>
+              </a:rPr>
+              <a:t>,</a:t>
+            </a:r>
+          </a:p>
+          <a:p>
+            <a:r>
+              <a:rPr lang="en-US" sz="2400" dirty="0" err="1">
+                <a:solidFill>
+                  <a:srgbClr val="9B3E1E"/>
+                </a:solidFill>
+              </a:rPr>
+              <a:t>orders.id</a:t>
+            </a:r>
+            <a:r>
+              <a:rPr lang="en-US" sz="2400" dirty="0">
+                <a:solidFill>
+                  <a:srgbClr val="9B3E1E"/>
+                </a:solidFill>
+              </a:rPr>
+              <a:t> as orders</a:t>
+            </a:r>
+          </a:p>
+          <a:p>
+            <a:r>
+              <a:rPr lang="en-US" sz="2400" dirty="0">
                 <a:solidFill>
                   <a:srgbClr val="0000FF"/>
                 </a:solidFill>
               </a:rPr>
-              <a:t>﻿</a:t>
-            </a:r>
-            <a:r>
-              <a:rPr lang="en-US" sz="11200" dirty="0">
+              <a:t>FROM </a:t>
+            </a:r>
+            <a:r>
+              <a:rPr lang="en-US" sz="2400" dirty="0">
+                <a:solidFill>
+                  <a:srgbClr val="9B3E1E"/>
+                </a:solidFill>
+              </a:rPr>
+              <a:t>users</a:t>
+            </a:r>
+          </a:p>
+          <a:p>
+            <a:r>
+              <a:rPr lang="en-US" sz="2400" dirty="0">
                 <a:solidFill>
                   <a:srgbClr val="0000FF"/>
                 </a:solidFill>
               </a:rPr>
-              <a:t>SELECT</a:t>
-            </a:r>
-          </a:p>
-          <a:p>
-            <a:pPr marL="0" indent="0">
-              <a:buNone/>
-            </a:pPr>
-            <a:r>
-              <a:rPr lang="en-US" sz="11200" dirty="0" err="1">
-                <a:solidFill>
-                  <a:srgbClr val="9B3E1E"/>
-                </a:solidFill>
-              </a:rPr>
-              <a:t>orders.id</a:t>
-            </a:r>
-            <a:r>
-              <a:rPr lang="en-US" sz="11200" dirty="0">
-                <a:solidFill>
-                  <a:srgbClr val="9B3E1E"/>
-                </a:solidFill>
-              </a:rPr>
-              <a:t>,</a:t>
-            </a:r>
-          </a:p>
-          <a:p>
-            <a:pPr marL="0" indent="0">
-              <a:buNone/>
-            </a:pPr>
-            <a:r>
-              <a:rPr lang="en-US" sz="11200" dirty="0">
+              <a:t>INNER JOIN </a:t>
+            </a:r>
+            <a:r>
+              <a:rPr lang="en-US" sz="2400" dirty="0">
+                <a:solidFill>
+                  <a:srgbClr val="9B3E1E"/>
+                </a:solidFill>
+              </a:rPr>
+              <a:t>orders</a:t>
+            </a:r>
+            <a:r>
+              <a:rPr lang="en-US" sz="2400" dirty="0">
                 <a:solidFill>
                   <a:srgbClr val="0000FF"/>
                 </a:solidFill>
               </a:rPr>
-              <a:t>count(</a:t>
-            </a:r>
-            <a:r>
-              <a:rPr lang="en-US" sz="11200" dirty="0" err="1">
-                <a:solidFill>
-                  <a:srgbClr val="9B3E1E"/>
-                </a:solidFill>
-              </a:rPr>
-              <a:t>order_products.product_id</a:t>
-            </a:r>
-            <a:r>
-              <a:rPr lang="en-US" sz="11200" dirty="0">
-                <a:solidFill>
-                  <a:srgbClr val="0000FF"/>
-                </a:solidFill>
-              </a:rPr>
-              <a:t>)</a:t>
-            </a:r>
-          </a:p>
-          <a:p>
-            <a:pPr marL="0" indent="0">
-              <a:buNone/>
-            </a:pPr>
-            <a:r>
-              <a:rPr lang="en-US" sz="11200" dirty="0">
-                <a:solidFill>
-                  <a:srgbClr val="0000FF"/>
-                </a:solidFill>
-              </a:rPr>
-              <a:t>FROM </a:t>
-            </a:r>
-            <a:r>
-              <a:rPr lang="en-US" sz="11200" dirty="0" smtClean="0">
-                <a:solidFill>
-                  <a:srgbClr val="9B3E1E"/>
-                </a:solidFill>
-              </a:rPr>
-              <a:t>orders</a:t>
-            </a:r>
-          </a:p>
-          <a:p>
-            <a:pPr marL="0" indent="0">
-              <a:buNone/>
-            </a:pPr>
-            <a:r>
-              <a:rPr lang="en-US" sz="11200" dirty="0" smtClean="0">
-                <a:solidFill>
-                  <a:srgbClr val="0000FF"/>
-                </a:solidFill>
-              </a:rPr>
-              <a:t>INNER </a:t>
-            </a:r>
-            <a:r>
-              <a:rPr lang="en-US" sz="11200" dirty="0">
-                <a:solidFill>
-                  <a:srgbClr val="0000FF"/>
-                </a:solidFill>
-              </a:rPr>
-              <a:t>JOIN </a:t>
-            </a:r>
-            <a:r>
-              <a:rPr lang="en-US" sz="11200" dirty="0" err="1">
-                <a:solidFill>
-                  <a:srgbClr val="9B3E1E"/>
-                </a:solidFill>
-              </a:rPr>
-              <a:t>order_products</a:t>
-            </a:r>
-            <a:r>
-              <a:rPr lang="en-US" sz="11200" dirty="0">
-                <a:solidFill>
-                  <a:srgbClr val="9B3E1E"/>
-                </a:solidFill>
-              </a:rPr>
-              <a:t> </a:t>
-            </a:r>
-            <a:r>
-              <a:rPr lang="en-US" sz="11200" dirty="0" smtClean="0">
-                <a:solidFill>
-                  <a:srgbClr val="0000FF"/>
-                </a:solidFill>
-              </a:rPr>
-              <a:t>ON </a:t>
-            </a:r>
-            <a:r>
-              <a:rPr lang="en-US" sz="11200" dirty="0" err="1" smtClean="0">
-                <a:solidFill>
-                  <a:srgbClr val="9B3E1E"/>
-                </a:solidFill>
-              </a:rPr>
-              <a:t>orders.id</a:t>
-            </a:r>
-            <a:r>
-              <a:rPr lang="en-US" sz="11200" dirty="0" smtClean="0">
+              <a:t> ON </a:t>
+            </a:r>
+            <a:r>
+              <a:rPr lang="en-US" sz="2400" dirty="0" err="1">
+                <a:solidFill>
+                  <a:srgbClr val="9B3E1E"/>
+                </a:solidFill>
+              </a:rPr>
+              <a:t>users.id</a:t>
+            </a:r>
+            <a:r>
+              <a:rPr lang="en-US" sz="2400" dirty="0">
                 <a:solidFill>
                   <a:srgbClr val="9B3E1E"/>
                 </a:solidFill>
@@ -15451,57 +15218,70 @@
               <a:t> = </a:t>
             </a:r>
             <a:r>
-              <a:rPr lang="en-US" sz="11200" dirty="0" err="1" smtClean="0">
-                <a:solidFill>
-                  <a:srgbClr val="9B3E1E"/>
-                </a:solidFill>
-              </a:rPr>
-              <a:t>order_products.order_id</a:t>
-            </a:r>
-            <a:endParaRPr lang="en-US" sz="11200" dirty="0" smtClean="0">
+              <a:rPr lang="en-US" sz="2400" dirty="0" err="1">
+                <a:solidFill>
+                  <a:srgbClr val="9B3E1E"/>
+                </a:solidFill>
+              </a:rPr>
+              <a:t>orders.user_id</a:t>
+            </a:r>
+            <a:endParaRPr lang="en-US" sz="2400" dirty="0">
               <a:solidFill>
                 <a:srgbClr val="9B3E1E"/>
               </a:solidFill>
             </a:endParaRPr>
           </a:p>
           <a:p>
-            <a:pPr marL="0" indent="0">
-              <a:buNone/>
-            </a:pPr>
-            <a:r>
-              <a:rPr lang="en-US" sz="11200" dirty="0" smtClean="0">
+            <a:r>
+              <a:rPr lang="en-US" sz="2400" dirty="0">
                 <a:solidFill>
                   <a:srgbClr val="0000FF"/>
                 </a:solidFill>
               </a:rPr>
-              <a:t>INNER JOIN </a:t>
-            </a:r>
-            <a:r>
-              <a:rPr lang="en-US" sz="11200" dirty="0" smtClean="0">
-                <a:solidFill>
-                  <a:srgbClr val="9B3E1E"/>
-                </a:solidFill>
-              </a:rPr>
-              <a:t>products</a:t>
-            </a:r>
-            <a:r>
-              <a:rPr lang="en-US" sz="11200" dirty="0" smtClean="0">
+              <a:t>INNER JOIN</a:t>
+            </a:r>
+            <a:r>
+              <a:rPr lang="en-US" sz="2400" dirty="0">
+                <a:solidFill>
+                  <a:srgbClr val="9B3E1E"/>
+                </a:solidFill>
+              </a:rPr>
+              <a:t> </a:t>
+            </a:r>
+            <a:r>
+              <a:rPr lang="en-US" sz="2400" dirty="0" err="1">
+                <a:solidFill>
+                  <a:srgbClr val="9B3E1E"/>
+                </a:solidFill>
+              </a:rPr>
+              <a:t>order_products</a:t>
+            </a:r>
+            <a:r>
+              <a:rPr lang="en-US" sz="2400" dirty="0">
+                <a:solidFill>
+                  <a:srgbClr val="9B3E1E"/>
+                </a:solidFill>
+              </a:rPr>
+              <a:t> </a:t>
+            </a:r>
+            <a:r>
+              <a:rPr lang="en-US" sz="2400" dirty="0">
                 <a:solidFill>
                   <a:srgbClr val="0000FF"/>
                 </a:solidFill>
               </a:rPr>
-              <a:t> ON </a:t>
-            </a:r>
-            <a:r>
-              <a:rPr lang="en-US" sz="11200" dirty="0" err="1" smtClean="0">
-                <a:solidFill>
-                  <a:srgbClr val="9B3E1E"/>
-                </a:solidFill>
-              </a:rPr>
-              <a:t>order_products.product_id</a:t>
-            </a:r>
-            <a:r>
-              <a:rPr lang="en-US" sz="11200" dirty="0" smtClean="0">
+              <a:t>ON </a:t>
+            </a:r>
+            <a:r>
+              <a:rPr lang="en-US" sz="2400" dirty="0" err="1">
+                <a:solidFill>
+                  <a:srgbClr val="9B3E1E"/>
+                </a:solidFill>
+              </a:rPr>
+              <a:t>orders.id</a:t>
+            </a:r>
+            <a:r>
+              <a:rPr lang="en-US" sz="2400" dirty="0">
                 <a:solidFill>
                   <a:srgbClr val="9B3E1E"/>
                 </a:solidFill>
@@ -15509,74 +15289,134 @@
               <a:t> = </a:t>
             </a:r>
             <a:r>
-              <a:rPr lang="en-US" sz="11200" dirty="0" err="1" smtClean="0">
-                <a:solidFill>
-                  <a:srgbClr val="9B3E1E"/>
-                </a:solidFill>
-              </a:rPr>
-              <a:t>products.id</a:t>
-            </a:r>
-            <a:endParaRPr lang="en-US" sz="11200" dirty="0" smtClean="0">
+              <a:rPr lang="en-US" sz="2400" dirty="0" err="1">
+                <a:solidFill>
+                  <a:srgbClr val="9B3E1E"/>
+                </a:solidFill>
+              </a:rPr>
+              <a:t>order_products.order_id</a:t>
+            </a:r>
+            <a:endParaRPr lang="en-US" sz="2400" dirty="0">
               <a:solidFill>
                 <a:srgbClr val="9B3E1E"/>
               </a:solidFill>
             </a:endParaRPr>
           </a:p>
           <a:p>
-            <a:pPr marL="0" indent="0">
-              <a:buNone/>
-            </a:pPr>
-            <a:r>
-              <a:rPr lang="en-US" sz="11200" dirty="0" smtClean="0">
+            <a:r>
+              <a:rPr lang="en-US" sz="2400" dirty="0">
                 <a:solidFill>
                   <a:srgbClr val="0000FF"/>
                 </a:solidFill>
               </a:rPr>
-              <a:t>GROUP </a:t>
-            </a:r>
-            <a:r>
-              <a:rPr lang="en-US" sz="11200" dirty="0">
+              <a:t>INNER JOIN </a:t>
+            </a:r>
+            <a:r>
+              <a:rPr lang="en-US" sz="2400" dirty="0">
+                <a:solidFill>
+                  <a:srgbClr val="9B3E1E"/>
+                </a:solidFill>
+              </a:rPr>
+              <a:t>products</a:t>
+            </a:r>
+            <a:r>
+              <a:rPr lang="en-US" sz="2400" dirty="0">
                 <a:solidFill>
                   <a:srgbClr val="0000FF"/>
                 </a:solidFill>
               </a:rPr>
-              <a:t>BY </a:t>
-            </a:r>
-            <a:r>
-              <a:rPr lang="en-US" sz="11200" dirty="0" err="1">
-                <a:solidFill>
-                  <a:srgbClr val="9B3E1E"/>
-                </a:solidFill>
-              </a:rPr>
-              <a:t>orders.id</a:t>
-            </a:r>
-            <a:endParaRPr lang="en-US" sz="11200" dirty="0">
+              <a:t> ON </a:t>
+            </a:r>
+            <a:r>
+              <a:rPr lang="en-US" sz="2400" dirty="0" err="1">
+                <a:solidFill>
+                  <a:srgbClr val="9B3E1E"/>
+                </a:solidFill>
+              </a:rPr>
+              <a:t>order_products.product_id</a:t>
+            </a:r>
+            <a:r>
+              <a:rPr lang="en-US" sz="2400" dirty="0">
+                <a:solidFill>
+                  <a:srgbClr val="9B3E1E"/>
+                </a:solidFill>
+              </a:rPr>
+              <a:t> = </a:t>
+            </a:r>
+            <a:r>
+              <a:rPr lang="en-US" sz="2400" dirty="0" err="1">
+                <a:solidFill>
+                  <a:srgbClr val="9B3E1E"/>
+                </a:solidFill>
+              </a:rPr>
+              <a:t>products.id</a:t>
+            </a:r>
+            <a:endParaRPr lang="en-US" sz="2400" dirty="0">
               <a:solidFill>
                 <a:srgbClr val="9B3E1E"/>
               </a:solidFill>
             </a:endParaRPr>
           </a:p>
           <a:p>
-            <a:pPr marL="0" indent="0">
-              <a:buNone/>
-            </a:pPr>
-            <a:r>
-              <a:rPr lang="en-US" sz="11200" dirty="0">
+            <a:r>
+              <a:rPr lang="en-US" sz="2400" dirty="0">
                 <a:solidFill>
                   <a:srgbClr val="0000FF"/>
                 </a:solidFill>
               </a:rPr>
+              <a:t>WHERE </a:t>
+            </a:r>
+            <a:r>
+              <a:rPr lang="en-US" sz="2400" dirty="0" err="1">
+                <a:solidFill>
+                  <a:srgbClr val="9B3E1E"/>
+                </a:solidFill>
+              </a:rPr>
+              <a:t>products.name</a:t>
+            </a:r>
+            <a:r>
+              <a:rPr lang="en-US" sz="2400" dirty="0">
+                <a:solidFill>
+                  <a:srgbClr val="0000FF"/>
+                </a:solidFill>
+              </a:rPr>
+              <a:t> in (</a:t>
+            </a:r>
+            <a:r>
+              <a:rPr lang="en-US" sz="2400" dirty="0">
+                <a:solidFill>
+                  <a:srgbClr val="9B3E1E"/>
+                </a:solidFill>
+              </a:rPr>
+              <a:t>'motherboard', 'monitor'</a:t>
+            </a:r>
+            <a:r>
+              <a:rPr lang="en-US" sz="2400" dirty="0">
+                <a:solidFill>
+                  <a:srgbClr val="0000FF"/>
+                </a:solidFill>
+              </a:rPr>
+              <a:t>)</a:t>
+            </a:r>
+          </a:p>
+          <a:p>
+            <a:r>
+              <a:rPr lang="en-US" sz="2400" dirty="0">
+                <a:solidFill>
+                  <a:srgbClr val="0000FF"/>
+                </a:solidFill>
+              </a:rPr>
               <a:t>ORDER BY </a:t>
             </a:r>
             <a:r>
-              <a:rPr lang="en-US" sz="11200" dirty="0" err="1">
-                <a:solidFill>
-                  <a:srgbClr val="9B3E1E"/>
-                </a:solidFill>
-              </a:rPr>
-              <a:t>orders.id</a:t>
-            </a:r>
-            <a:endParaRPr lang="en-US" sz="11200" b="1" dirty="0">
+              <a:rPr lang="en-US" sz="2400" dirty="0" err="1" smtClean="0">
+                <a:solidFill>
+                  <a:srgbClr val="9B3E1E"/>
+                </a:solidFill>
+              </a:rPr>
+              <a:t>users.id</a:t>
+            </a:r>
+            <a:endParaRPr lang="en-US" sz="2400" dirty="0">
               <a:solidFill>
                 <a:srgbClr val="9B3E1E"/>
               </a:solidFill>
@@ -15587,7 +15427,7 @@
     </p:spTree>
     <p:extLst>
       <p:ext uri="{BB962C8B-B14F-4D97-AF65-F5344CB8AC3E}">
-        <p14:creationId xmlns:p14="http://schemas.microsoft.com/office/powerpoint/2010/main" val="2672217751"/>
+        <p14:creationId xmlns:p14="http://schemas.microsoft.com/office/powerpoint/2010/main" val="3907650429"/>
       </p:ext>
     </p:extLst>
   </p:cSld>
@@ -15680,7 +15520,7 @@
                 </a:solidFill>
                 <a:latin typeface="+mn-lt"/>
               </a:rPr>
-              <a:t>Solution – #4</a:t>
+              <a:t>Solution – #5</a:t>
             </a:r>
             <a:endParaRPr lang="en-US" sz="6600" b="1" dirty="0">
               <a:solidFill>
@@ -15699,8 +15539,8 @@
         </p:nvSpPr>
         <p:spPr>
           <a:xfrm>
-            <a:off x="1049867" y="1368961"/>
-            <a:ext cx="9550400" cy="4235972"/>
+            <a:off x="1049867" y="1368960"/>
+            <a:ext cx="9550400" cy="4473039"/>
           </a:xfrm>
           <a:prstGeom prst="rect">
             <a:avLst/>
@@ -15746,10 +15586,10 @@
                   <a:srgbClr val="0000FF"/>
                 </a:solidFill>
               </a:rPr>
-              <a:t>﻿</a:t>
-            </a:r>
-            <a:r>
-              <a:rPr lang="en-US" sz="2400" dirty="0">
+              <a:t>﻿﻿</a:t>
+            </a:r>
+            <a:r>
+              <a:rPr lang="en-US" sz="2800" dirty="0">
                 <a:solidFill>
                   <a:srgbClr val="0000FF"/>
                 </a:solidFill>
@@ -15759,7 +15599,7 @@
           </a:p>
           <a:p>
             <a:r>
-              <a:rPr lang="en-US" sz="2400" dirty="0" err="1">
+              <a:rPr lang="en-US" sz="2800" dirty="0" err="1">
                 <a:solidFill>
                   <a:srgbClr val="9B3E1E"/>
                 </a:solidFill>
@@ -15767,7 +15607,7 @@
               <a:t>users.id</a:t>
             </a:r>
             <a:r>
-              <a:rPr lang="en-US" sz="2400" dirty="0">
+              <a:rPr lang="en-US" sz="2800" dirty="0">
                 <a:solidFill>
                   <a:srgbClr val="9B3E1E"/>
                 </a:solidFill>
@@ -15777,7 +15617,25 @@
           </a:p>
           <a:p>
             <a:r>
-              <a:rPr lang="en-US" sz="2400" dirty="0" err="1">
+              <a:rPr lang="en-US" sz="2800" dirty="0" err="1">
+                <a:solidFill>
+                  <a:srgbClr val="9B3E1E"/>
+                </a:solidFill>
+              </a:rPr>
+              <a:t>orders.id</a:t>
+            </a:r>
+            <a:r>
+              <a:rPr lang="en-US" sz="2800" dirty="0">
+                <a:solidFill>
+                  <a:srgbClr val="9B3E1E"/>
+                </a:solidFill>
+              </a:rPr>
+              <a:t> as orders,</a:t>
+            </a:r>
+          </a:p>
+          <a:p>
+            <a:r>
+              <a:rPr lang="en-US" sz="2800" dirty="0" err="1">
                 <a:solidFill>
                   <a:srgbClr val="9B3E1E"/>
                 </a:solidFill>
@@ -15785,7 +15643,7 @@
               <a:t>firstname</a:t>
             </a:r>
             <a:r>
-              <a:rPr lang="en-US" sz="2400" dirty="0">
+              <a:rPr lang="en-US" sz="2800" dirty="0">
                 <a:solidFill>
                   <a:srgbClr val="9B3E1E"/>
                 </a:solidFill>
@@ -15795,7 +15653,7 @@
           </a:p>
           <a:p>
             <a:r>
-              <a:rPr lang="en-US" sz="2400" dirty="0" err="1">
+              <a:rPr lang="en-US" sz="2800" dirty="0" err="1">
                 <a:solidFill>
                   <a:srgbClr val="9B3E1E"/>
                 </a:solidFill>
@@ -15803,7 +15661,7 @@
               <a:t>lastname</a:t>
             </a:r>
             <a:r>
-              <a:rPr lang="en-US" sz="2400" dirty="0">
+              <a:rPr lang="en-US" sz="2800" dirty="0">
                 <a:solidFill>
                   <a:srgbClr val="9B3E1E"/>
                 </a:solidFill>
@@ -15813,90 +15671,32 @@
           </a:p>
           <a:p>
             <a:r>
-              <a:rPr lang="en-US" sz="2400" dirty="0" err="1">
-                <a:solidFill>
-                  <a:srgbClr val="9B3E1E"/>
-                </a:solidFill>
-              </a:rPr>
-              <a:t>orders.id</a:t>
-            </a:r>
-            <a:r>
-              <a:rPr lang="en-US" sz="2400" dirty="0">
-                <a:solidFill>
-                  <a:srgbClr val="9B3E1E"/>
-                </a:solidFill>
-              </a:rPr>
-              <a:t> as orders</a:t>
-            </a:r>
-          </a:p>
-          <a:p>
-            <a:r>
-              <a:rPr lang="en-US" sz="2400" dirty="0">
-                <a:solidFill>
-                  <a:srgbClr val="0000FF"/>
-                </a:solidFill>
-              </a:rPr>
-              <a:t>FROM </a:t>
-            </a:r>
-            <a:r>
-              <a:rPr lang="en-US" sz="2400" dirty="0">
-                <a:solidFill>
-                  <a:srgbClr val="9B3E1E"/>
-                </a:solidFill>
-              </a:rPr>
-              <a:t>users</a:t>
-            </a:r>
-          </a:p>
-          <a:p>
-            <a:r>
-              <a:rPr lang="en-US" sz="2400" dirty="0">
-                <a:solidFill>
-                  <a:srgbClr val="0000FF"/>
-                </a:solidFill>
-              </a:rPr>
-              <a:t>INNER JOIN </a:t>
-            </a:r>
-            <a:r>
-              <a:rPr lang="en-US" sz="2400" dirty="0">
-                <a:solidFill>
-                  <a:srgbClr val="9B3E1E"/>
-                </a:solidFill>
-              </a:rPr>
-              <a:t>orders</a:t>
-            </a:r>
-            <a:r>
-              <a:rPr lang="en-US" sz="2400" dirty="0">
-                <a:solidFill>
-                  <a:srgbClr val="0000FF"/>
-                </a:solidFill>
-              </a:rPr>
-              <a:t> ON </a:t>
-            </a:r>
-            <a:r>
-              <a:rPr lang="en-US" sz="2400" dirty="0" err="1">
-                <a:solidFill>
-                  <a:srgbClr val="9B3E1E"/>
-                </a:solidFill>
-              </a:rPr>
-              <a:t>users.id</a:t>
-            </a:r>
-            <a:r>
-              <a:rPr lang="en-US" sz="2400" dirty="0">
-                <a:solidFill>
-                  <a:srgbClr val="9B3E1E"/>
-                </a:solidFill>
-              </a:rPr>
-              <a:t> = </a:t>
-            </a:r>
-            <a:r>
-              <a:rPr lang="en-US" sz="2400" dirty="0" err="1">
-                <a:solidFill>
-                  <a:srgbClr val="9B3E1E"/>
-                </a:solidFill>
-              </a:rPr>
-              <a:t>orders.user_id</a:t>
-            </a:r>
-            <a:endParaRPr lang="en-US" sz="2400" dirty="0">
+              <a:rPr lang="en-US" sz="2800" dirty="0" err="1">
+                <a:solidFill>
+                  <a:srgbClr val="9B3E1E"/>
+                </a:solidFill>
+              </a:rPr>
+              <a:t>shipping_total</a:t>
+            </a:r>
+            <a:r>
+              <a:rPr lang="en-US" sz="2800" dirty="0">
+                <a:solidFill>
+                  <a:srgbClr val="9B3E1E"/>
+                </a:solidFill>
+              </a:rPr>
+              <a:t>,</a:t>
+            </a:r>
+          </a:p>
+          <a:p>
+            <a:r>
+              <a:rPr lang="en-US" sz="2800" dirty="0" err="1">
+                <a:solidFill>
+                  <a:srgbClr val="9B3E1E"/>
+                </a:solidFill>
+              </a:rPr>
+              <a:t>orders.address</a:t>
+            </a:r>
+            <a:endParaRPr lang="en-US" sz="2800" dirty="0">
               <a:solidFill>
                 <a:srgbClr val="9B3E1E"/>
               </a:solidFill>
@@ -15904,55 +15704,57 @@
           </a:p>
           <a:p>
             <a:r>
-              <a:rPr lang="en-US" sz="2400" dirty="0">
+              <a:rPr lang="en-US" sz="2800" dirty="0">
                 <a:solidFill>
                   <a:srgbClr val="0000FF"/>
                 </a:solidFill>
               </a:rPr>
-              <a:t>INNER JOIN</a:t>
-            </a:r>
-            <a:r>
-              <a:rPr lang="en-US" sz="2400" dirty="0">
-                <a:solidFill>
-                  <a:srgbClr val="9B3E1E"/>
-                </a:solidFill>
-              </a:rPr>
-              <a:t> </a:t>
-            </a:r>
-            <a:r>
-              <a:rPr lang="en-US" sz="2400" dirty="0" err="1">
-                <a:solidFill>
-                  <a:srgbClr val="9B3E1E"/>
-                </a:solidFill>
-              </a:rPr>
-              <a:t>order_products</a:t>
-            </a:r>
-            <a:r>
-              <a:rPr lang="en-US" sz="2400" dirty="0">
-                <a:solidFill>
-                  <a:srgbClr val="9B3E1E"/>
-                </a:solidFill>
-              </a:rPr>
-              <a:t> </a:t>
-            </a:r>
-            <a:r>
-              <a:rPr lang="en-US" sz="2400" dirty="0">
+              <a:t>FROM </a:t>
+            </a:r>
+            <a:r>
+              <a:rPr lang="en-US" sz="2800" dirty="0">
+                <a:solidFill>
+                  <a:srgbClr val="9B3E1E"/>
+                </a:solidFill>
+              </a:rPr>
+              <a:t>users</a:t>
+            </a:r>
+          </a:p>
+          <a:p>
+            <a:r>
+              <a:rPr lang="en-US" sz="2800" dirty="0">
                 <a:solidFill>
                   <a:srgbClr val="0000FF"/>
                 </a:solidFill>
               </a:rPr>
-              <a:t>ON </a:t>
-            </a:r>
-            <a:r>
-              <a:rPr lang="en-US" sz="2400" dirty="0" err="1">
-                <a:solidFill>
-                  <a:srgbClr val="9B3E1E"/>
-                </a:solidFill>
-              </a:rPr>
-              <a:t>orders.id</a:t>
-            </a:r>
-            <a:r>
-              <a:rPr lang="en-US" sz="2400" dirty="0">
+              <a:t>LEFT JOIN </a:t>
+            </a:r>
+            <a:r>
+              <a:rPr lang="en-US" sz="2800" dirty="0">
+                <a:solidFill>
+                  <a:srgbClr val="9B3E1E"/>
+                </a:solidFill>
+              </a:rPr>
+              <a:t>orders</a:t>
+            </a:r>
+            <a:r>
+              <a:rPr lang="en-US" sz="2800" dirty="0">
+                <a:solidFill>
+                  <a:srgbClr val="0000FF"/>
+                </a:solidFill>
+              </a:rPr>
+              <a:t> ON </a:t>
+            </a:r>
+            <a:r>
+              <a:rPr lang="en-US" sz="2800" dirty="0" err="1">
+                <a:solidFill>
+                  <a:srgbClr val="9B3E1E"/>
+                </a:solidFill>
+              </a:rPr>
+              <a:t>orders.user_id</a:t>
+            </a:r>
+            <a:r>
+              <a:rPr lang="en-US" sz="2800" dirty="0">
                 <a:solidFill>
                   <a:srgbClr val="9B3E1E"/>
                 </a:solidFill>
@@ -15960,14 +15762,14 @@
               <a:t> = </a:t>
             </a:r>
             <a:r>
-              <a:rPr lang="en-US" sz="2400" dirty="0" err="1">
-                <a:solidFill>
-                  <a:srgbClr val="9B3E1E"/>
-                </a:solidFill>
-              </a:rPr>
-              <a:t>order_products.order_id</a:t>
-            </a:r>
-            <a:endParaRPr lang="en-US" sz="2400" dirty="0">
+              <a:rPr lang="en-US" sz="2800" dirty="0" err="1">
+                <a:solidFill>
+                  <a:srgbClr val="9B3E1E"/>
+                </a:solidFill>
+              </a:rPr>
+              <a:t>users.id</a:t>
+            </a:r>
+            <a:endParaRPr lang="en-US" sz="2800" dirty="0">
               <a:solidFill>
                 <a:srgbClr val="9B3E1E"/>
               </a:solidFill>
@@ -15975,121 +15777,40 @@
           </a:p>
           <a:p>
             <a:r>
-              <a:rPr lang="en-US" sz="2400" dirty="0">
+              <a:rPr lang="en-US" sz="2800" dirty="0">
                 <a:solidFill>
                   <a:srgbClr val="0000FF"/>
                 </a:solidFill>
               </a:rPr>
-              <a:t>INNER JOIN </a:t>
-            </a:r>
-            <a:r>
-              <a:rPr lang="en-US" sz="2400" dirty="0">
-                <a:solidFill>
-                  <a:srgbClr val="9B3E1E"/>
-                </a:solidFill>
-              </a:rPr>
-              <a:t>products</a:t>
-            </a:r>
-            <a:r>
-              <a:rPr lang="en-US" sz="2400" dirty="0">
+              <a:t>WHERE </a:t>
+            </a:r>
+            <a:r>
+              <a:rPr lang="en-US" sz="2800" dirty="0" err="1">
+                <a:solidFill>
+                  <a:srgbClr val="9B3E1E"/>
+                </a:solidFill>
+              </a:rPr>
+              <a:t>shipping_total</a:t>
+            </a:r>
+            <a:r>
+              <a:rPr lang="en-US" sz="2800" dirty="0">
+                <a:solidFill>
+                  <a:srgbClr val="9B3E1E"/>
+                </a:solidFill>
+              </a:rPr>
+              <a:t> </a:t>
+            </a:r>
+            <a:r>
+              <a:rPr lang="en-US" sz="2800" dirty="0">
                 <a:solidFill>
                   <a:srgbClr val="0000FF"/>
                 </a:solidFill>
               </a:rPr>
-              <a:t> ON </a:t>
-            </a:r>
-            <a:r>
-              <a:rPr lang="en-US" sz="2400" dirty="0" err="1">
-                <a:solidFill>
-                  <a:srgbClr val="9B3E1E"/>
-                </a:solidFill>
-              </a:rPr>
-              <a:t>order_products.product_id</a:t>
-            </a:r>
-            <a:r>
-              <a:rPr lang="en-US" sz="2400" dirty="0">
-                <a:solidFill>
-                  <a:srgbClr val="9B3E1E"/>
-                </a:solidFill>
-              </a:rPr>
-              <a:t> = </a:t>
-            </a:r>
-            <a:r>
-              <a:rPr lang="en-US" sz="2400" dirty="0" err="1">
-                <a:solidFill>
-                  <a:srgbClr val="9B3E1E"/>
-                </a:solidFill>
-              </a:rPr>
-              <a:t>products.id</a:t>
-            </a:r>
-            <a:endParaRPr lang="en-US" sz="2400" dirty="0">
+              <a:t>IS NULL</a:t>
+            </a:r>
+            <a:endParaRPr lang="en-US" sz="2800" dirty="0">
               <a:solidFill>
-                <a:srgbClr val="9B3E1E"/>
-              </a:solidFill>
-            </a:endParaRPr>
-          </a:p>
-          <a:p>
-            <a:r>
-              <a:rPr lang="en-US" sz="2400" dirty="0">
-                <a:solidFill>
-                  <a:srgbClr val="0000FF"/>
-                </a:solidFill>
-              </a:rPr>
-              <a:t>WHERE </a:t>
-            </a:r>
-            <a:r>
-              <a:rPr lang="en-US" sz="2400" dirty="0" err="1">
-                <a:solidFill>
-                  <a:srgbClr val="9B3E1E"/>
-                </a:solidFill>
-              </a:rPr>
-              <a:t>products.name</a:t>
-            </a:r>
-            <a:r>
-              <a:rPr lang="en-US" sz="2400" dirty="0">
-                <a:solidFill>
-                  <a:srgbClr val="0000FF"/>
-                </a:solidFill>
-              </a:rPr>
-              <a:t> in (</a:t>
-            </a:r>
-            <a:r>
-              <a:rPr lang="en-US" sz="2400" dirty="0">
-                <a:solidFill>
-                  <a:srgbClr val="9B3E1E"/>
-                </a:solidFill>
-              </a:rPr>
-              <a:t>'motherboard', 'monitor'</a:t>
-            </a:r>
-            <a:r>
-              <a:rPr lang="en-US" sz="2400" dirty="0">
-                <a:solidFill>
-                  <a:srgbClr val="0000FF"/>
-                </a:solidFill>
-              </a:rPr>
-              <a:t>)</a:t>
-            </a:r>
-          </a:p>
-          <a:p>
-            <a:r>
-              <a:rPr lang="en-US" sz="2400" dirty="0">
-                <a:solidFill>
-                  <a:srgbClr val="0000FF"/>
-                </a:solidFill>
-              </a:rPr>
-              <a:t>ORDER BY </a:t>
-            </a:r>
-            <a:r>
-              <a:rPr lang="en-US" sz="2400" dirty="0" err="1" smtClean="0">
-                <a:solidFill>
-                  <a:srgbClr val="9B3E1E"/>
-                </a:solidFill>
-              </a:rPr>
-              <a:t>users.id</a:t>
-            </a:r>
-            <a:endParaRPr lang="en-US" sz="2400" dirty="0">
-              <a:solidFill>
-                <a:srgbClr val="9B3E1E"/>
+                <a:srgbClr val="000000"/>
               </a:solidFill>
             </a:endParaRPr>
           </a:p>
@@ -16098,7 +15819,7 @@
     </p:spTree>
     <p:extLst>
       <p:ext uri="{BB962C8B-B14F-4D97-AF65-F5344CB8AC3E}">
-        <p14:creationId xmlns:p14="http://schemas.microsoft.com/office/powerpoint/2010/main" val="3907650429"/>
+        <p14:creationId xmlns:p14="http://schemas.microsoft.com/office/powerpoint/2010/main" val="3222250821"/>
       </p:ext>
     </p:extLst>
   </p:cSld>
@@ -16132,365 +15853,200 @@
           <a:chExt cx="0" cy="0"/>
         </a:xfrm>
       </p:grpSpPr>
-      <p:pic>
-        <p:nvPicPr>
-          <p:cNvPr id="5" name="Picture 4"/>
-          <p:cNvPicPr>
-            <a:picLocks noChangeAspect="1"/>
-          </p:cNvPicPr>
-          <p:nvPr/>
-        </p:nvPicPr>
-        <p:blipFill>
-          <a:blip r:embed="rId3">
-            <a:extLst>
-              <a:ext uri="{28A0092B-C50C-407E-A947-70E740481C1C}">
-                <a14:useLocalDpi xmlns:a14="http://schemas.microsoft.com/office/drawing/2010/main" val="0"/>
-              </a:ext>
-            </a:extLst>
-          </a:blip>
-          <a:stretch>
-            <a:fillRect/>
-          </a:stretch>
-        </p:blipFill>
+      <p:sp>
+        <p:nvSpPr>
+          <p:cNvPr id="5" name="Title 4"/>
+          <p:cNvSpPr>
+            <a:spLocks noGrp="1"/>
+          </p:cNvSpPr>
+          <p:nvPr>
+            <p:ph type="title"/>
+          </p:nvPr>
+        </p:nvSpPr>
+        <p:spPr/>
+        <p:txBody>
+          <a:bodyPr>
+            <a:normAutofit fontScale="90000"/>
+          </a:bodyPr>
+          <a:lstStyle/>
+          <a:p>
+            <a:r>
+              <a:rPr lang="en-US" sz="6000" b="1" cap="all" dirty="0">
+                <a:solidFill>
+                  <a:srgbClr val="9B3E1E"/>
+                </a:solidFill>
+                <a:latin typeface="+mn-lt"/>
+              </a:rPr>
+              <a:t>LET'S DEVELOP IT!</a:t>
+            </a:r>
+            <a:r>
+              <a:rPr lang="en-US" dirty="0"/>
+              <a:t/>
+            </a:r>
+            <a:br>
+              <a:rPr lang="en-US" dirty="0"/>
+            </a:br>
+            <a:endParaRPr lang="en-US" dirty="0"/>
+          </a:p>
+        </p:txBody>
+      </p:sp>
+      <p:sp>
+        <p:nvSpPr>
+          <p:cNvPr id="6" name="Content Placeholder 5"/>
+          <p:cNvSpPr>
+            <a:spLocks noGrp="1"/>
+          </p:cNvSpPr>
+          <p:nvPr>
+            <p:ph idx="1"/>
+          </p:nvPr>
+        </p:nvSpPr>
         <p:spPr>
           <a:xfrm>
-            <a:off x="76201" y="6083300"/>
-            <a:ext cx="3527964" cy="731520"/>
-          </a:xfrm>
-          <a:prstGeom prst="rect">
-            <a:avLst/>
-          </a:prstGeom>
-        </p:spPr>
-      </p:pic>
-      <p:sp>
-        <p:nvSpPr>
-          <p:cNvPr id="2" name="Title 1"/>
-          <p:cNvSpPr>
-            <a:spLocks noGrp="1"/>
-          </p:cNvSpPr>
-          <p:nvPr>
-            <p:ph type="title"/>
-          </p:nvPr>
-        </p:nvSpPr>
-        <p:spPr>
-          <a:xfrm>
-            <a:off x="838200" y="43398"/>
-            <a:ext cx="10515600" cy="1325563"/>
+            <a:off x="838200" y="1436158"/>
+            <a:ext cx="10515600" cy="4351338"/>
           </a:xfrm>
         </p:spPr>
         <p:txBody>
           <a:bodyPr>
-            <a:normAutofit/>
+            <a:normAutofit lnSpcReduction="10000"/>
           </a:bodyPr>
           <a:lstStyle/>
           <a:p>
-            <a:r>
-              <a:rPr lang="en-US" sz="6600" b="1" dirty="0" smtClean="0">
-                <a:solidFill>
-                  <a:srgbClr val="9B3E1E"/>
-                </a:solidFill>
-                <a:latin typeface="+mn-lt"/>
-              </a:rPr>
-              <a:t>Solution – #5</a:t>
-            </a:r>
-            <a:endParaRPr lang="en-US" sz="6600" b="1" dirty="0">
-              <a:solidFill>
-                <a:srgbClr val="9B3E1E"/>
-              </a:solidFill>
-              <a:latin typeface="+mn-lt"/>
-            </a:endParaRPr>
-          </a:p>
-        </p:txBody>
-      </p:sp>
-      <p:sp>
-        <p:nvSpPr>
-          <p:cNvPr id="7" name="Rectangle 6"/>
-          <p:cNvSpPr/>
-          <p:nvPr/>
-        </p:nvSpPr>
-        <p:spPr>
-          <a:xfrm>
-            <a:off x="1049867" y="1368960"/>
-            <a:ext cx="9550400" cy="4473039"/>
-          </a:xfrm>
-          <a:prstGeom prst="rect">
-            <a:avLst/>
-          </a:prstGeom>
-          <a:solidFill>
-            <a:schemeClr val="bg1"/>
-          </a:solidFill>
-          <a:ln>
-            <a:solidFill>
-              <a:srgbClr val="9B3E1E"/>
-            </a:solidFill>
-          </a:ln>
-        </p:spPr>
-        <p:style>
-          <a:lnRef idx="1">
-            <a:schemeClr val="accent1"/>
-          </a:lnRef>
-          <a:fillRef idx="3">
-            <a:schemeClr val="accent1"/>
-          </a:fillRef>
-          <a:effectRef idx="2">
-            <a:schemeClr val="accent1"/>
-          </a:effectRef>
-          <a:fontRef idx="minor">
-            <a:schemeClr val="lt1"/>
-          </a:fontRef>
-        </p:style>
-        <p:txBody>
-          <a:bodyPr rtlCol="0" anchor="ctr"/>
-          <a:lstStyle/>
-          <a:p>
-            <a:r>
-              <a:rPr lang="en-US" dirty="0">
-                <a:solidFill>
-                  <a:srgbClr val="000000"/>
-                </a:solidFill>
-              </a:rPr>
-              <a:t>﻿</a:t>
-            </a:r>
-            <a:r>
-              <a:rPr lang="en-US" sz="3600" dirty="0">
-                <a:solidFill>
-                  <a:srgbClr val="0000FF"/>
-                </a:solidFill>
-              </a:rPr>
-              <a:t>﻿﻿</a:t>
-            </a:r>
-            <a:r>
-              <a:rPr lang="en-US" sz="2800" dirty="0">
-                <a:solidFill>
-                  <a:srgbClr val="0000FF"/>
-                </a:solidFill>
-              </a:rPr>
-              <a:t>SELECT</a:t>
-            </a:r>
-          </a:p>
-          <a:p>
-            <a:r>
-              <a:rPr lang="en-US" sz="2800" dirty="0" err="1">
-                <a:solidFill>
-                  <a:srgbClr val="9B3E1E"/>
-                </a:solidFill>
-              </a:rPr>
-              <a:t>users.id</a:t>
-            </a:r>
-            <a:r>
-              <a:rPr lang="en-US" sz="2800" dirty="0">
-                <a:solidFill>
-                  <a:srgbClr val="9B3E1E"/>
-                </a:solidFill>
-              </a:rPr>
-              <a:t> as users,</a:t>
-            </a:r>
-          </a:p>
-          <a:p>
-            <a:r>
-              <a:rPr lang="en-US" sz="2800" dirty="0" err="1">
-                <a:solidFill>
-                  <a:srgbClr val="9B3E1E"/>
-                </a:solidFill>
-              </a:rPr>
-              <a:t>orders.id</a:t>
-            </a:r>
-            <a:r>
-              <a:rPr lang="en-US" sz="2800" dirty="0">
-                <a:solidFill>
-                  <a:srgbClr val="9B3E1E"/>
-                </a:solidFill>
-              </a:rPr>
-              <a:t> as orders,</a:t>
-            </a:r>
-          </a:p>
-          <a:p>
-            <a:r>
-              <a:rPr lang="en-US" sz="2800" dirty="0" err="1">
-                <a:solidFill>
-                  <a:srgbClr val="9B3E1E"/>
-                </a:solidFill>
-              </a:rPr>
-              <a:t>firstname</a:t>
-            </a:r>
-            <a:r>
-              <a:rPr lang="en-US" sz="2800" dirty="0">
-                <a:solidFill>
-                  <a:srgbClr val="9B3E1E"/>
-                </a:solidFill>
-              </a:rPr>
-              <a:t>,</a:t>
-            </a:r>
-          </a:p>
-          <a:p>
-            <a:r>
-              <a:rPr lang="en-US" sz="2800" dirty="0" err="1">
-                <a:solidFill>
-                  <a:srgbClr val="9B3E1E"/>
-                </a:solidFill>
-              </a:rPr>
-              <a:t>lastname</a:t>
-            </a:r>
-            <a:r>
-              <a:rPr lang="en-US" sz="2800" dirty="0">
-                <a:solidFill>
-                  <a:srgbClr val="9B3E1E"/>
-                </a:solidFill>
-              </a:rPr>
-              <a:t>,</a:t>
-            </a:r>
-          </a:p>
-          <a:p>
-            <a:r>
-              <a:rPr lang="en-US" sz="2800" dirty="0" err="1">
-                <a:solidFill>
-                  <a:srgbClr val="9B3E1E"/>
-                </a:solidFill>
-              </a:rPr>
-              <a:t>shipping_total</a:t>
-            </a:r>
-            <a:r>
-              <a:rPr lang="en-US" sz="2800" dirty="0">
-                <a:solidFill>
-                  <a:srgbClr val="9B3E1E"/>
-                </a:solidFill>
-              </a:rPr>
-              <a:t>,</a:t>
-            </a:r>
-          </a:p>
-          <a:p>
-            <a:r>
-              <a:rPr lang="en-US" sz="2800" dirty="0" err="1">
-                <a:solidFill>
-                  <a:srgbClr val="9B3E1E"/>
-                </a:solidFill>
-              </a:rPr>
-              <a:t>orders.address</a:t>
-            </a:r>
-            <a:endParaRPr lang="en-US" sz="2800" dirty="0">
+            <a:pPr marL="0" indent="0" algn="ctr" fontAlgn="base">
+              <a:buNone/>
+            </a:pPr>
+            <a:r>
+              <a:rPr lang="en-US" sz="3200" dirty="0">
+                <a:solidFill>
+                  <a:srgbClr val="9B3E1E"/>
+                </a:solidFill>
+              </a:rPr>
+              <a:t>Write a SQL Query that returns the following from the </a:t>
+            </a:r>
+            <a:r>
+              <a:rPr lang="en-US" sz="3200" dirty="0" smtClean="0">
+                <a:solidFill>
+                  <a:srgbClr val="9B3E1E"/>
+                </a:solidFill>
+              </a:rPr>
+              <a:t>sample database</a:t>
+            </a:r>
+            <a:endParaRPr lang="en-US" sz="3200" dirty="0">
               <a:solidFill>
                 <a:srgbClr val="9B3E1E"/>
               </a:solidFill>
             </a:endParaRPr>
           </a:p>
           <a:p>
-            <a:r>
-              <a:rPr lang="en-US" sz="2800" dirty="0">
-                <a:solidFill>
-                  <a:srgbClr val="0000FF"/>
-                </a:solidFill>
-              </a:rPr>
-              <a:t>FROM </a:t>
-            </a:r>
-            <a:r>
-              <a:rPr lang="en-US" sz="2800" dirty="0">
-                <a:solidFill>
-                  <a:srgbClr val="9B3E1E"/>
-                </a:solidFill>
-              </a:rPr>
-              <a:t>users</a:t>
-            </a:r>
-          </a:p>
-          <a:p>
-            <a:r>
-              <a:rPr lang="en-US" sz="2800" dirty="0">
-                <a:solidFill>
-                  <a:srgbClr val="0000FF"/>
-                </a:solidFill>
-              </a:rPr>
-              <a:t>LEFT JOIN </a:t>
-            </a:r>
-            <a:r>
-              <a:rPr lang="en-US" sz="2800" dirty="0">
-                <a:solidFill>
-                  <a:srgbClr val="9B3E1E"/>
-                </a:solidFill>
-              </a:rPr>
-              <a:t>orders</a:t>
-            </a:r>
-            <a:r>
-              <a:rPr lang="en-US" sz="2800" dirty="0">
-                <a:solidFill>
-                  <a:srgbClr val="0000FF"/>
-                </a:solidFill>
-              </a:rPr>
-              <a:t> ON </a:t>
-            </a:r>
-            <a:r>
-              <a:rPr lang="en-US" sz="2800" dirty="0" err="1">
-                <a:solidFill>
-                  <a:srgbClr val="9B3E1E"/>
-                </a:solidFill>
-              </a:rPr>
-              <a:t>orders.user_id</a:t>
-            </a:r>
-            <a:r>
-              <a:rPr lang="en-US" sz="2800" dirty="0">
-                <a:solidFill>
-                  <a:srgbClr val="9B3E1E"/>
-                </a:solidFill>
-              </a:rPr>
-              <a:t> = </a:t>
-            </a:r>
-            <a:r>
-              <a:rPr lang="en-US" sz="2800" dirty="0" err="1">
-                <a:solidFill>
-                  <a:srgbClr val="9B3E1E"/>
-                </a:solidFill>
-              </a:rPr>
-              <a:t>users.id</a:t>
-            </a:r>
-            <a:endParaRPr lang="en-US" sz="2800" dirty="0">
+            <a:pPr lvl="0" fontAlgn="base"/>
+            <a:r>
+              <a:rPr lang="en-US" sz="3600" dirty="0" smtClean="0">
+                <a:solidFill>
+                  <a:srgbClr val="9B3E1E"/>
+                </a:solidFill>
+              </a:rPr>
+              <a:t>User ID</a:t>
+            </a:r>
+          </a:p>
+          <a:p>
+            <a:pPr lvl="0" fontAlgn="base"/>
+            <a:r>
+              <a:rPr lang="en-US" sz="3600" dirty="0" smtClean="0">
+                <a:solidFill>
+                  <a:srgbClr val="9B3E1E"/>
+                </a:solidFill>
+              </a:rPr>
+              <a:t>User First and Last Name</a:t>
+            </a:r>
+          </a:p>
+          <a:p>
+            <a:pPr lvl="0" fontAlgn="base"/>
+            <a:r>
+              <a:rPr lang="en-US" sz="3600" dirty="0" smtClean="0">
+                <a:solidFill>
+                  <a:srgbClr val="9B3E1E"/>
+                </a:solidFill>
+              </a:rPr>
+              <a:t>Order ID</a:t>
+            </a:r>
+          </a:p>
+          <a:p>
+            <a:pPr lvl="0" fontAlgn="base"/>
+            <a:r>
+              <a:rPr lang="en-US" sz="3600" dirty="0" smtClean="0">
+                <a:solidFill>
+                  <a:srgbClr val="9B3E1E"/>
+                </a:solidFill>
+              </a:rPr>
+              <a:t>Product Name</a:t>
+            </a:r>
+            <a:endParaRPr lang="en-US" sz="3600" dirty="0">
               <a:solidFill>
                 <a:srgbClr val="9B3E1E"/>
               </a:solidFill>
             </a:endParaRPr>
           </a:p>
           <a:p>
-            <a:r>
-              <a:rPr lang="en-US" sz="2800" dirty="0">
-                <a:solidFill>
-                  <a:srgbClr val="0000FF"/>
-                </a:solidFill>
-              </a:rPr>
-              <a:t>WHERE </a:t>
-            </a:r>
-            <a:r>
-              <a:rPr lang="en-US" sz="2800" dirty="0" err="1">
-                <a:solidFill>
-                  <a:srgbClr val="9B3E1E"/>
-                </a:solidFill>
-              </a:rPr>
-              <a:t>shipping_total</a:t>
-            </a:r>
-            <a:r>
-              <a:rPr lang="en-US" sz="2800" dirty="0">
-                <a:solidFill>
-                  <a:srgbClr val="9B3E1E"/>
-                </a:solidFill>
-              </a:rPr>
-              <a:t> </a:t>
-            </a:r>
-            <a:r>
-              <a:rPr lang="en-US" sz="2800" dirty="0">
-                <a:solidFill>
-                  <a:srgbClr val="0000FF"/>
-                </a:solidFill>
-              </a:rPr>
-              <a:t>IS NULL</a:t>
-            </a:r>
-            <a:endParaRPr lang="en-US" sz="2800" dirty="0">
+            <a:pPr lvl="0" fontAlgn="base"/>
+            <a:r>
+              <a:rPr lang="en-US" sz="3600" dirty="0" smtClean="0">
+                <a:solidFill>
+                  <a:srgbClr val="9B3E1E"/>
+                </a:solidFill>
+              </a:rPr>
+              <a:t>Product Type Name</a:t>
+            </a:r>
+          </a:p>
+          <a:p>
+            <a:pPr marL="0" lvl="0" indent="0" fontAlgn="base">
+              <a:buNone/>
+            </a:pPr>
+            <a:r>
+              <a:rPr lang="en-US" sz="3600" dirty="0" smtClean="0">
+                <a:solidFill>
+                  <a:srgbClr val="9B3E1E"/>
+                </a:solidFill>
+              </a:rPr>
+              <a:t>Where the order is a motherboard or monitor</a:t>
+            </a:r>
+            <a:endParaRPr lang="en-US" sz="3600" dirty="0">
               <a:solidFill>
-                <a:srgbClr val="000000"/>
+                <a:srgbClr val="9B3E1E"/>
               </a:solidFill>
             </a:endParaRPr>
+          </a:p>
+          <a:p>
+            <a:endParaRPr lang="en-US" dirty="0"/>
+          </a:p>
+        </p:txBody>
+      </p:sp>
+      <p:sp>
+        <p:nvSpPr>
+          <p:cNvPr id="4" name="Slide Number Placeholder 3"/>
+          <p:cNvSpPr>
+            <a:spLocks noGrp="1"/>
+          </p:cNvSpPr>
+          <p:nvPr>
+            <p:ph type="sldNum" sz="quarter" idx="12"/>
+          </p:nvPr>
+        </p:nvSpPr>
+        <p:spPr/>
+        <p:txBody>
+          <a:bodyPr/>
+          <a:lstStyle/>
+          <a:p>
+            <a:fld id="{DED72159-0418-AE40-83AC-0EA4C7352847}" type="slidenum">
+              <a:rPr lang="en-US" smtClean="0"/>
+              <a:t>34</a:t>
+            </a:fld>
+            <a:endParaRPr lang="en-US" dirty="0"/>
           </a:p>
         </p:txBody>
       </p:sp>
     </p:spTree>
     <p:extLst>
       <p:ext uri="{BB962C8B-B14F-4D97-AF65-F5344CB8AC3E}">
-        <p14:creationId xmlns:p14="http://schemas.microsoft.com/office/powerpoint/2010/main" val="3222250821"/>
+        <p14:creationId xmlns:p14="http://schemas.microsoft.com/office/powerpoint/2010/main" val="2562517097"/>
       </p:ext>
     </p:extLst>
   </p:cSld>
@@ -16526,270 +16082,6 @@
       </p:grpSpPr>
       <p:sp>
         <p:nvSpPr>
-          <p:cNvPr id="5" name="Title 4"/>
-          <p:cNvSpPr>
-            <a:spLocks noGrp="1"/>
-          </p:cNvSpPr>
-          <p:nvPr>
-            <p:ph type="title"/>
-          </p:nvPr>
-        </p:nvSpPr>
-        <p:spPr/>
-        <p:txBody>
-          <a:bodyPr>
-            <a:normAutofit fontScale="90000"/>
-          </a:bodyPr>
-          <a:lstStyle/>
-          <a:p>
-            <a:r>
-              <a:rPr lang="en-US" sz="6000" b="1" cap="all" dirty="0">
-                <a:solidFill>
-                  <a:srgbClr val="9B3E1E"/>
-                </a:solidFill>
-                <a:latin typeface="+mn-lt"/>
-              </a:rPr>
-              <a:t>LET'S DEVELOP IT!</a:t>
-            </a:r>
-            <a:r>
-              <a:rPr lang="en-US" dirty="0"/>
-              <a:t/>
-            </a:r>
-            <a:br>
-              <a:rPr lang="en-US" dirty="0"/>
-            </a:br>
-            <a:endParaRPr lang="en-US" dirty="0"/>
-          </a:p>
-        </p:txBody>
-      </p:sp>
-      <p:sp>
-        <p:nvSpPr>
-          <p:cNvPr id="6" name="Content Placeholder 5"/>
-          <p:cNvSpPr>
-            <a:spLocks noGrp="1"/>
-          </p:cNvSpPr>
-          <p:nvPr>
-            <p:ph idx="1"/>
-          </p:nvPr>
-        </p:nvSpPr>
-        <p:spPr>
-          <a:xfrm>
-            <a:off x="838200" y="1436158"/>
-            <a:ext cx="10515600" cy="4351338"/>
-          </a:xfrm>
-        </p:spPr>
-        <p:txBody>
-          <a:bodyPr>
-            <a:normAutofit lnSpcReduction="10000"/>
-          </a:bodyPr>
-          <a:lstStyle/>
-          <a:p>
-            <a:pPr marL="0" indent="0" algn="ctr" fontAlgn="base">
-              <a:buNone/>
-            </a:pPr>
-            <a:r>
-              <a:rPr lang="en-US" sz="3200" dirty="0">
-                <a:solidFill>
-                  <a:srgbClr val="9B3E1E"/>
-                </a:solidFill>
-              </a:rPr>
-              <a:t>Write a SQL Query that returns the following from the </a:t>
-            </a:r>
-            <a:r>
-              <a:rPr lang="en-US" sz="3200" dirty="0" smtClean="0">
-                <a:solidFill>
-                  <a:srgbClr val="9B3E1E"/>
-                </a:solidFill>
-              </a:rPr>
-              <a:t>sample</a:t>
-            </a:r>
-            <a:r>
-              <a:rPr lang="en-US" sz="3200" dirty="0" smtClean="0">
-                <a:solidFill>
-                  <a:srgbClr val="9B3E1E"/>
-                </a:solidFill>
-              </a:rPr>
-              <a:t> </a:t>
-            </a:r>
-            <a:r>
-              <a:rPr lang="en-US" sz="3200" dirty="0" smtClean="0">
-                <a:solidFill>
-                  <a:srgbClr val="9B3E1E"/>
-                </a:solidFill>
-              </a:rPr>
-              <a:t>database</a:t>
-            </a:r>
-            <a:endParaRPr lang="en-US" sz="3200" dirty="0">
-              <a:solidFill>
-                <a:srgbClr val="9B3E1E"/>
-              </a:solidFill>
-            </a:endParaRPr>
-          </a:p>
-          <a:p>
-            <a:pPr lvl="0" fontAlgn="base"/>
-            <a:r>
-              <a:rPr lang="en-US" sz="3600" dirty="0" smtClean="0">
-                <a:solidFill>
-                  <a:srgbClr val="9B3E1E"/>
-                </a:solidFill>
-              </a:rPr>
-              <a:t>User ID</a:t>
-            </a:r>
-          </a:p>
-          <a:p>
-            <a:pPr lvl="0" fontAlgn="base"/>
-            <a:r>
-              <a:rPr lang="en-US" sz="3600" dirty="0" smtClean="0">
-                <a:solidFill>
-                  <a:srgbClr val="9B3E1E"/>
-                </a:solidFill>
-              </a:rPr>
-              <a:t>User </a:t>
-            </a:r>
-            <a:r>
-              <a:rPr lang="en-US" sz="3600" dirty="0" smtClean="0">
-                <a:solidFill>
-                  <a:srgbClr val="9B3E1E"/>
-                </a:solidFill>
-              </a:rPr>
-              <a:t>First and Last Name</a:t>
-            </a:r>
-          </a:p>
-          <a:p>
-            <a:pPr lvl="0" fontAlgn="base"/>
-            <a:r>
-              <a:rPr lang="en-US" sz="3600" dirty="0" smtClean="0">
-                <a:solidFill>
-                  <a:srgbClr val="9B3E1E"/>
-                </a:solidFill>
-              </a:rPr>
-              <a:t>Order </a:t>
-            </a:r>
-            <a:r>
-              <a:rPr lang="en-US" sz="3600" dirty="0" smtClean="0">
-                <a:solidFill>
-                  <a:srgbClr val="9B3E1E"/>
-                </a:solidFill>
-              </a:rPr>
-              <a:t>ID</a:t>
-            </a:r>
-          </a:p>
-          <a:p>
-            <a:pPr lvl="0" fontAlgn="base"/>
-            <a:r>
-              <a:rPr lang="en-US" sz="3600" dirty="0" smtClean="0">
-                <a:solidFill>
-                  <a:srgbClr val="9B3E1E"/>
-                </a:solidFill>
-              </a:rPr>
-              <a:t>Product Name</a:t>
-            </a:r>
-            <a:endParaRPr lang="en-US" sz="3600" dirty="0">
-              <a:solidFill>
-                <a:srgbClr val="9B3E1E"/>
-              </a:solidFill>
-            </a:endParaRPr>
-          </a:p>
-          <a:p>
-            <a:pPr lvl="0" fontAlgn="base"/>
-            <a:r>
-              <a:rPr lang="en-US" sz="3600" dirty="0" smtClean="0">
-                <a:solidFill>
-                  <a:srgbClr val="9B3E1E"/>
-                </a:solidFill>
-              </a:rPr>
-              <a:t>Product Type Name</a:t>
-            </a:r>
-            <a:endParaRPr lang="en-US" sz="3600" dirty="0" smtClean="0">
-              <a:solidFill>
-                <a:srgbClr val="9B3E1E"/>
-              </a:solidFill>
-            </a:endParaRPr>
-          </a:p>
-          <a:p>
-            <a:pPr marL="0" lvl="0" indent="0" fontAlgn="base">
-              <a:buNone/>
-            </a:pPr>
-            <a:r>
-              <a:rPr lang="en-US" sz="3600" dirty="0" smtClean="0">
-                <a:solidFill>
-                  <a:srgbClr val="9B3E1E"/>
-                </a:solidFill>
-              </a:rPr>
-              <a:t>Where the order is a motherboard or monitor</a:t>
-            </a:r>
-            <a:endParaRPr lang="en-US" sz="3600" dirty="0">
-              <a:solidFill>
-                <a:srgbClr val="9B3E1E"/>
-              </a:solidFill>
-            </a:endParaRPr>
-          </a:p>
-          <a:p>
-            <a:endParaRPr lang="en-US" dirty="0"/>
-          </a:p>
-        </p:txBody>
-      </p:sp>
-      <p:sp>
-        <p:nvSpPr>
-          <p:cNvPr id="4" name="Slide Number Placeholder 3"/>
-          <p:cNvSpPr>
-            <a:spLocks noGrp="1"/>
-          </p:cNvSpPr>
-          <p:nvPr>
-            <p:ph type="sldNum" sz="quarter" idx="12"/>
-          </p:nvPr>
-        </p:nvSpPr>
-        <p:spPr/>
-        <p:txBody>
-          <a:bodyPr/>
-          <a:lstStyle/>
-          <a:p>
-            <a:fld id="{DED72159-0418-AE40-83AC-0EA4C7352847}" type="slidenum">
-              <a:rPr lang="en-US" smtClean="0"/>
-              <a:t>35</a:t>
-            </a:fld>
-            <a:endParaRPr lang="en-US" dirty="0"/>
-          </a:p>
-        </p:txBody>
-      </p:sp>
-    </p:spTree>
-    <p:extLst>
-      <p:ext uri="{BB962C8B-B14F-4D97-AF65-F5344CB8AC3E}">
-        <p14:creationId xmlns:p14="http://schemas.microsoft.com/office/powerpoint/2010/main" val="2562517097"/>
-      </p:ext>
-    </p:extLst>
-  </p:cSld>
-  <p:clrMapOvr>
-    <a:masterClrMapping/>
-  </p:clrMapOvr>
-  <p:timing>
-    <p:tnLst>
-      <p:par>
-        <p:cTn xmlns:p14="http://schemas.microsoft.com/office/powerpoint/2010/main" id="1" dur="indefinite" restart="never" nodeType="tmRoot"/>
-      </p:par>
-    </p:tnLst>
-  </p:timing>
-</p:sld>
-</file>
-
-<file path=ppt/slides/slide36.xml><?xml version="1.0" encoding="utf-8"?>
-<p:sld xmlns:a="http://schemas.openxmlformats.org/drawingml/2006/main" xmlns:r="http://schemas.openxmlformats.org/officeDocument/2006/relationships" xmlns:p="http://schemas.openxmlformats.org/presentationml/2006/main">
-  <p:cSld>
-    <p:spTree>
-      <p:nvGrpSpPr>
-        <p:cNvPr id="1" name=""/>
-        <p:cNvGrpSpPr/>
-        <p:nvPr/>
-      </p:nvGrpSpPr>
-      <p:grpSpPr>
-        <a:xfrm>
-          <a:off x="0" y="0"/>
-          <a:ext cx="0" cy="0"/>
-          <a:chOff x="0" y="0"/>
-          <a:chExt cx="0" cy="0"/>
-        </a:xfrm>
-      </p:grpSpPr>
-      <p:sp>
-        <p:nvSpPr>
           <p:cNvPr id="4" name="Rectangle 3"/>
           <p:cNvSpPr/>
           <p:nvPr/>
@@ -16929,15 +16221,7 @@
                   <a:srgbClr val="0000FF"/>
                 </a:solidFill>
               </a:rPr>
-              <a:t>﻿</a:t>
-            </a:r>
-            <a:r>
-              <a:rPr lang="en-US" sz="4400" dirty="0">
-                <a:solidFill>
-                  <a:srgbClr val="0000FF"/>
-                </a:solidFill>
-              </a:rPr>
-              <a:t>SELECT</a:t>
+              <a:t>﻿SELECT</a:t>
             </a:r>
           </a:p>
           <a:p>
@@ -18161,31 +17445,7 @@
                   <a:srgbClr val="9B3E1E"/>
                 </a:solidFill>
               </a:rPr>
-              <a:t>turn to our sample database.  We have two tables: </a:t>
-            </a:r>
-            <a:r>
-              <a:rPr lang="en-US" sz="3600" dirty="0" smtClean="0">
-                <a:solidFill>
-                  <a:srgbClr val="9B3E1E"/>
-                </a:solidFill>
-              </a:rPr>
-              <a:t>users </a:t>
-            </a:r>
-            <a:r>
-              <a:rPr lang="en-US" sz="3600" dirty="0" smtClean="0">
-                <a:solidFill>
-                  <a:srgbClr val="9B3E1E"/>
-                </a:solidFill>
-              </a:rPr>
-              <a:t>and </a:t>
-            </a:r>
-            <a:r>
-              <a:rPr lang="en-US" sz="3600" dirty="0" smtClean="0">
-                <a:solidFill>
-                  <a:srgbClr val="9B3E1E"/>
-                </a:solidFill>
-              </a:rPr>
-              <a:t>orders. </a:t>
+              <a:t>turn to our sample database.  We have two tables: users and orders. </a:t>
             </a:r>
             <a:r>
               <a:rPr lang="en-US" sz="3600" dirty="0">
@@ -18622,11 +17882,6 @@
               </a:rPr>
               <a:t>Orders</a:t>
             </a:r>
-            <a:endParaRPr lang="en-US" sz="12800" dirty="0" smtClean="0">
-              <a:solidFill>
-                <a:srgbClr val="9B3E1E"/>
-              </a:solidFill>
-            </a:endParaRPr>
           </a:p>
           <a:p>
             <a:pPr marL="0" indent="0">
@@ -18638,39 +17893,7 @@
                   <a:srgbClr val="9B3E1E"/>
                 </a:solidFill>
               </a:rPr>
-              <a:t>To join the </a:t>
-            </a:r>
-            <a:r>
-              <a:rPr lang="en-US" sz="12800" dirty="0" smtClean="0">
-                <a:solidFill>
-                  <a:srgbClr val="9B3E1E"/>
-                </a:solidFill>
-              </a:rPr>
-              <a:t>Users </a:t>
-            </a:r>
-            <a:r>
-              <a:rPr lang="en-US" sz="12800" dirty="0" smtClean="0">
-                <a:solidFill>
-                  <a:srgbClr val="9B3E1E"/>
-                </a:solidFill>
-              </a:rPr>
-              <a:t>Table to </a:t>
-            </a:r>
-            <a:r>
-              <a:rPr lang="en-US" sz="12800" dirty="0" smtClean="0">
-                <a:solidFill>
-                  <a:srgbClr val="9B3E1E"/>
-                </a:solidFill>
-              </a:rPr>
-              <a:t>the Orders table</a:t>
-            </a:r>
-            <a:r>
-              <a:rPr lang="en-US" sz="12800" dirty="0" smtClean="0">
-                <a:solidFill>
-                  <a:srgbClr val="9B3E1E"/>
-                </a:solidFill>
-              </a:rPr>
-              <a:t>:</a:t>
+              <a:t>To join the Users Table to the Orders table:</a:t>
             </a:r>
           </a:p>
           <a:p>
@@ -18729,23 +17952,7 @@
                   <a:srgbClr val="9B3E1E"/>
                 </a:solidFill>
               </a:rPr>
-              <a:t>(i.e. </a:t>
-            </a:r>
-            <a:r>
-              <a:rPr lang="en-US" sz="12800" dirty="0" smtClean="0">
-                <a:solidFill>
-                  <a:srgbClr val="9B3E1E"/>
-                </a:solidFill>
-              </a:rPr>
-              <a:t>User) </a:t>
-            </a:r>
-            <a:r>
-              <a:rPr lang="en-US" sz="12800" dirty="0" smtClean="0">
-                <a:solidFill>
-                  <a:srgbClr val="9B3E1E"/>
-                </a:solidFill>
-              </a:rPr>
-              <a:t>in the</a:t>
+              <a:t>(i.e. User) in the</a:t>
             </a:r>
             <a:r>
               <a:rPr lang="en-US" sz="12800" dirty="0">
@@ -19223,7 +18430,7 @@
   <a:extraClrSchemeLst/>
   <a:extLst>
     <a:ext uri="{05A4C25C-085E-4340-85A3-A5531E510DB2}">
-      <thm15:themeFamily xmlns="" xmlns:thm15="http://schemas.microsoft.com/office/thememl/2012/main" name="Office Theme" id="{62F939B6-93AF-4DB8-9C6B-D6C7DFDC589F}" vid="{4A3C46E8-61CC-4603-A589-7422A47A8E4A}"/>
+      <thm15:themeFamily xmlns:thm15="http://schemas.microsoft.com/office/thememl/2012/main" xmlns="" name="Office Theme" id="{62F939B6-93AF-4DB8-9C6B-D6C7DFDC589F}" vid="{4A3C46E8-61CC-4603-A589-7422A47A8E4A}"/>
     </a:ext>
   </a:extLst>
 </a:theme>
@@ -19484,7 +18691,7 @@
   <a:extraClrSchemeLst/>
   <a:extLst>
     <a:ext uri="{05A4C25C-085E-4340-85A3-A5531E510DB2}">
-      <thm15:themeFamily xmlns="" xmlns:thm15="http://schemas.microsoft.com/office/thememl/2012/main" name="Office Theme" id="{62F939B6-93AF-4DB8-9C6B-D6C7DFDC589F}" vid="{4A3C46E8-61CC-4603-A589-7422A47A8E4A}"/>
+      <thm15:themeFamily xmlns:thm15="http://schemas.microsoft.com/office/thememl/2012/main" xmlns="" name="Office Theme" id="{62F939B6-93AF-4DB8-9C6B-D6C7DFDC589F}" vid="{4A3C46E8-61CC-4603-A589-7422A47A8E4A}"/>
     </a:ext>
   </a:extLst>
 </a:theme>
